--- a/files/OptiMin.pptx
+++ b/files/OptiMin.pptx
@@ -20,11 +20,13 @@
     <p:sldId id="547" r:id="rId13"/>
     <p:sldId id="548" r:id="rId14"/>
     <p:sldId id="549" r:id="rId15"/>
+    <p:sldId id="550" r:id="rId16"/>
+    <p:sldId id="551" r:id="rId17"/>
   </p:sldIdLst>
   <p:sldSz cx="12192000" cy="6858000"/>
   <p:notesSz cx="6858000" cy="9144000"/>
   <p:custDataLst>
-    <p:tags r:id="rId19"/>
+    <p:tags r:id="rId21"/>
   </p:custDataLst>
   <p:defaultTextStyle>
     <a:defPPr>
@@ -706,6 +708,162 @@
 </file>
 
 <file path=ppt/notesSlides/notesSlide12.xml><?xml version="1.0" encoding="utf-8"?>
+<p:notes xmlns:a="http://schemas.openxmlformats.org/drawingml/2006/main" xmlns:r="http://schemas.openxmlformats.org/officeDocument/2006/relationships" xmlns:p="http://schemas.openxmlformats.org/presentationml/2006/main">
+  <p:cSld>
+    <p:spTree>
+      <p:nvGrpSpPr>
+        <p:cNvPr id="1" name=""/>
+        <p:cNvGrpSpPr/>
+        <p:nvPr/>
+      </p:nvGrpSpPr>
+      <p:grpSpPr>
+        <a:xfrm>
+          <a:off x="0" y="0"/>
+          <a:ext cx="0" cy="0"/>
+          <a:chOff x="0" y="0"/>
+          <a:chExt cx="0" cy="0"/>
+        </a:xfrm>
+      </p:grpSpPr>
+      <p:sp>
+        <p:nvSpPr>
+          <p:cNvPr id="2" name="Slide Image Placeholder 1"/>
+          <p:cNvSpPr>
+            <a:spLocks noGrp="1" noRot="1" noChangeAspect="1"/>
+          </p:cNvSpPr>
+          <p:nvPr>
+            <p:ph type="sldImg"/>
+          </p:nvPr>
+        </p:nvSpPr>
+        <p:spPr/>
+      </p:sp>
+      <p:sp>
+        <p:nvSpPr>
+          <p:cNvPr id="3" name="Notes Placeholder 2"/>
+          <p:cNvSpPr>
+            <a:spLocks noGrp="1"/>
+          </p:cNvSpPr>
+          <p:nvPr>
+            <p:ph type="body" idx="1"/>
+          </p:nvPr>
+        </p:nvSpPr>
+        <p:spPr/>
+        <p:txBody>
+          <a:bodyPr/>
+          <a:lstStyle/>
+          <a:p>
+            <a:endParaRPr lang="en-US" dirty="0"/>
+          </a:p>
+        </p:txBody>
+      </p:sp>
+      <p:sp>
+        <p:nvSpPr>
+          <p:cNvPr id="4" name="Slide Number Placeholder 3"/>
+          <p:cNvSpPr>
+            <a:spLocks noGrp="1"/>
+          </p:cNvSpPr>
+          <p:nvPr>
+            <p:ph type="sldNum" sz="quarter" idx="5"/>
+          </p:nvPr>
+        </p:nvSpPr>
+        <p:spPr/>
+        <p:txBody>
+          <a:bodyPr/>
+          <a:lstStyle/>
+          <a:p>
+            <a:fld id="{A36FBB65-C2DC-264C-A6A0-AF6E43D523B2}" type="slidenum">
+              <a:rPr lang="en-US" smtClean="0"/>
+            </a:fld>
+            <a:endParaRPr lang="en-US"/>
+          </a:p>
+        </p:txBody>
+      </p:sp>
+    </p:spTree>
+  </p:cSld>
+  <p:clrMapOvr>
+    <a:masterClrMapping/>
+  </p:clrMapOvr>
+</p:notes>
+</file>
+
+<file path=ppt/notesSlides/notesSlide13.xml><?xml version="1.0" encoding="utf-8"?>
+<p:notes xmlns:a="http://schemas.openxmlformats.org/drawingml/2006/main" xmlns:r="http://schemas.openxmlformats.org/officeDocument/2006/relationships" xmlns:p="http://schemas.openxmlformats.org/presentationml/2006/main">
+  <p:cSld>
+    <p:spTree>
+      <p:nvGrpSpPr>
+        <p:cNvPr id="1" name=""/>
+        <p:cNvGrpSpPr/>
+        <p:nvPr/>
+      </p:nvGrpSpPr>
+      <p:grpSpPr>
+        <a:xfrm>
+          <a:off x="0" y="0"/>
+          <a:ext cx="0" cy="0"/>
+          <a:chOff x="0" y="0"/>
+          <a:chExt cx="0" cy="0"/>
+        </a:xfrm>
+      </p:grpSpPr>
+      <p:sp>
+        <p:nvSpPr>
+          <p:cNvPr id="2" name="Slide Image Placeholder 1"/>
+          <p:cNvSpPr>
+            <a:spLocks noGrp="1" noRot="1" noChangeAspect="1"/>
+          </p:cNvSpPr>
+          <p:nvPr>
+            <p:ph type="sldImg"/>
+          </p:nvPr>
+        </p:nvSpPr>
+        <p:spPr/>
+      </p:sp>
+      <p:sp>
+        <p:nvSpPr>
+          <p:cNvPr id="3" name="Notes Placeholder 2"/>
+          <p:cNvSpPr>
+            <a:spLocks noGrp="1"/>
+          </p:cNvSpPr>
+          <p:nvPr>
+            <p:ph type="body" idx="1"/>
+          </p:nvPr>
+        </p:nvSpPr>
+        <p:spPr/>
+        <p:txBody>
+          <a:bodyPr/>
+          <a:lstStyle/>
+          <a:p>
+            <a:endParaRPr lang="en-US" dirty="0"/>
+          </a:p>
+        </p:txBody>
+      </p:sp>
+      <p:sp>
+        <p:nvSpPr>
+          <p:cNvPr id="4" name="Slide Number Placeholder 3"/>
+          <p:cNvSpPr>
+            <a:spLocks noGrp="1"/>
+          </p:cNvSpPr>
+          <p:nvPr>
+            <p:ph type="sldNum" sz="quarter" idx="5"/>
+          </p:nvPr>
+        </p:nvSpPr>
+        <p:spPr/>
+        <p:txBody>
+          <a:bodyPr/>
+          <a:lstStyle/>
+          <a:p>
+            <a:fld id="{A36FBB65-C2DC-264C-A6A0-AF6E43D523B2}" type="slidenum">
+              <a:rPr lang="en-US" smtClean="0"/>
+            </a:fld>
+            <a:endParaRPr lang="en-US"/>
+          </a:p>
+        </p:txBody>
+      </p:sp>
+    </p:spTree>
+  </p:cSld>
+  <p:clrMapOvr>
+    <a:masterClrMapping/>
+  </p:clrMapOvr>
+</p:notes>
+</file>
+
+<file path=ppt/notesSlides/notesSlide14.xml><?xml version="1.0" encoding="utf-8"?>
 <p:notes xmlns:a="http://schemas.openxmlformats.org/drawingml/2006/main" xmlns:r="http://schemas.openxmlformats.org/officeDocument/2006/relationships" xmlns:p="http://schemas.openxmlformats.org/presentationml/2006/main">
   <p:cSld>
     <p:spTree>
@@ -3331,7 +3489,7 @@
         <p:spPr>
           <a:xfrm>
             <a:off x="9591040" y="1490980"/>
-            <a:ext cx="2305685" cy="1938020"/>
+            <a:ext cx="2305685" cy="1630045"/>
           </a:xfrm>
           <a:prstGeom prst="rect">
             <a:avLst/>
@@ -3344,7 +3502,7 @@
           <a:p>
             <a:pPr algn="l"/>
             <a:r>
-              <a:rPr lang="zh-CN" altLang="en-US" sz="2400" dirty="0">
+              <a:rPr lang="zh-CN" altLang="en-US" sz="2000" dirty="0">
                 <a:latin typeface="Times New Roman" panose="02020603050405020304" pitchFamily="18" charset="0"/>
                 <a:ea typeface="黑体" panose="02010609060101010101" pitchFamily="49" charset="-122"/>
                 <a:cs typeface="Times New Roman" panose="02020603050405020304" pitchFamily="18" charset="0"/>
@@ -3352,14 +3510,14 @@
               <a:t>空</a:t>
             </a:r>
             <a:r>
-              <a:rPr lang="zh-CN" altLang="en-US" sz="2400" dirty="0">
+              <a:rPr lang="zh-CN" altLang="en-US" sz="2000" dirty="0">
                 <a:latin typeface="Times New Roman" panose="02020603050405020304" pitchFamily="18" charset="0"/>
                 <a:ea typeface="黑体" panose="02010609060101010101" pitchFamily="49" charset="-122"/>
                 <a:cs typeface="Times New Roman" panose="02020603050405020304" pitchFamily="18" charset="0"/>
               </a:rPr>
               <a:t>种子</a:t>
             </a:r>
-            <a:endParaRPr lang="zh-CN" altLang="en-US" sz="2400" dirty="0">
+            <a:endParaRPr lang="zh-CN" altLang="en-US" sz="2000" dirty="0">
               <a:latin typeface="Times New Roman" panose="02020603050405020304" pitchFamily="18" charset="0"/>
               <a:ea typeface="黑体" panose="02010609060101010101" pitchFamily="49" charset="-122"/>
               <a:cs typeface="Times New Roman" panose="02020603050405020304" pitchFamily="18" charset="0"/>
@@ -3367,7 +3525,7 @@
           </a:p>
           <a:p>
             <a:pPr algn="l"/>
-            <a:endParaRPr lang="zh-CN" altLang="en-US" sz="2400" dirty="0">
+            <a:endParaRPr lang="zh-CN" altLang="en-US" sz="2000" dirty="0">
               <a:latin typeface="Times New Roman" panose="02020603050405020304" pitchFamily="18" charset="0"/>
               <a:ea typeface="黑体" panose="02010609060101010101" pitchFamily="49" charset="-122"/>
               <a:cs typeface="Times New Roman" panose="02020603050405020304" pitchFamily="18" charset="0"/>
@@ -3376,7 +3534,7 @@
           <a:p>
             <a:pPr algn="l"/>
             <a:r>
-              <a:rPr lang="zh-CN" altLang="en-US" sz="2400" dirty="0">
+              <a:rPr lang="zh-CN" altLang="en-US" sz="2000" dirty="0">
                 <a:latin typeface="Times New Roman" panose="02020603050405020304" pitchFamily="18" charset="0"/>
                 <a:ea typeface="黑体" panose="02010609060101010101" pitchFamily="49" charset="-122"/>
                 <a:cs typeface="Times New Roman" panose="02020603050405020304" pitchFamily="18" charset="0"/>
@@ -3384,14 +3542,14 @@
               <a:t>PROVided </a:t>
             </a:r>
             <a:r>
-              <a:rPr lang="zh-CN" altLang="en-US" sz="2400" dirty="0">
+              <a:rPr lang="zh-CN" altLang="en-US" sz="2000" dirty="0">
                 <a:latin typeface="Times New Roman" panose="02020603050405020304" pitchFamily="18" charset="0"/>
                 <a:ea typeface="黑体" panose="02010609060101010101" pitchFamily="49" charset="-122"/>
                 <a:cs typeface="Times New Roman" panose="02020603050405020304" pitchFamily="18" charset="0"/>
               </a:rPr>
               <a:t>种子</a:t>
             </a:r>
-            <a:endParaRPr lang="zh-CN" altLang="en-US" sz="2400" dirty="0">
+            <a:endParaRPr lang="zh-CN" altLang="en-US" sz="2000" dirty="0">
               <a:latin typeface="Times New Roman" panose="02020603050405020304" pitchFamily="18" charset="0"/>
               <a:ea typeface="黑体" panose="02010609060101010101" pitchFamily="49" charset="-122"/>
               <a:cs typeface="Times New Roman" panose="02020603050405020304" pitchFamily="18" charset="0"/>
@@ -3399,7 +3557,7 @@
           </a:p>
           <a:p>
             <a:pPr algn="l"/>
-            <a:endParaRPr lang="zh-CN" altLang="en-US" sz="2400" dirty="0">
+            <a:endParaRPr lang="zh-CN" altLang="en-US" sz="2000" dirty="0">
               <a:latin typeface="Times New Roman" panose="02020603050405020304" pitchFamily="18" charset="0"/>
               <a:ea typeface="黑体" panose="02010609060101010101" pitchFamily="49" charset="-122"/>
               <a:cs typeface="Times New Roman" panose="02020603050405020304" pitchFamily="18" charset="0"/>
@@ -3408,7 +3566,7 @@
           <a:p>
             <a:pPr algn="l"/>
             <a:r>
-              <a:rPr lang="zh-CN" altLang="en-US" sz="2400" dirty="0">
+              <a:rPr lang="zh-CN" altLang="en-US" sz="2000" dirty="0">
                 <a:latin typeface="Times New Roman" panose="02020603050405020304" pitchFamily="18" charset="0"/>
                 <a:ea typeface="黑体" panose="02010609060101010101" pitchFamily="49" charset="-122"/>
                 <a:cs typeface="Times New Roman" panose="02020603050405020304" pitchFamily="18" charset="0"/>
@@ -3416,14 +3574,14 @@
               <a:t>迭代</a:t>
             </a:r>
             <a:r>
-              <a:rPr lang="zh-CN" altLang="en-US" sz="2400" dirty="0">
+              <a:rPr lang="zh-CN" altLang="en-US" sz="2000" dirty="0">
                 <a:latin typeface="Times New Roman" panose="02020603050405020304" pitchFamily="18" charset="0"/>
                 <a:ea typeface="黑体" panose="02010609060101010101" pitchFamily="49" charset="-122"/>
                 <a:cs typeface="Times New Roman" panose="02020603050405020304" pitchFamily="18" charset="0"/>
               </a:rPr>
               <a:t>速度</a:t>
             </a:r>
-            <a:endParaRPr lang="zh-CN" altLang="en-US" sz="2400" dirty="0">
+            <a:endParaRPr lang="zh-CN" altLang="en-US" sz="2000" dirty="0">
               <a:latin typeface="Times New Roman" panose="02020603050405020304" pitchFamily="18" charset="0"/>
               <a:ea typeface="黑体" panose="02010609060101010101" pitchFamily="49" charset="-122"/>
               <a:cs typeface="Times New Roman" panose="02020603050405020304" pitchFamily="18" charset="0"/>
@@ -3444,7 +3602,7 @@
         <p:spPr>
           <a:xfrm>
             <a:off x="9718040" y="4088130"/>
-            <a:ext cx="2305685" cy="1938020"/>
+            <a:ext cx="2305685" cy="1630045"/>
           </a:xfrm>
           <a:prstGeom prst="rect">
             <a:avLst/>
@@ -3457,7 +3615,7 @@
           <a:p>
             <a:pPr algn="l"/>
             <a:r>
-              <a:rPr lang="zh-CN" altLang="en-US" sz="2400" dirty="0">
+              <a:rPr lang="zh-CN" altLang="en-US" sz="2000" dirty="0">
                 <a:latin typeface="Times New Roman" panose="02020603050405020304" pitchFamily="18" charset="0"/>
                 <a:ea typeface="黑体" panose="02010609060101010101" pitchFamily="49" charset="-122"/>
                 <a:cs typeface="Times New Roman" panose="02020603050405020304" pitchFamily="18" charset="0"/>
@@ -3465,14 +3623,14 @@
               <a:t>不同最小集在效率上均</a:t>
             </a:r>
             <a:r>
-              <a:rPr lang="zh-CN" altLang="en-US" sz="2400" dirty="0">
+              <a:rPr lang="zh-CN" altLang="en-US" sz="2000" dirty="0">
                 <a:latin typeface="Times New Roman" panose="02020603050405020304" pitchFamily="18" charset="0"/>
                 <a:ea typeface="黑体" panose="02010609060101010101" pitchFamily="49" charset="-122"/>
                 <a:cs typeface="Times New Roman" panose="02020603050405020304" pitchFamily="18" charset="0"/>
               </a:rPr>
               <a:t>有效</a:t>
             </a:r>
-            <a:endParaRPr lang="zh-CN" altLang="en-US" sz="2400" dirty="0">
+            <a:endParaRPr lang="zh-CN" altLang="en-US" sz="2000" dirty="0">
               <a:latin typeface="Times New Roman" panose="02020603050405020304" pitchFamily="18" charset="0"/>
               <a:ea typeface="黑体" panose="02010609060101010101" pitchFamily="49" charset="-122"/>
               <a:cs typeface="Times New Roman" panose="02020603050405020304" pitchFamily="18" charset="0"/>
@@ -3480,7 +3638,7 @@
           </a:p>
           <a:p>
             <a:pPr algn="l"/>
-            <a:endParaRPr lang="zh-CN" altLang="en-US" sz="2400" dirty="0">
+            <a:endParaRPr lang="zh-CN" altLang="en-US" sz="2000" dirty="0">
               <a:latin typeface="Times New Roman" panose="02020603050405020304" pitchFamily="18" charset="0"/>
               <a:ea typeface="黑体" panose="02010609060101010101" pitchFamily="49" charset="-122"/>
               <a:cs typeface="Times New Roman" panose="02020603050405020304" pitchFamily="18" charset="0"/>
@@ -3489,7 +3647,7 @@
           <a:p>
             <a:pPr algn="l"/>
             <a:r>
-              <a:rPr lang="zh-CN" altLang="en-US" sz="2400" dirty="0">
+              <a:rPr lang="zh-CN" altLang="en-US" sz="2000" dirty="0">
                 <a:latin typeface="Times New Roman" panose="02020603050405020304" pitchFamily="18" charset="0"/>
                 <a:ea typeface="黑体" panose="02010609060101010101" pitchFamily="49" charset="-122"/>
                 <a:cs typeface="Times New Roman" panose="02020603050405020304" pitchFamily="18" charset="0"/>
@@ -3497,18 +3655,130 @@
               <a:t>最小集并不能全覆盖全集</a:t>
             </a:r>
             <a:r>
-              <a:rPr lang="en-US" altLang="zh-CN" sz="2400" dirty="0">
+              <a:rPr lang="en-US" altLang="zh-CN" sz="2000" dirty="0">
                 <a:latin typeface="Times New Roman" panose="02020603050405020304" pitchFamily="18" charset="0"/>
                 <a:ea typeface="黑体" panose="02010609060101010101" pitchFamily="49" charset="-122"/>
                 <a:cs typeface="Times New Roman" panose="02020603050405020304" pitchFamily="18" charset="0"/>
               </a:rPr>
               <a:t>bug</a:t>
             </a:r>
-            <a:endParaRPr lang="en-US" altLang="zh-CN" sz="2400" dirty="0">
+            <a:endParaRPr lang="en-US" altLang="zh-CN" sz="2000" dirty="0">
               <a:latin typeface="Times New Roman" panose="02020603050405020304" pitchFamily="18" charset="0"/>
               <a:ea typeface="黑体" panose="02010609060101010101" pitchFamily="49" charset="-122"/>
               <a:cs typeface="Times New Roman" panose="02020603050405020304" pitchFamily="18" charset="0"/>
             </a:endParaRPr>
+          </a:p>
+        </p:txBody>
+      </p:sp>
+      <p:sp>
+        <p:nvSpPr>
+          <p:cNvPr id="3" name="矩形 2"/>
+          <p:cNvSpPr/>
+          <p:nvPr/>
+        </p:nvSpPr>
+        <p:spPr>
+          <a:xfrm>
+            <a:off x="2975610" y="1038225"/>
+            <a:ext cx="2207895" cy="5732780"/>
+          </a:xfrm>
+          <a:prstGeom prst="rect">
+            <a:avLst/>
+          </a:prstGeom>
+          <a:noFill/>
+          <a:ln w="19050">
+            <a:solidFill>
+              <a:srgbClr val="C00000"/>
+            </a:solidFill>
+          </a:ln>
+          <a:extLst>
+            <a:ext uri="{909E8E84-426E-40DD-AFC4-6F175D3DCCD1}">
+              <a14:hiddenFill xmlns:a14="http://schemas.microsoft.com/office/drawing/2010/main">
+                <a:solidFill>
+                  <a:schemeClr val="accent1"/>
+                </a:solidFill>
+              </a14:hiddenFill>
+            </a:ext>
+          </a:extLst>
+        </p:spPr>
+        <p:style>
+          <a:lnRef idx="2">
+            <a:schemeClr val="accent1">
+              <a:shade val="50000"/>
+            </a:schemeClr>
+          </a:lnRef>
+          <a:fillRef idx="1">
+            <a:schemeClr val="accent1"/>
+          </a:fillRef>
+          <a:effectRef idx="0">
+            <a:schemeClr val="accent1"/>
+          </a:effectRef>
+          <a:fontRef idx="minor">
+            <a:schemeClr val="lt1"/>
+          </a:fontRef>
+        </p:style>
+        <p:txBody>
+          <a:bodyPr rtlCol="0" anchor="ctr"/>
+          <a:p>
+            <a:pPr algn="ctr"/>
+            <a:endParaRPr lang="zh-CN" altLang="en-US"/>
+          </a:p>
+        </p:txBody>
+      </p:sp>
+      <p:sp>
+        <p:nvSpPr>
+          <p:cNvPr id="4" name="矩形 3"/>
+          <p:cNvSpPr/>
+          <p:nvPr>
+            <p:custDataLst>
+              <p:tags r:id="rId5"/>
+            </p:custDataLst>
+          </p:nvPr>
+        </p:nvSpPr>
+        <p:spPr>
+          <a:xfrm>
+            <a:off x="1281430" y="5041265"/>
+            <a:ext cx="8153400" cy="396240"/>
+          </a:xfrm>
+          <a:prstGeom prst="rect">
+            <a:avLst/>
+          </a:prstGeom>
+          <a:noFill/>
+          <a:ln w="19050">
+            <a:solidFill>
+              <a:srgbClr val="C00000"/>
+            </a:solidFill>
+          </a:ln>
+          <a:extLst>
+            <a:ext uri="{909E8E84-426E-40DD-AFC4-6F175D3DCCD1}">
+              <a14:hiddenFill xmlns:a14="http://schemas.microsoft.com/office/drawing/2010/main">
+                <a:solidFill>
+                  <a:schemeClr val="accent1"/>
+                </a:solidFill>
+              </a14:hiddenFill>
+            </a:ext>
+          </a:extLst>
+        </p:spPr>
+        <p:style>
+          <a:lnRef idx="2">
+            <a:schemeClr val="accent1">
+              <a:shade val="50000"/>
+            </a:schemeClr>
+          </a:lnRef>
+          <a:fillRef idx="1">
+            <a:schemeClr val="accent1"/>
+          </a:fillRef>
+          <a:effectRef idx="0">
+            <a:schemeClr val="accent1"/>
+          </a:effectRef>
+          <a:fontRef idx="minor">
+            <a:schemeClr val="lt1"/>
+          </a:fontRef>
+        </p:style>
+        <p:txBody>
+          <a:bodyPr rtlCol="0" anchor="ctr"/>
+          <a:p>
+            <a:pPr algn="ctr"/>
+            <a:endParaRPr lang="zh-CN" altLang="en-US"/>
           </a:p>
         </p:txBody>
       </p:sp>
@@ -3622,8 +3892,8 @@
         </p:nvSpPr>
         <p:spPr>
           <a:xfrm>
-            <a:off x="1612265" y="4652010"/>
-            <a:ext cx="9805035" cy="460375"/>
+            <a:off x="1612265" y="4693285"/>
+            <a:ext cx="9805035" cy="398780"/>
           </a:xfrm>
           <a:prstGeom prst="rect">
             <a:avLst/>
@@ -3636,7 +3906,7 @@
           <a:p>
             <a:pPr algn="l"/>
             <a:r>
-              <a:rPr lang="zh-CN" altLang="en-US" sz="2400" dirty="0">
+              <a:rPr lang="zh-CN" altLang="en-US" sz="2000" dirty="0">
                 <a:latin typeface="黑体" panose="02010609060101010101" pitchFamily="49" charset="-122"/>
                 <a:ea typeface="黑体" panose="02010609060101010101" pitchFamily="49" charset="-122"/>
                 <a:cs typeface="Times New Roman" panose="02020603050405020304" pitchFamily="18" charset="0"/>
@@ -3644,14 +3914,14 @@
               <a:t>四种最小集方案均取得比全集方案更好的</a:t>
             </a:r>
             <a:r>
-              <a:rPr lang="zh-CN" altLang="en-US" sz="2400" dirty="0">
+              <a:rPr lang="zh-CN" altLang="en-US" sz="2000" dirty="0">
                 <a:latin typeface="黑体" panose="02010609060101010101" pitchFamily="49" charset="-122"/>
                 <a:ea typeface="黑体" panose="02010609060101010101" pitchFamily="49" charset="-122"/>
                 <a:cs typeface="Times New Roman" panose="02020603050405020304" pitchFamily="18" charset="0"/>
               </a:rPr>
               <a:t>结果</a:t>
             </a:r>
-            <a:endParaRPr lang="zh-CN" altLang="en-US" sz="2400" dirty="0">
+            <a:endParaRPr lang="zh-CN" altLang="en-US" sz="2000" dirty="0">
               <a:latin typeface="黑体" panose="02010609060101010101" pitchFamily="49" charset="-122"/>
               <a:ea typeface="黑体" panose="02010609060101010101" pitchFamily="49" charset="-122"/>
               <a:cs typeface="Times New Roman" panose="02020603050405020304" pitchFamily="18" charset="0"/>
@@ -3739,8 +4009,8 @@
         </p:nvSpPr>
         <p:spPr>
           <a:xfrm>
-            <a:off x="1612265" y="5183505"/>
-            <a:ext cx="9805035" cy="460375"/>
+            <a:off x="1612265" y="5224780"/>
+            <a:ext cx="9805035" cy="398780"/>
           </a:xfrm>
           <a:prstGeom prst="rect">
             <a:avLst/>
@@ -3753,7 +4023,7 @@
           <a:p>
             <a:pPr algn="l"/>
             <a:r>
-              <a:rPr lang="en-US" altLang="zh-CN" sz="2400" dirty="0">
+              <a:rPr lang="en-US" altLang="zh-CN" sz="2000" dirty="0">
                 <a:latin typeface="黑体" panose="02010609060101010101" pitchFamily="49" charset="-122"/>
                 <a:ea typeface="黑体" panose="02010609060101010101" pitchFamily="49" charset="-122"/>
                 <a:cs typeface="Times New Roman" panose="02020603050405020304" pitchFamily="18" charset="0"/>
@@ -3761,7 +4031,7 @@
               <a:t>benchmark</a:t>
             </a:r>
             <a:r>
-              <a:rPr lang="zh-CN" altLang="en-US" sz="2400" dirty="0">
+              <a:rPr lang="zh-CN" altLang="en-US" sz="2000" dirty="0">
                 <a:latin typeface="黑体" panose="02010609060101010101" pitchFamily="49" charset="-122"/>
                 <a:ea typeface="黑体" panose="02010609060101010101" pitchFamily="49" charset="-122"/>
                 <a:cs typeface="Times New Roman" panose="02020603050405020304" pitchFamily="18" charset="0"/>
@@ -3769,14 +4039,14 @@
               <a:t>提供的测试用例效果效果介于全集与最小集</a:t>
             </a:r>
             <a:r>
-              <a:rPr lang="zh-CN" altLang="en-US" sz="2400" dirty="0">
+              <a:rPr lang="zh-CN" altLang="en-US" sz="2000" dirty="0">
                 <a:latin typeface="黑体" panose="02010609060101010101" pitchFamily="49" charset="-122"/>
                 <a:ea typeface="黑体" panose="02010609060101010101" pitchFamily="49" charset="-122"/>
                 <a:cs typeface="Times New Roman" panose="02020603050405020304" pitchFamily="18" charset="0"/>
               </a:rPr>
               <a:t>之间</a:t>
             </a:r>
-            <a:endParaRPr lang="zh-CN" altLang="en-US" sz="2400" dirty="0">
+            <a:endParaRPr lang="zh-CN" altLang="en-US" sz="2000" dirty="0">
               <a:latin typeface="黑体" panose="02010609060101010101" pitchFamily="49" charset="-122"/>
               <a:ea typeface="黑体" panose="02010609060101010101" pitchFamily="49" charset="-122"/>
               <a:cs typeface="Times New Roman" panose="02020603050405020304" pitchFamily="18" charset="0"/>
@@ -3943,7 +4213,7 @@
                 <a:ea typeface="黑体" panose="02010609060101010101" pitchFamily="49" charset="-122"/>
                 <a:cs typeface="Times New Roman" panose="02020603050405020304" pitchFamily="18" charset="0"/>
               </a:rPr>
-              <a:t>RQ2</a:t>
+              <a:t>RQ3</a:t>
             </a:r>
             <a:r>
               <a:rPr lang="zh-CN" altLang="en-US" sz="3600" dirty="0">
@@ -3954,7 +4224,7 @@
                 <a:ea typeface="黑体" panose="02010609060101010101" pitchFamily="49" charset="-122"/>
                 <a:cs typeface="Times New Roman" panose="02020603050405020304" pitchFamily="18" charset="0"/>
               </a:rPr>
-              <a:t>：种子选择对测试有什么</a:t>
+              <a:t>：种子选择对覆盖率的</a:t>
             </a:r>
             <a:r>
               <a:rPr lang="zh-CN" altLang="en-US" sz="3600" dirty="0">
@@ -4006,6 +4276,785 @@
           </a:prstGeom>
         </p:spPr>
       </p:pic>
+    </p:spTree>
+  </p:cSld>
+  <p:clrMapOvr>
+    <a:masterClrMapping/>
+  </p:clrMapOvr>
+  <p:timing>
+    <p:tnLst>
+      <p:par>
+        <p:cTn id="1" dur="indefinite" restart="never" nodeType="tmRoot"/>
+      </p:par>
+    </p:tnLst>
+  </p:timing>
+</p:sld>
+</file>
+
+<file path=ppt/slides/slide13.xml><?xml version="1.0" encoding="utf-8"?>
+<p:sld xmlns:a="http://schemas.openxmlformats.org/drawingml/2006/main" xmlns:r="http://schemas.openxmlformats.org/officeDocument/2006/relationships" xmlns:p="http://schemas.openxmlformats.org/presentationml/2006/main">
+  <p:cSld>
+    <p:spTree>
+      <p:nvGrpSpPr>
+        <p:cNvPr id="1" name=""/>
+        <p:cNvGrpSpPr/>
+        <p:nvPr/>
+      </p:nvGrpSpPr>
+      <p:grpSpPr>
+        <a:xfrm>
+          <a:off x="0" y="0"/>
+          <a:ext cx="0" cy="0"/>
+          <a:chOff x="0" y="0"/>
+          <a:chExt cx="0" cy="0"/>
+        </a:xfrm>
+      </p:grpSpPr>
+      <p:sp>
+        <p:nvSpPr>
+          <p:cNvPr id="2" name="Title 1"/>
+          <p:cNvSpPr>
+            <a:spLocks noGrp="1"/>
+          </p:cNvSpPr>
+          <p:nvPr>
+            <p:ph type="title"/>
+          </p:nvPr>
+        </p:nvSpPr>
+        <p:spPr>
+          <a:xfrm>
+            <a:off x="838200" y="448582"/>
+            <a:ext cx="8448919" cy="556581"/>
+          </a:xfrm>
+        </p:spPr>
+        <p:txBody>
+          <a:bodyPr>
+            <a:normAutofit fontScale="90000"/>
+          </a:bodyPr>
+          <a:lstStyle/>
+          <a:p>
+            <a:r>
+              <a:rPr lang="en-US" altLang="zh-CN" sz="3600" dirty="0">
+                <a:solidFill>
+                  <a:srgbClr val="145397"/>
+                </a:solidFill>
+                <a:latin typeface="Times New Roman" panose="02020603050405020304" pitchFamily="18" charset="0"/>
+                <a:ea typeface="黑体" panose="02010609060101010101" pitchFamily="49" charset="-122"/>
+                <a:cs typeface="Times New Roman" panose="02020603050405020304" pitchFamily="18" charset="0"/>
+              </a:rPr>
+              <a:t>COVERSET</a:t>
+            </a:r>
+            <a:endParaRPr lang="en-US" altLang="zh-CN" sz="3600" dirty="0">
+              <a:solidFill>
+                <a:srgbClr val="145397"/>
+              </a:solidFill>
+              <a:latin typeface="Times New Roman" panose="02020603050405020304" pitchFamily="18" charset="0"/>
+              <a:ea typeface="黑体" panose="02010609060101010101" pitchFamily="49" charset="-122"/>
+              <a:cs typeface="Times New Roman" panose="02020603050405020304" pitchFamily="18" charset="0"/>
+            </a:endParaRPr>
+          </a:p>
+        </p:txBody>
+      </p:sp>
+      <p:pic>
+        <p:nvPicPr>
+          <p:cNvPr id="3" name="图片 2"/>
+          <p:cNvPicPr>
+            <a:picLocks noChangeAspect="1"/>
+          </p:cNvPicPr>
+          <p:nvPr>
+            <p:custDataLst>
+              <p:tags r:id="rId1"/>
+            </p:custDataLst>
+          </p:nvPr>
+        </p:nvPicPr>
+        <p:blipFill>
+          <a:blip r:embed="rId2"/>
+          <a:stretch>
+            <a:fillRect/>
+          </a:stretch>
+        </p:blipFill>
+        <p:spPr>
+          <a:xfrm>
+            <a:off x="838200" y="1388110"/>
+            <a:ext cx="5546725" cy="3110230"/>
+          </a:xfrm>
+          <a:prstGeom prst="rect">
+            <a:avLst/>
+          </a:prstGeom>
+        </p:spPr>
+      </p:pic>
+      <p:pic>
+        <p:nvPicPr>
+          <p:cNvPr id="4" name="图片 3"/>
+          <p:cNvPicPr>
+            <a:picLocks noChangeAspect="1"/>
+          </p:cNvPicPr>
+          <p:nvPr>
+            <p:custDataLst>
+              <p:tags r:id="rId3"/>
+            </p:custDataLst>
+          </p:nvPr>
+        </p:nvPicPr>
+        <p:blipFill>
+          <a:blip r:embed="rId4"/>
+          <a:stretch>
+            <a:fillRect/>
+          </a:stretch>
+        </p:blipFill>
+        <p:spPr>
+          <a:xfrm>
+            <a:off x="1193165" y="4721860"/>
+            <a:ext cx="5120005" cy="1750695"/>
+          </a:xfrm>
+          <a:prstGeom prst="rect">
+            <a:avLst/>
+          </a:prstGeom>
+        </p:spPr>
+      </p:pic>
+      <p:sp>
+        <p:nvSpPr>
+          <p:cNvPr id="125" name="矩形 124"/>
+          <p:cNvSpPr/>
+          <p:nvPr>
+            <p:custDataLst>
+              <p:tags r:id="rId5"/>
+            </p:custDataLst>
+          </p:nvPr>
+        </p:nvSpPr>
+        <p:spPr>
+          <a:xfrm>
+            <a:off x="7056120" y="3180080"/>
+            <a:ext cx="4591685" cy="1630045"/>
+          </a:xfrm>
+          <a:prstGeom prst="rect">
+            <a:avLst/>
+          </a:prstGeom>
+        </p:spPr>
+        <p:txBody>
+          <a:bodyPr wrap="square">
+            <a:spAutoFit/>
+          </a:bodyPr>
+          <a:p>
+            <a:pPr algn="l"/>
+            <a:r>
+              <a:rPr lang="zh-CN" altLang="en-US" sz="2000" dirty="0">
+                <a:latin typeface="Times New Roman" panose="02020603050405020304" pitchFamily="18" charset="0"/>
+                <a:ea typeface="黑体" panose="02010609060101010101" pitchFamily="49" charset="-122"/>
+                <a:cs typeface="Times New Roman" panose="02020603050405020304" pitchFamily="18" charset="0"/>
+              </a:rPr>
+              <a:t>使用相应的算法选择</a:t>
+            </a:r>
+            <a:r>
+              <a:rPr lang="en-US" altLang="zh-CN" sz="2000" dirty="0">
+                <a:latin typeface="Times New Roman" panose="02020603050405020304" pitchFamily="18" charset="0"/>
+                <a:ea typeface="黑体" panose="02010609060101010101" pitchFamily="49" charset="-122"/>
+                <a:cs typeface="Times New Roman" panose="02020603050405020304" pitchFamily="18" charset="0"/>
+              </a:rPr>
+              <a:t>10</a:t>
+            </a:r>
+            <a:r>
+              <a:rPr lang="zh-CN" altLang="en-US" sz="2000" dirty="0">
+                <a:latin typeface="Times New Roman" panose="02020603050405020304" pitchFamily="18" charset="0"/>
+                <a:ea typeface="黑体" panose="02010609060101010101" pitchFamily="49" charset="-122"/>
+                <a:cs typeface="Times New Roman" panose="02020603050405020304" pitchFamily="18" charset="0"/>
+              </a:rPr>
+              <a:t>个</a:t>
+            </a:r>
+            <a:r>
+              <a:rPr lang="zh-CN" altLang="en-US" sz="2000" dirty="0">
+                <a:latin typeface="Times New Roman" panose="02020603050405020304" pitchFamily="18" charset="0"/>
+                <a:ea typeface="黑体" panose="02010609060101010101" pitchFamily="49" charset="-122"/>
+                <a:cs typeface="Times New Roman" panose="02020603050405020304" pitchFamily="18" charset="0"/>
+              </a:rPr>
+              <a:t>种子文件</a:t>
+            </a:r>
+            <a:endParaRPr lang="zh-CN" altLang="en-US" sz="2000" dirty="0">
+              <a:latin typeface="Times New Roman" panose="02020603050405020304" pitchFamily="18" charset="0"/>
+              <a:ea typeface="黑体" panose="02010609060101010101" pitchFamily="49" charset="-122"/>
+              <a:cs typeface="Times New Roman" panose="02020603050405020304" pitchFamily="18" charset="0"/>
+            </a:endParaRPr>
+          </a:p>
+          <a:p>
+            <a:pPr algn="l"/>
+            <a:endParaRPr lang="zh-CN" altLang="en-US" sz="2000" dirty="0">
+              <a:latin typeface="Times New Roman" panose="02020603050405020304" pitchFamily="18" charset="0"/>
+              <a:ea typeface="黑体" panose="02010609060101010101" pitchFamily="49" charset="-122"/>
+              <a:cs typeface="Times New Roman" panose="02020603050405020304" pitchFamily="18" charset="0"/>
+            </a:endParaRPr>
+          </a:p>
+          <a:p>
+            <a:pPr marL="342900" indent="-342900" algn="l">
+              <a:buFont typeface="Arial" panose="020B0604020202020204" pitchFamily="34" charset="0"/>
+              <a:buChar char="•"/>
+            </a:pPr>
+            <a:r>
+              <a:rPr lang="zh-CN" altLang="en-US" sz="2000" dirty="0">
+                <a:latin typeface="Times New Roman" panose="02020603050405020304" pitchFamily="18" charset="0"/>
+                <a:ea typeface="黑体" panose="02010609060101010101" pitchFamily="49" charset="-122"/>
+                <a:cs typeface="Times New Roman" panose="02020603050405020304" pitchFamily="18" charset="0"/>
+              </a:rPr>
+              <a:t>随机选择有时会有更好的</a:t>
+            </a:r>
+            <a:r>
+              <a:rPr lang="zh-CN" altLang="en-US" sz="2000" dirty="0">
+                <a:latin typeface="Times New Roman" panose="02020603050405020304" pitchFamily="18" charset="0"/>
+                <a:ea typeface="黑体" panose="02010609060101010101" pitchFamily="49" charset="-122"/>
+                <a:cs typeface="Times New Roman" panose="02020603050405020304" pitchFamily="18" charset="0"/>
+              </a:rPr>
+              <a:t>结果</a:t>
+            </a:r>
+            <a:endParaRPr lang="zh-CN" altLang="en-US" sz="2000" dirty="0">
+              <a:latin typeface="Times New Roman" panose="02020603050405020304" pitchFamily="18" charset="0"/>
+              <a:ea typeface="黑体" panose="02010609060101010101" pitchFamily="49" charset="-122"/>
+              <a:cs typeface="Times New Roman" panose="02020603050405020304" pitchFamily="18" charset="0"/>
+            </a:endParaRPr>
+          </a:p>
+          <a:p>
+            <a:pPr marL="342900" indent="-342900" algn="l">
+              <a:buFont typeface="Arial" panose="020B0604020202020204" pitchFamily="34" charset="0"/>
+              <a:buChar char="•"/>
+            </a:pPr>
+            <a:r>
+              <a:rPr lang="zh-CN" altLang="en-US" sz="2000" dirty="0">
+                <a:latin typeface="Times New Roman" panose="02020603050405020304" pitchFamily="18" charset="0"/>
+                <a:ea typeface="黑体" panose="02010609060101010101" pitchFamily="49" charset="-122"/>
+                <a:cs typeface="Times New Roman" panose="02020603050405020304" pitchFamily="18" charset="0"/>
+              </a:rPr>
+              <a:t>约简后的种子集效果好的概率</a:t>
+            </a:r>
+            <a:r>
+              <a:rPr lang="zh-CN" altLang="en-US" sz="2000" dirty="0">
+                <a:latin typeface="Times New Roman" panose="02020603050405020304" pitchFamily="18" charset="0"/>
+                <a:ea typeface="黑体" panose="02010609060101010101" pitchFamily="49" charset="-122"/>
+                <a:cs typeface="Times New Roman" panose="02020603050405020304" pitchFamily="18" charset="0"/>
+              </a:rPr>
+              <a:t>更大</a:t>
+            </a:r>
+            <a:endParaRPr lang="zh-CN" altLang="en-US" sz="2000" dirty="0">
+              <a:latin typeface="Times New Roman" panose="02020603050405020304" pitchFamily="18" charset="0"/>
+              <a:ea typeface="黑体" panose="02010609060101010101" pitchFamily="49" charset="-122"/>
+              <a:cs typeface="Times New Roman" panose="02020603050405020304" pitchFamily="18" charset="0"/>
+            </a:endParaRPr>
+          </a:p>
+          <a:p>
+            <a:pPr marL="342900" indent="-342900" algn="l">
+              <a:buFont typeface="Arial" panose="020B0604020202020204" pitchFamily="34" charset="0"/>
+              <a:buChar char="•"/>
+            </a:pPr>
+            <a:r>
+              <a:rPr lang="en-US" altLang="zh-CN" sz="2000" dirty="0">
+                <a:latin typeface="Times New Roman" panose="02020603050405020304" pitchFamily="18" charset="0"/>
+                <a:ea typeface="黑体" panose="02010609060101010101" pitchFamily="49" charset="-122"/>
+                <a:cs typeface="Times New Roman" panose="02020603050405020304" pitchFamily="18" charset="0"/>
+              </a:rPr>
+              <a:t>minset</a:t>
+            </a:r>
+            <a:r>
+              <a:rPr lang="zh-CN" altLang="en-US" sz="2000" dirty="0">
+                <a:latin typeface="Times New Roman" panose="02020603050405020304" pitchFamily="18" charset="0"/>
+                <a:ea typeface="黑体" panose="02010609060101010101" pitchFamily="49" charset="-122"/>
+                <a:cs typeface="Times New Roman" panose="02020603050405020304" pitchFamily="18" charset="0"/>
+              </a:rPr>
+              <a:t>的效果是</a:t>
+            </a:r>
+            <a:r>
+              <a:rPr lang="zh-CN" altLang="en-US" sz="2000" dirty="0">
+                <a:latin typeface="Times New Roman" panose="02020603050405020304" pitchFamily="18" charset="0"/>
+                <a:ea typeface="黑体" panose="02010609060101010101" pitchFamily="49" charset="-122"/>
+                <a:cs typeface="Times New Roman" panose="02020603050405020304" pitchFamily="18" charset="0"/>
+              </a:rPr>
+              <a:t>最好的</a:t>
+            </a:r>
+            <a:endParaRPr lang="zh-CN" altLang="en-US" sz="2000" dirty="0">
+              <a:latin typeface="Times New Roman" panose="02020603050405020304" pitchFamily="18" charset="0"/>
+              <a:ea typeface="黑体" panose="02010609060101010101" pitchFamily="49" charset="-122"/>
+              <a:cs typeface="Times New Roman" panose="02020603050405020304" pitchFamily="18" charset="0"/>
+            </a:endParaRPr>
+          </a:p>
+        </p:txBody>
+      </p:sp>
+      <p:sp>
+        <p:nvSpPr>
+          <p:cNvPr id="6" name="矩形 5"/>
+          <p:cNvSpPr/>
+          <p:nvPr>
+            <p:custDataLst>
+              <p:tags r:id="rId6"/>
+            </p:custDataLst>
+          </p:nvPr>
+        </p:nvSpPr>
+        <p:spPr>
+          <a:xfrm>
+            <a:off x="7056120" y="1388110"/>
+            <a:ext cx="4591685" cy="1476375"/>
+          </a:xfrm>
+          <a:prstGeom prst="rect">
+            <a:avLst/>
+          </a:prstGeom>
+        </p:spPr>
+        <p:txBody>
+          <a:bodyPr wrap="square">
+            <a:spAutoFit/>
+          </a:bodyPr>
+          <a:p>
+            <a:pPr algn="l"/>
+            <a:r>
+              <a:rPr lang="en-US" altLang="zh-CN" dirty="0">
+                <a:latin typeface="Times New Roman" panose="02020603050405020304" pitchFamily="18" charset="0"/>
+                <a:ea typeface="黑体" panose="02010609060101010101" pitchFamily="49" charset="-122"/>
+                <a:cs typeface="Times New Roman" panose="02020603050405020304" pitchFamily="18" charset="0"/>
+              </a:rPr>
+              <a:t>hotset</a:t>
+            </a:r>
+            <a:r>
+              <a:rPr lang="zh-CN" altLang="en-US" dirty="0">
+                <a:latin typeface="Times New Roman" panose="02020603050405020304" pitchFamily="18" charset="0"/>
+                <a:ea typeface="黑体" panose="02010609060101010101" pitchFamily="49" charset="-122"/>
+                <a:cs typeface="Times New Roman" panose="02020603050405020304" pitchFamily="18" charset="0"/>
+              </a:rPr>
+              <a:t>：按发现</a:t>
+            </a:r>
+            <a:r>
+              <a:rPr lang="en-US" altLang="zh-CN" dirty="0">
+                <a:latin typeface="Times New Roman" panose="02020603050405020304" pitchFamily="18" charset="0"/>
+                <a:ea typeface="黑体" panose="02010609060101010101" pitchFamily="49" charset="-122"/>
+                <a:cs typeface="Times New Roman" panose="02020603050405020304" pitchFamily="18" charset="0"/>
+              </a:rPr>
+              <a:t>bug</a:t>
+            </a:r>
+            <a:r>
+              <a:rPr lang="zh-CN" altLang="en-US" dirty="0">
+                <a:latin typeface="Times New Roman" panose="02020603050405020304" pitchFamily="18" charset="0"/>
+                <a:ea typeface="黑体" panose="02010609060101010101" pitchFamily="49" charset="-122"/>
+                <a:cs typeface="Times New Roman" panose="02020603050405020304" pitchFamily="18" charset="0"/>
+              </a:rPr>
+              <a:t>数排序，选择前</a:t>
+            </a:r>
+            <a:r>
+              <a:rPr lang="en-US" altLang="zh-CN" dirty="0">
+                <a:latin typeface="Times New Roman" panose="02020603050405020304" pitchFamily="18" charset="0"/>
+                <a:ea typeface="黑体" panose="02010609060101010101" pitchFamily="49" charset="-122"/>
+                <a:cs typeface="Times New Roman" panose="02020603050405020304" pitchFamily="18" charset="0"/>
+              </a:rPr>
+              <a:t>N</a:t>
+            </a:r>
+            <a:r>
+              <a:rPr lang="zh-CN" altLang="en-US" dirty="0">
+                <a:latin typeface="Times New Roman" panose="02020603050405020304" pitchFamily="18" charset="0"/>
+                <a:ea typeface="黑体" panose="02010609060101010101" pitchFamily="49" charset="-122"/>
+                <a:cs typeface="Times New Roman" panose="02020603050405020304" pitchFamily="18" charset="0"/>
+              </a:rPr>
+              <a:t>个</a:t>
+            </a:r>
+            <a:endParaRPr lang="zh-CN" altLang="en-US" dirty="0">
+              <a:latin typeface="Times New Roman" panose="02020603050405020304" pitchFamily="18" charset="0"/>
+              <a:ea typeface="黑体" panose="02010609060101010101" pitchFamily="49" charset="-122"/>
+              <a:cs typeface="Times New Roman" panose="02020603050405020304" pitchFamily="18" charset="0"/>
+            </a:endParaRPr>
+          </a:p>
+          <a:p>
+            <a:pPr algn="l"/>
+            <a:r>
+              <a:rPr lang="en-US" altLang="zh-CN" dirty="0">
+                <a:latin typeface="Times New Roman" panose="02020603050405020304" pitchFamily="18" charset="0"/>
+                <a:ea typeface="黑体" panose="02010609060101010101" pitchFamily="49" charset="-122"/>
+                <a:cs typeface="Times New Roman" panose="02020603050405020304" pitchFamily="18" charset="0"/>
+              </a:rPr>
+              <a:t>minset</a:t>
+            </a:r>
+            <a:r>
+              <a:rPr lang="zh-CN" altLang="en-US" dirty="0">
+                <a:latin typeface="Times New Roman" panose="02020603050405020304" pitchFamily="18" charset="0"/>
+                <a:ea typeface="黑体" panose="02010609060101010101" pitchFamily="49" charset="-122"/>
+                <a:cs typeface="Times New Roman" panose="02020603050405020304" pitchFamily="18" charset="0"/>
+              </a:rPr>
+              <a:t>：最少的种子覆盖最多的代码</a:t>
+            </a:r>
+            <a:r>
+              <a:rPr lang="zh-CN" altLang="en-US" dirty="0">
+                <a:latin typeface="Times New Roman" panose="02020603050405020304" pitchFamily="18" charset="0"/>
+                <a:ea typeface="黑体" panose="02010609060101010101" pitchFamily="49" charset="-122"/>
+                <a:cs typeface="Times New Roman" panose="02020603050405020304" pitchFamily="18" charset="0"/>
+              </a:rPr>
+              <a:t>行</a:t>
+            </a:r>
+            <a:endParaRPr lang="zh-CN" altLang="en-US" dirty="0">
+              <a:latin typeface="Times New Roman" panose="02020603050405020304" pitchFamily="18" charset="0"/>
+              <a:ea typeface="黑体" panose="02010609060101010101" pitchFamily="49" charset="-122"/>
+              <a:cs typeface="Times New Roman" panose="02020603050405020304" pitchFamily="18" charset="0"/>
+            </a:endParaRPr>
+          </a:p>
+          <a:p>
+            <a:pPr algn="l"/>
+            <a:r>
+              <a:rPr lang="en-US" altLang="zh-CN" dirty="0">
+                <a:latin typeface="Times New Roman" panose="02020603050405020304" pitchFamily="18" charset="0"/>
+                <a:ea typeface="黑体" panose="02010609060101010101" pitchFamily="49" charset="-122"/>
+                <a:cs typeface="Times New Roman" panose="02020603050405020304" pitchFamily="18" charset="0"/>
+              </a:rPr>
+              <a:t>peach</a:t>
+            </a:r>
+            <a:r>
+              <a:rPr lang="zh-CN" altLang="en-US" dirty="0">
+                <a:latin typeface="Times New Roman" panose="02020603050405020304" pitchFamily="18" charset="0"/>
+                <a:ea typeface="黑体" panose="02010609060101010101" pitchFamily="49" charset="-122"/>
+                <a:cs typeface="Times New Roman" panose="02020603050405020304" pitchFamily="18" charset="0"/>
+              </a:rPr>
+              <a:t>：按覆盖率排序，选择前</a:t>
+            </a:r>
+            <a:r>
+              <a:rPr lang="en-US" altLang="zh-CN" dirty="0">
+                <a:latin typeface="Times New Roman" panose="02020603050405020304" pitchFamily="18" charset="0"/>
+                <a:ea typeface="黑体" panose="02010609060101010101" pitchFamily="49" charset="-122"/>
+                <a:cs typeface="Times New Roman" panose="02020603050405020304" pitchFamily="18" charset="0"/>
+              </a:rPr>
+              <a:t>N</a:t>
+            </a:r>
+            <a:r>
+              <a:rPr lang="zh-CN" altLang="en-US" dirty="0">
+                <a:latin typeface="Times New Roman" panose="02020603050405020304" pitchFamily="18" charset="0"/>
+                <a:ea typeface="黑体" panose="02010609060101010101" pitchFamily="49" charset="-122"/>
+                <a:cs typeface="Times New Roman" panose="02020603050405020304" pitchFamily="18" charset="0"/>
+              </a:rPr>
+              <a:t>个</a:t>
+            </a:r>
+            <a:endParaRPr lang="zh-CN" altLang="en-US" dirty="0">
+              <a:latin typeface="Times New Roman" panose="02020603050405020304" pitchFamily="18" charset="0"/>
+              <a:ea typeface="黑体" panose="02010609060101010101" pitchFamily="49" charset="-122"/>
+              <a:cs typeface="Times New Roman" panose="02020603050405020304" pitchFamily="18" charset="0"/>
+            </a:endParaRPr>
+          </a:p>
+          <a:p>
+            <a:pPr algn="l"/>
+            <a:r>
+              <a:rPr lang="en-US" altLang="zh-CN" dirty="0">
+                <a:latin typeface="Times New Roman" panose="02020603050405020304" pitchFamily="18" charset="0"/>
+                <a:ea typeface="黑体" panose="02010609060101010101" pitchFamily="49" charset="-122"/>
+                <a:cs typeface="Times New Roman" panose="02020603050405020304" pitchFamily="18" charset="0"/>
+              </a:rPr>
+              <a:t>sminset</a:t>
+            </a:r>
+            <a:r>
+              <a:rPr lang="zh-CN" altLang="en-US" dirty="0">
+                <a:latin typeface="Times New Roman" panose="02020603050405020304" pitchFamily="18" charset="0"/>
+                <a:ea typeface="黑体" panose="02010609060101010101" pitchFamily="49" charset="-122"/>
+                <a:cs typeface="Times New Roman" panose="02020603050405020304" pitchFamily="18" charset="0"/>
+              </a:rPr>
+              <a:t>：用最小的文件覆盖最多的</a:t>
+            </a:r>
+            <a:r>
+              <a:rPr lang="zh-CN" altLang="en-US" dirty="0">
+                <a:latin typeface="Times New Roman" panose="02020603050405020304" pitchFamily="18" charset="0"/>
+                <a:ea typeface="黑体" panose="02010609060101010101" pitchFamily="49" charset="-122"/>
+                <a:cs typeface="Times New Roman" panose="02020603050405020304" pitchFamily="18" charset="0"/>
+              </a:rPr>
+              <a:t>代码行</a:t>
+            </a:r>
+            <a:endParaRPr lang="zh-CN" altLang="en-US" dirty="0">
+              <a:latin typeface="Times New Roman" panose="02020603050405020304" pitchFamily="18" charset="0"/>
+              <a:ea typeface="黑体" panose="02010609060101010101" pitchFamily="49" charset="-122"/>
+              <a:cs typeface="Times New Roman" panose="02020603050405020304" pitchFamily="18" charset="0"/>
+            </a:endParaRPr>
+          </a:p>
+          <a:p>
+            <a:pPr algn="l"/>
+            <a:r>
+              <a:rPr lang="en-US" altLang="zh-CN" dirty="0">
+                <a:latin typeface="Times New Roman" panose="02020603050405020304" pitchFamily="18" charset="0"/>
+                <a:ea typeface="黑体" panose="02010609060101010101" pitchFamily="49" charset="-122"/>
+                <a:cs typeface="Times New Roman" panose="02020603050405020304" pitchFamily="18" charset="0"/>
+              </a:rPr>
+              <a:t>tminset</a:t>
+            </a:r>
+            <a:r>
+              <a:rPr lang="zh-CN" altLang="en-US" dirty="0">
+                <a:latin typeface="Times New Roman" panose="02020603050405020304" pitchFamily="18" charset="0"/>
+                <a:ea typeface="黑体" panose="02010609060101010101" pitchFamily="49" charset="-122"/>
+                <a:cs typeface="Times New Roman" panose="02020603050405020304" pitchFamily="18" charset="0"/>
+              </a:rPr>
+              <a:t>：</a:t>
+            </a:r>
+            <a:r>
+              <a:rPr lang="zh-CN" altLang="en-US" dirty="0">
+                <a:latin typeface="Times New Roman" panose="02020603050405020304" pitchFamily="18" charset="0"/>
+                <a:ea typeface="黑体" panose="02010609060101010101" pitchFamily="49" charset="-122"/>
+                <a:cs typeface="Times New Roman" panose="02020603050405020304" pitchFamily="18" charset="0"/>
+                <a:sym typeface="+mn-ea"/>
+              </a:rPr>
+              <a:t>用最</a:t>
+            </a:r>
+            <a:r>
+              <a:rPr lang="zh-CN" altLang="en-US" dirty="0">
+                <a:latin typeface="Times New Roman" panose="02020603050405020304" pitchFamily="18" charset="0"/>
+                <a:ea typeface="黑体" panose="02010609060101010101" pitchFamily="49" charset="-122"/>
+                <a:cs typeface="Times New Roman" panose="02020603050405020304" pitchFamily="18" charset="0"/>
+                <a:sym typeface="+mn-ea"/>
+              </a:rPr>
+              <a:t>快的文件覆盖最多的代码行</a:t>
+            </a:r>
+            <a:endParaRPr lang="zh-CN" altLang="en-US" dirty="0">
+              <a:latin typeface="Times New Roman" panose="02020603050405020304" pitchFamily="18" charset="0"/>
+              <a:ea typeface="黑体" panose="02010609060101010101" pitchFamily="49" charset="-122"/>
+              <a:cs typeface="Times New Roman" panose="02020603050405020304" pitchFamily="18" charset="0"/>
+            </a:endParaRPr>
+          </a:p>
+        </p:txBody>
+      </p:sp>
+    </p:spTree>
+  </p:cSld>
+  <p:clrMapOvr>
+    <a:masterClrMapping/>
+  </p:clrMapOvr>
+  <p:timing>
+    <p:tnLst>
+      <p:par>
+        <p:cTn id="1" dur="indefinite" restart="never" nodeType="tmRoot"/>
+      </p:par>
+    </p:tnLst>
+  </p:timing>
+</p:sld>
+</file>
+
+<file path=ppt/slides/slide14.xml><?xml version="1.0" encoding="utf-8"?>
+<p:sld xmlns:a="http://schemas.openxmlformats.org/drawingml/2006/main" xmlns:r="http://schemas.openxmlformats.org/officeDocument/2006/relationships" xmlns:p="http://schemas.openxmlformats.org/presentationml/2006/main">
+  <p:cSld>
+    <p:spTree>
+      <p:nvGrpSpPr>
+        <p:cNvPr id="1" name=""/>
+        <p:cNvGrpSpPr/>
+        <p:nvPr/>
+      </p:nvGrpSpPr>
+      <p:grpSpPr>
+        <a:xfrm>
+          <a:off x="0" y="0"/>
+          <a:ext cx="0" cy="0"/>
+          <a:chOff x="0" y="0"/>
+          <a:chExt cx="0" cy="0"/>
+        </a:xfrm>
+      </p:grpSpPr>
+      <p:sp>
+        <p:nvSpPr>
+          <p:cNvPr id="2" name="Title 1"/>
+          <p:cNvSpPr>
+            <a:spLocks noGrp="1"/>
+          </p:cNvSpPr>
+          <p:nvPr>
+            <p:ph type="title"/>
+          </p:nvPr>
+        </p:nvSpPr>
+        <p:spPr>
+          <a:xfrm>
+            <a:off x="838200" y="448582"/>
+            <a:ext cx="8448919" cy="556581"/>
+          </a:xfrm>
+        </p:spPr>
+        <p:txBody>
+          <a:bodyPr>
+            <a:normAutofit fontScale="90000"/>
+          </a:bodyPr>
+          <a:lstStyle/>
+          <a:p>
+            <a:r>
+              <a:rPr lang="en-US" altLang="zh-CN" sz="3600" dirty="0">
+                <a:solidFill>
+                  <a:srgbClr val="145397"/>
+                </a:solidFill>
+                <a:latin typeface="Times New Roman" panose="02020603050405020304" pitchFamily="18" charset="0"/>
+                <a:ea typeface="黑体" panose="02010609060101010101" pitchFamily="49" charset="-122"/>
+                <a:cs typeface="Times New Roman" panose="02020603050405020304" pitchFamily="18" charset="0"/>
+              </a:rPr>
+              <a:t>COVERSET</a:t>
+            </a:r>
+            <a:endParaRPr lang="en-US" altLang="zh-CN" sz="3600" dirty="0">
+              <a:solidFill>
+                <a:srgbClr val="145397"/>
+              </a:solidFill>
+              <a:latin typeface="Times New Roman" panose="02020603050405020304" pitchFamily="18" charset="0"/>
+              <a:ea typeface="黑体" panose="02010609060101010101" pitchFamily="49" charset="-122"/>
+              <a:cs typeface="Times New Roman" panose="02020603050405020304" pitchFamily="18" charset="0"/>
+            </a:endParaRPr>
+          </a:p>
+        </p:txBody>
+      </p:sp>
+      <p:pic>
+        <p:nvPicPr>
+          <p:cNvPr id="6" name="图片 5"/>
+          <p:cNvPicPr>
+            <a:picLocks noChangeAspect="1"/>
+          </p:cNvPicPr>
+          <p:nvPr>
+            <p:custDataLst>
+              <p:tags r:id="rId1"/>
+            </p:custDataLst>
+          </p:nvPr>
+        </p:nvPicPr>
+        <p:blipFill>
+          <a:blip r:embed="rId2"/>
+          <a:stretch>
+            <a:fillRect/>
+          </a:stretch>
+        </p:blipFill>
+        <p:spPr>
+          <a:xfrm>
+            <a:off x="3443605" y="1057910"/>
+            <a:ext cx="5304790" cy="2594610"/>
+          </a:xfrm>
+          <a:prstGeom prst="rect">
+            <a:avLst/>
+          </a:prstGeom>
+        </p:spPr>
+      </p:pic>
+      <p:sp>
+        <p:nvSpPr>
+          <p:cNvPr id="125" name="矩形 124"/>
+          <p:cNvSpPr/>
+          <p:nvPr>
+            <p:custDataLst>
+              <p:tags r:id="rId3"/>
+            </p:custDataLst>
+          </p:nvPr>
+        </p:nvSpPr>
+        <p:spPr>
+          <a:xfrm>
+            <a:off x="1237615" y="3652520"/>
+            <a:ext cx="8665210" cy="1630045"/>
+          </a:xfrm>
+          <a:prstGeom prst="rect">
+            <a:avLst/>
+          </a:prstGeom>
+        </p:spPr>
+        <p:txBody>
+          <a:bodyPr wrap="square">
+            <a:spAutoFit/>
+          </a:bodyPr>
+          <a:p>
+            <a:pPr algn="l"/>
+            <a:r>
+              <a:rPr lang="en-US" altLang="zh-CN" sz="2000" dirty="0">
+                <a:latin typeface="Times New Roman" panose="02020603050405020304" pitchFamily="18" charset="0"/>
+                <a:ea typeface="黑体" panose="02010609060101010101" pitchFamily="49" charset="-122"/>
+                <a:cs typeface="Times New Roman" panose="02020603050405020304" pitchFamily="18" charset="0"/>
+              </a:rPr>
+              <a:t>optimal</a:t>
+            </a:r>
+            <a:r>
+              <a:rPr lang="zh-CN" altLang="en-US" sz="2000" dirty="0">
+                <a:latin typeface="Times New Roman" panose="02020603050405020304" pitchFamily="18" charset="0"/>
+                <a:ea typeface="黑体" panose="02010609060101010101" pitchFamily="49" charset="-122"/>
+                <a:cs typeface="Times New Roman" panose="02020603050405020304" pitchFamily="18" charset="0"/>
+              </a:rPr>
+              <a:t>代表在使用随机调度的前提下能够达到的最好</a:t>
+            </a:r>
+            <a:r>
+              <a:rPr lang="zh-CN" altLang="en-US" sz="2000" dirty="0">
+                <a:latin typeface="Times New Roman" panose="02020603050405020304" pitchFamily="18" charset="0"/>
+                <a:ea typeface="黑体" panose="02010609060101010101" pitchFamily="49" charset="-122"/>
+                <a:cs typeface="Times New Roman" panose="02020603050405020304" pitchFamily="18" charset="0"/>
+              </a:rPr>
+              <a:t>结果</a:t>
+            </a:r>
+            <a:endParaRPr lang="zh-CN" altLang="en-US" sz="2000" dirty="0">
+              <a:latin typeface="Times New Roman" panose="02020603050405020304" pitchFamily="18" charset="0"/>
+              <a:ea typeface="黑体" panose="02010609060101010101" pitchFamily="49" charset="-122"/>
+              <a:cs typeface="Times New Roman" panose="02020603050405020304" pitchFamily="18" charset="0"/>
+            </a:endParaRPr>
+          </a:p>
+          <a:p>
+            <a:pPr algn="l"/>
+            <a:endParaRPr lang="zh-CN" altLang="en-US" sz="2000" dirty="0">
+              <a:latin typeface="Times New Roman" panose="02020603050405020304" pitchFamily="18" charset="0"/>
+              <a:ea typeface="黑体" panose="02010609060101010101" pitchFamily="49" charset="-122"/>
+              <a:cs typeface="Times New Roman" panose="02020603050405020304" pitchFamily="18" charset="0"/>
+            </a:endParaRPr>
+          </a:p>
+          <a:p>
+            <a:pPr marL="342900" indent="-342900" algn="l">
+              <a:buFont typeface="Arial" panose="020B0604020202020204" pitchFamily="34" charset="0"/>
+              <a:buChar char="•"/>
+            </a:pPr>
+            <a:r>
+              <a:rPr lang="zh-CN" altLang="en-US" sz="2000" dirty="0">
+                <a:latin typeface="Times New Roman" panose="02020603050405020304" pitchFamily="18" charset="0"/>
+                <a:ea typeface="黑体" panose="02010609060101010101" pitchFamily="49" charset="-122"/>
+                <a:cs typeface="Times New Roman" panose="02020603050405020304" pitchFamily="18" charset="0"/>
+              </a:rPr>
+              <a:t>花费大量的时间寻找子集可能得不偿失，</a:t>
+            </a:r>
+            <a:r>
+              <a:rPr lang="en-US" altLang="zh-CN" sz="2000" dirty="0">
+                <a:latin typeface="Times New Roman" panose="02020603050405020304" pitchFamily="18" charset="0"/>
+                <a:ea typeface="黑体" panose="02010609060101010101" pitchFamily="49" charset="-122"/>
+                <a:cs typeface="Times New Roman" panose="02020603050405020304" pitchFamily="18" charset="0"/>
+              </a:rPr>
+              <a:t>peach </a:t>
+            </a:r>
+            <a:r>
+              <a:rPr lang="en-US" altLang="zh-CN" sz="2000" dirty="0">
+                <a:latin typeface="Times New Roman" panose="02020603050405020304" pitchFamily="18" charset="0"/>
+                <a:ea typeface="黑体" panose="02010609060101010101" pitchFamily="49" charset="-122"/>
+                <a:cs typeface="Times New Roman" panose="02020603050405020304" pitchFamily="18" charset="0"/>
+              </a:rPr>
+              <a:t>hotset</a:t>
+            </a:r>
+            <a:endParaRPr lang="en-US" altLang="zh-CN" sz="2000" dirty="0">
+              <a:latin typeface="Times New Roman" panose="02020603050405020304" pitchFamily="18" charset="0"/>
+              <a:ea typeface="黑体" panose="02010609060101010101" pitchFamily="49" charset="-122"/>
+              <a:cs typeface="Times New Roman" panose="02020603050405020304" pitchFamily="18" charset="0"/>
+            </a:endParaRPr>
+          </a:p>
+          <a:p>
+            <a:pPr marL="342900" indent="-342900" algn="l">
+              <a:buFont typeface="Arial" panose="020B0604020202020204" pitchFamily="34" charset="0"/>
+              <a:buChar char="•"/>
+            </a:pPr>
+            <a:r>
+              <a:rPr lang="zh-CN" altLang="en-US" sz="2000" dirty="0">
+                <a:latin typeface="Times New Roman" panose="02020603050405020304" pitchFamily="18" charset="0"/>
+                <a:ea typeface="黑体" panose="02010609060101010101" pitchFamily="49" charset="-122"/>
+                <a:cs typeface="Times New Roman" panose="02020603050405020304" pitchFamily="18" charset="0"/>
+              </a:rPr>
+              <a:t>在达到最优的子集之后，仍然扩大集合会导致</a:t>
+            </a:r>
+            <a:r>
+              <a:rPr lang="zh-CN" altLang="en-US" sz="2000" dirty="0">
+                <a:latin typeface="Times New Roman" panose="02020603050405020304" pitchFamily="18" charset="0"/>
+                <a:ea typeface="黑体" panose="02010609060101010101" pitchFamily="49" charset="-122"/>
+                <a:cs typeface="Times New Roman" panose="02020603050405020304" pitchFamily="18" charset="0"/>
+              </a:rPr>
+              <a:t>性能下降</a:t>
+            </a:r>
+            <a:endParaRPr lang="zh-CN" altLang="en-US" sz="2000" dirty="0">
+              <a:latin typeface="Times New Roman" panose="02020603050405020304" pitchFamily="18" charset="0"/>
+              <a:ea typeface="黑体" panose="02010609060101010101" pitchFamily="49" charset="-122"/>
+              <a:cs typeface="Times New Roman" panose="02020603050405020304" pitchFamily="18" charset="0"/>
+            </a:endParaRPr>
+          </a:p>
+          <a:p>
+            <a:pPr marL="342900" indent="-342900" algn="l">
+              <a:buFont typeface="Arial" panose="020B0604020202020204" pitchFamily="34" charset="0"/>
+              <a:buChar char="•"/>
+            </a:pPr>
+            <a:r>
+              <a:rPr lang="zh-CN" altLang="en-US" sz="2000" dirty="0">
+                <a:latin typeface="Times New Roman" panose="02020603050405020304" pitchFamily="18" charset="0"/>
+                <a:ea typeface="黑体" panose="02010609060101010101" pitchFamily="49" charset="-122"/>
+                <a:cs typeface="Times New Roman" panose="02020603050405020304" pitchFamily="18" charset="0"/>
+              </a:rPr>
+              <a:t>所有方法只能尽可能地接近最优，而不能达到</a:t>
+            </a:r>
+            <a:r>
+              <a:rPr lang="zh-CN" altLang="en-US" sz="2000" dirty="0">
+                <a:latin typeface="Times New Roman" panose="02020603050405020304" pitchFamily="18" charset="0"/>
+                <a:ea typeface="黑体" panose="02010609060101010101" pitchFamily="49" charset="-122"/>
+                <a:cs typeface="Times New Roman" panose="02020603050405020304" pitchFamily="18" charset="0"/>
+              </a:rPr>
+              <a:t>最优</a:t>
+            </a:r>
+            <a:endParaRPr lang="zh-CN" altLang="en-US" sz="2000" dirty="0">
+              <a:latin typeface="Times New Roman" panose="02020603050405020304" pitchFamily="18" charset="0"/>
+              <a:ea typeface="黑体" panose="02010609060101010101" pitchFamily="49" charset="-122"/>
+              <a:cs typeface="Times New Roman" panose="02020603050405020304" pitchFamily="18" charset="0"/>
+            </a:endParaRPr>
+          </a:p>
+        </p:txBody>
+      </p:sp>
     </p:spTree>
   </p:cSld>
   <p:clrMapOvr>
@@ -8084,7 +9133,7 @@
         <p:spPr>
           <a:xfrm>
             <a:off x="1119568" y="1341549"/>
-            <a:ext cx="10786486" cy="460375"/>
+            <a:ext cx="10786486" cy="398780"/>
           </a:xfrm>
           <a:prstGeom prst="rect">
             <a:avLst/>
@@ -8096,7 +9145,7 @@
           </a:bodyPr>
           <a:p>
             <a:r>
-              <a:rPr lang="zh-CN" altLang="en-US" sz="2400" dirty="0">
+              <a:rPr lang="zh-CN" altLang="en-US" sz="2000" dirty="0">
                 <a:latin typeface="黑体" panose="02010609060101010101" pitchFamily="49" charset="-122"/>
                 <a:ea typeface="黑体" panose="02010609060101010101" pitchFamily="49" charset="-122"/>
                 <a:cs typeface="Times New Roman" panose="02020603050405020304" pitchFamily="18" charset="0"/>
@@ -8104,14 +9153,14 @@
               <a:t>当前普遍的</a:t>
             </a:r>
             <a:r>
-              <a:rPr lang="zh-CN" altLang="en-US" sz="2400" dirty="0">
+              <a:rPr lang="zh-CN" altLang="en-US" sz="2000" dirty="0">
                 <a:latin typeface="黑体" panose="02010609060101010101" pitchFamily="49" charset="-122"/>
                 <a:ea typeface="黑体" panose="02010609060101010101" pitchFamily="49" charset="-122"/>
                 <a:cs typeface="Times New Roman" panose="02020603050405020304" pitchFamily="18" charset="0"/>
               </a:rPr>
               <a:t>测试方法</a:t>
             </a:r>
-            <a:endParaRPr lang="zh-CN" altLang="en-US" sz="2400" dirty="0">
+            <a:endParaRPr lang="zh-CN" altLang="en-US" sz="2000" dirty="0">
               <a:latin typeface="黑体" panose="02010609060101010101" pitchFamily="49" charset="-122"/>
               <a:ea typeface="黑体" panose="02010609060101010101" pitchFamily="49" charset="-122"/>
               <a:cs typeface="Times New Roman" panose="02020603050405020304" pitchFamily="18" charset="0"/>
@@ -8161,7 +9210,7 @@
           <a:bodyPr rtlCol="0" anchor="ctr"/>
           <a:p>
             <a:pPr algn="ctr"/>
-            <a:endParaRPr kumimoji="1" lang="zh-CN" altLang="en-US"/>
+            <a:endParaRPr kumimoji="1" lang="zh-CN" altLang="en-US" sz="2000"/>
           </a:p>
         </p:txBody>
       </p:sp>
@@ -8178,7 +9227,7 @@
         <p:spPr>
           <a:xfrm>
             <a:off x="1612265" y="1960245"/>
-            <a:ext cx="9805035" cy="460375"/>
+            <a:ext cx="9805035" cy="398780"/>
           </a:xfrm>
           <a:prstGeom prst="rect">
             <a:avLst/>
@@ -8191,22 +9240,23 @@
           <a:p>
             <a:pPr algn="l"/>
             <a:r>
-              <a:rPr lang="zh-CN" altLang="en-US" sz="2400" dirty="0">
+              <a:rPr lang="zh-CN" altLang="en-US" sz="2000" dirty="0">
                 <a:latin typeface="黑体" panose="02010609060101010101" pitchFamily="49" charset="-122"/>
                 <a:ea typeface="黑体" panose="02010609060101010101" pitchFamily="49" charset="-122"/>
                 <a:cs typeface="Times New Roman" panose="02020603050405020304" pitchFamily="18" charset="0"/>
               </a:rPr>
-              <a:t>人工构造：</a:t>
-            </a:r>
-            <a:r>
-              <a:rPr lang="zh-CN" altLang="en-US" sz="2400" dirty="0">
+              <a:t>人工构造：人工成本高，</a:t>
+            </a:r>
+            <a:r>
+              <a:rPr lang="zh-CN" altLang="en-US" sz="2000" dirty="0">
                 <a:latin typeface="黑体" panose="02010609060101010101" pitchFamily="49" charset="-122"/>
                 <a:ea typeface="黑体" panose="02010609060101010101" pitchFamily="49" charset="-122"/>
                 <a:cs typeface="Times New Roman" panose="02020603050405020304" pitchFamily="18" charset="0"/>
-              </a:rPr>
-              <a:t>人工成本高</a:t>
-            </a:r>
-            <a:endParaRPr lang="zh-CN" altLang="en-US" sz="2400" dirty="0">
+                <a:sym typeface="+mn-ea"/>
+              </a:rPr>
+              <a:t>覆盖程序状态小</a:t>
+            </a:r>
+            <a:endParaRPr lang="zh-CN" altLang="en-US" sz="2000" dirty="0">
               <a:latin typeface="黑体" panose="02010609060101010101" pitchFamily="49" charset="-122"/>
               <a:ea typeface="黑体" panose="02010609060101010101" pitchFamily="49" charset="-122"/>
               <a:cs typeface="Times New Roman" panose="02020603050405020304" pitchFamily="18" charset="0"/>
@@ -8269,13 +9319,13 @@
           <a:p>
             <a:pPr algn="ctr"/>
             <a:r>
-              <a:rPr kumimoji="1" lang="en-US" altLang="zh-CN" dirty="0">
+              <a:rPr kumimoji="1" lang="en-US" altLang="zh-CN" sz="2000" dirty="0">
                 <a:latin typeface="Times New Roman" panose="02020603050405020304" pitchFamily="18" charset="0"/>
                 <a:cs typeface="Times New Roman" panose="02020603050405020304" pitchFamily="18" charset="0"/>
               </a:rPr>
               <a:t>1</a:t>
             </a:r>
-            <a:endParaRPr kumimoji="1" lang="zh-CN" altLang="en-US" dirty="0">
+            <a:endParaRPr kumimoji="1" lang="en-US" altLang="zh-CN" sz="2000" dirty="0">
               <a:latin typeface="Times New Roman" panose="02020603050405020304" pitchFamily="18" charset="0"/>
               <a:cs typeface="Times New Roman" panose="02020603050405020304" pitchFamily="18" charset="0"/>
             </a:endParaRPr>
@@ -8295,7 +9345,7 @@
         <p:spPr>
           <a:xfrm>
             <a:off x="1612265" y="2578735"/>
-            <a:ext cx="9805670" cy="460375"/>
+            <a:ext cx="9805670" cy="398780"/>
           </a:xfrm>
           <a:prstGeom prst="rect">
             <a:avLst/>
@@ -8308,7 +9358,7 @@
           <a:p>
             <a:pPr algn="l"/>
             <a:r>
-              <a:rPr lang="zh-CN" altLang="en-US" sz="2400" dirty="0">
+              <a:rPr lang="zh-CN" altLang="en-US" sz="2000" dirty="0">
                 <a:latin typeface="黑体" panose="02010609060101010101" pitchFamily="49" charset="-122"/>
                 <a:ea typeface="黑体" panose="02010609060101010101" pitchFamily="49" charset="-122"/>
                 <a:cs typeface="Times New Roman" panose="02020603050405020304" pitchFamily="18" charset="0"/>
@@ -8316,14 +9366,14 @@
               <a:t>程序生成：语法辅助生成，</a:t>
             </a:r>
             <a:r>
-              <a:rPr lang="zh-CN" altLang="en-US" sz="2400" dirty="0">
+              <a:rPr lang="zh-CN" altLang="en-US" sz="2000" dirty="0">
                 <a:latin typeface="Times New Roman" panose="02020603050405020304" pitchFamily="18" charset="0"/>
                 <a:ea typeface="黑体" panose="02010609060101010101" pitchFamily="49" charset="-122"/>
                 <a:cs typeface="Times New Roman" panose="02020603050405020304" pitchFamily="18" charset="0"/>
               </a:rPr>
               <a:t>Csmith</a:t>
             </a:r>
-            <a:endParaRPr lang="zh-CN" altLang="en-US" sz="2400" dirty="0">
+            <a:endParaRPr lang="zh-CN" altLang="en-US" sz="2000" dirty="0">
               <a:latin typeface="Times New Roman" panose="02020603050405020304" pitchFamily="18" charset="0"/>
               <a:ea typeface="黑体" panose="02010609060101010101" pitchFamily="49" charset="-122"/>
               <a:cs typeface="Times New Roman" panose="02020603050405020304" pitchFamily="18" charset="0"/>
@@ -8386,13 +9436,13 @@
           <a:p>
             <a:pPr algn="ctr"/>
             <a:r>
-              <a:rPr kumimoji="1" lang="en-US" altLang="zh-CN" dirty="0">
+              <a:rPr kumimoji="1" lang="en-US" altLang="zh-CN" sz="2000" dirty="0">
                 <a:latin typeface="Times New Roman" panose="02020603050405020304" pitchFamily="18" charset="0"/>
                 <a:cs typeface="Times New Roman" panose="02020603050405020304" pitchFamily="18" charset="0"/>
               </a:rPr>
               <a:t>2</a:t>
             </a:r>
-            <a:endParaRPr kumimoji="1" lang="en-US" altLang="zh-CN" dirty="0">
+            <a:endParaRPr kumimoji="1" lang="en-US" altLang="zh-CN" sz="2000" dirty="0">
               <a:latin typeface="Times New Roman" panose="02020603050405020304" pitchFamily="18" charset="0"/>
               <a:cs typeface="Times New Roman" panose="02020603050405020304" pitchFamily="18" charset="0"/>
             </a:endParaRPr>
@@ -8412,7 +9462,7 @@
         <p:spPr>
           <a:xfrm>
             <a:off x="1612265" y="3199130"/>
-            <a:ext cx="9806305" cy="460375"/>
+            <a:ext cx="9806305" cy="398780"/>
           </a:xfrm>
           <a:prstGeom prst="rect">
             <a:avLst/>
@@ -8425,7 +9475,7 @@
           <a:p>
             <a:pPr algn="l"/>
             <a:r>
-              <a:rPr lang="zh-CN" altLang="en-US" sz="2400" dirty="0">
+              <a:rPr lang="zh-CN" altLang="en-US" sz="2000" dirty="0">
                 <a:latin typeface="黑体" panose="02010609060101010101" pitchFamily="49" charset="-122"/>
                 <a:ea typeface="黑体" panose="02010609060101010101" pitchFamily="49" charset="-122"/>
                 <a:cs typeface="Times New Roman" panose="02020603050405020304" pitchFamily="18" charset="0"/>
@@ -8433,14 +9483,14 @@
               <a:t>语义保护变异：</a:t>
             </a:r>
             <a:r>
-              <a:rPr lang="en-US" altLang="zh-CN" sz="2400" dirty="0">
+              <a:rPr lang="en-US" altLang="zh-CN" sz="2000" dirty="0">
                 <a:latin typeface="黑体" panose="02010609060101010101" pitchFamily="49" charset="-122"/>
                 <a:ea typeface="黑体" panose="02010609060101010101" pitchFamily="49" charset="-122"/>
                 <a:cs typeface="Times New Roman" panose="02020603050405020304" pitchFamily="18" charset="0"/>
               </a:rPr>
               <a:t>EMI</a:t>
             </a:r>
-            <a:endParaRPr lang="en-US" altLang="zh-CN" sz="2400" dirty="0">
+            <a:endParaRPr lang="en-US" altLang="zh-CN" sz="2000" dirty="0">
               <a:latin typeface="黑体" panose="02010609060101010101" pitchFamily="49" charset="-122"/>
               <a:ea typeface="黑体" panose="02010609060101010101" pitchFamily="49" charset="-122"/>
               <a:cs typeface="Times New Roman" panose="02020603050405020304" pitchFamily="18" charset="0"/>
@@ -8503,13 +9553,13 @@
           <a:p>
             <a:pPr algn="ctr"/>
             <a:r>
-              <a:rPr kumimoji="1" lang="en-US" altLang="zh-CN" dirty="0">
+              <a:rPr kumimoji="1" lang="en-US" altLang="zh-CN" sz="2000" dirty="0">
                 <a:latin typeface="Times New Roman" panose="02020603050405020304" pitchFamily="18" charset="0"/>
                 <a:cs typeface="Times New Roman" panose="02020603050405020304" pitchFamily="18" charset="0"/>
               </a:rPr>
               <a:t>3</a:t>
             </a:r>
-            <a:endParaRPr kumimoji="1" lang="en-US" altLang="zh-CN" dirty="0">
+            <a:endParaRPr kumimoji="1" lang="en-US" altLang="zh-CN" sz="2000" dirty="0">
               <a:latin typeface="Times New Roman" panose="02020603050405020304" pitchFamily="18" charset="0"/>
               <a:cs typeface="Times New Roman" panose="02020603050405020304" pitchFamily="18" charset="0"/>
             </a:endParaRPr>
@@ -8529,7 +9579,7 @@
         <p:spPr>
           <a:xfrm>
             <a:off x="1612265" y="3770630"/>
-            <a:ext cx="9806305" cy="460375"/>
+            <a:ext cx="9806305" cy="398780"/>
           </a:xfrm>
           <a:prstGeom prst="rect">
             <a:avLst/>
@@ -8542,7 +9592,7 @@
           <a:p>
             <a:pPr algn="l"/>
             <a:r>
-              <a:rPr lang="zh-CN" altLang="en-US" sz="2400" dirty="0">
+              <a:rPr lang="zh-CN" altLang="en-US" sz="2000" dirty="0">
                 <a:latin typeface="黑体" panose="02010609060101010101" pitchFamily="49" charset="-122"/>
                 <a:ea typeface="黑体" panose="02010609060101010101" pitchFamily="49" charset="-122"/>
                 <a:cs typeface="Times New Roman" panose="02020603050405020304" pitchFamily="18" charset="0"/>
@@ -8550,7 +9600,7 @@
               <a:t>语义不保护变异：</a:t>
             </a:r>
             <a:r>
-              <a:rPr lang="en-US" altLang="zh-CN" sz="2400" dirty="0">
+              <a:rPr lang="en-US" altLang="zh-CN" sz="2000" dirty="0">
                 <a:latin typeface="黑体" panose="02010609060101010101" pitchFamily="49" charset="-122"/>
                 <a:ea typeface="黑体" panose="02010609060101010101" pitchFamily="49" charset="-122"/>
                 <a:cs typeface="Times New Roman" panose="02020603050405020304" pitchFamily="18" charset="0"/>
@@ -8558,7 +9608,7 @@
               <a:t>classfuzz</a:t>
             </a:r>
             <a:r>
-              <a:rPr lang="zh-CN" altLang="en-US" sz="2400" dirty="0">
+              <a:rPr lang="zh-CN" altLang="en-US" sz="2000" dirty="0">
                 <a:latin typeface="黑体" panose="02010609060101010101" pitchFamily="49" charset="-122"/>
                 <a:ea typeface="黑体" panose="02010609060101010101" pitchFamily="49" charset="-122"/>
                 <a:cs typeface="Times New Roman" panose="02020603050405020304" pitchFamily="18" charset="0"/>
@@ -8566,14 +9616,14 @@
               <a:t>、</a:t>
             </a:r>
             <a:r>
-              <a:rPr lang="en-US" altLang="zh-CN" sz="2400" dirty="0">
+              <a:rPr lang="en-US" altLang="zh-CN" sz="2000" dirty="0">
                 <a:latin typeface="黑体" panose="02010609060101010101" pitchFamily="49" charset="-122"/>
                 <a:ea typeface="黑体" panose="02010609060101010101" pitchFamily="49" charset="-122"/>
                 <a:cs typeface="Times New Roman" panose="02020603050405020304" pitchFamily="18" charset="0"/>
               </a:rPr>
               <a:t>JavaTailor</a:t>
             </a:r>
-            <a:endParaRPr lang="en-US" altLang="zh-CN" sz="2400" dirty="0">
+            <a:endParaRPr lang="en-US" altLang="zh-CN" sz="2000" dirty="0">
               <a:latin typeface="黑体" panose="02010609060101010101" pitchFamily="49" charset="-122"/>
               <a:ea typeface="黑体" panose="02010609060101010101" pitchFamily="49" charset="-122"/>
               <a:cs typeface="Times New Roman" panose="02020603050405020304" pitchFamily="18" charset="0"/>
@@ -8636,13 +9686,13 @@
           <a:p>
             <a:pPr algn="ctr"/>
             <a:r>
-              <a:rPr kumimoji="1" lang="en-US" altLang="zh-CN" dirty="0">
+              <a:rPr kumimoji="1" lang="en-US" altLang="zh-CN" sz="2000" dirty="0">
                 <a:latin typeface="Times New Roman" panose="02020603050405020304" pitchFamily="18" charset="0"/>
                 <a:cs typeface="Times New Roman" panose="02020603050405020304" pitchFamily="18" charset="0"/>
               </a:rPr>
               <a:t>4</a:t>
             </a:r>
-            <a:endParaRPr kumimoji="1" lang="en-US" altLang="zh-CN" dirty="0">
+            <a:endParaRPr kumimoji="1" lang="en-US" altLang="zh-CN" sz="2000" dirty="0">
               <a:latin typeface="Times New Roman" panose="02020603050405020304" pitchFamily="18" charset="0"/>
               <a:cs typeface="Times New Roman" panose="02020603050405020304" pitchFamily="18" charset="0"/>
             </a:endParaRPr>
@@ -8662,7 +9712,7 @@
         <p:spPr>
           <a:xfrm>
             <a:off x="7911465" y="3415030"/>
-            <a:ext cx="2199640" cy="460375"/>
+            <a:ext cx="2199640" cy="398780"/>
           </a:xfrm>
           <a:prstGeom prst="rect">
             <a:avLst/>
@@ -8675,14 +9725,14 @@
           <a:p>
             <a:pPr algn="l"/>
             <a:r>
-              <a:rPr lang="zh-CN" altLang="en-US" sz="2400" dirty="0">
+              <a:rPr lang="zh-CN" altLang="en-US" sz="2000" dirty="0">
                 <a:latin typeface="黑体" panose="02010609060101010101" pitchFamily="49" charset="-122"/>
                 <a:ea typeface="黑体" panose="02010609060101010101" pitchFamily="49" charset="-122"/>
                 <a:cs typeface="Times New Roman" panose="02020603050405020304" pitchFamily="18" charset="0"/>
               </a:rPr>
               <a:t>需要种子文件</a:t>
             </a:r>
-            <a:endParaRPr lang="zh-CN" altLang="en-US" sz="2400" dirty="0">
+            <a:endParaRPr lang="zh-CN" altLang="en-US" sz="2000" dirty="0">
               <a:latin typeface="黑体" panose="02010609060101010101" pitchFamily="49" charset="-122"/>
               <a:ea typeface="黑体" panose="02010609060101010101" pitchFamily="49" charset="-122"/>
               <a:cs typeface="Times New Roman" panose="02020603050405020304" pitchFamily="18" charset="0"/>
@@ -8692,7 +9742,7 @@
       </p:sp>
       <p:sp>
         <p:nvSpPr>
-          <p:cNvPr id="45" name="矩形 44"/>
+          <p:cNvPr id="47" name="Rectangle 2"/>
           <p:cNvSpPr/>
           <p:nvPr>
             <p:custDataLst>
@@ -8702,8 +9752,8 @@
         </p:nvSpPr>
         <p:spPr>
           <a:xfrm>
-            <a:off x="7911465" y="1960245"/>
-            <a:ext cx="2660650" cy="460375"/>
+            <a:off x="1119568" y="4513374"/>
+            <a:ext cx="10786486" cy="398780"/>
           </a:xfrm>
           <a:prstGeom prst="rect">
             <a:avLst/>
@@ -8714,24 +9764,23 @@
             <a:spAutoFit/>
           </a:bodyPr>
           <a:p>
-            <a:pPr algn="l"/>
-            <a:r>
-              <a:rPr lang="zh-CN" altLang="en-US" sz="2400" dirty="0">
+            <a:r>
+              <a:rPr lang="zh-CN" altLang="en-US" sz="2000" dirty="0">
                 <a:latin typeface="黑体" panose="02010609060101010101" pitchFamily="49" charset="-122"/>
                 <a:ea typeface="黑体" panose="02010609060101010101" pitchFamily="49" charset="-122"/>
                 <a:cs typeface="Times New Roman" panose="02020603050405020304" pitchFamily="18" charset="0"/>
               </a:rPr>
-              <a:t>覆盖程序</a:t>
-            </a:r>
-            <a:r>
-              <a:rPr lang="zh-CN" altLang="en-US" sz="2400" dirty="0">
+              <a:t>爬虫</a:t>
+            </a:r>
+            <a:r>
+              <a:rPr lang="zh-CN" altLang="en-US" sz="2000" dirty="0">
                 <a:latin typeface="黑体" panose="02010609060101010101" pitchFamily="49" charset="-122"/>
                 <a:ea typeface="黑体" panose="02010609060101010101" pitchFamily="49" charset="-122"/>
                 <a:cs typeface="Times New Roman" panose="02020603050405020304" pitchFamily="18" charset="0"/>
               </a:rPr>
-              <a:t>状态小</a:t>
-            </a:r>
-            <a:endParaRPr lang="zh-CN" altLang="en-US" sz="2400" dirty="0">
+              <a:t>爬取</a:t>
+            </a:r>
+            <a:endParaRPr lang="zh-CN" altLang="en-US" sz="2000" dirty="0">
               <a:latin typeface="黑体" panose="02010609060101010101" pitchFamily="49" charset="-122"/>
               <a:ea typeface="黑体" panose="02010609060101010101" pitchFamily="49" charset="-122"/>
               <a:cs typeface="Times New Roman" panose="02020603050405020304" pitchFamily="18" charset="0"/>
@@ -8741,116 +9790,11 @@
       </p:sp>
       <p:sp>
         <p:nvSpPr>
-          <p:cNvPr id="46" name="矩形 45"/>
+          <p:cNvPr id="48" name="三角形 6"/>
           <p:cNvSpPr/>
           <p:nvPr>
             <p:custDataLst>
               <p:tags r:id="rId13"/>
-            </p:custDataLst>
-          </p:nvPr>
-        </p:nvSpPr>
-        <p:spPr>
-          <a:xfrm>
-            <a:off x="7911465" y="2555875"/>
-            <a:ext cx="2874010" cy="460375"/>
-          </a:xfrm>
-          <a:prstGeom prst="rect">
-            <a:avLst/>
-          </a:prstGeom>
-        </p:spPr>
-        <p:txBody>
-          <a:bodyPr wrap="square">
-            <a:spAutoFit/>
-          </a:bodyPr>
-          <a:p>
-            <a:pPr algn="l"/>
-            <a:r>
-              <a:rPr lang="zh-CN" altLang="en-US" sz="2400" dirty="0">
-                <a:latin typeface="黑体" panose="02010609060101010101" pitchFamily="49" charset="-122"/>
-                <a:ea typeface="黑体" panose="02010609060101010101" pitchFamily="49" charset="-122"/>
-                <a:cs typeface="Times New Roman" panose="02020603050405020304" pitchFamily="18" charset="0"/>
-              </a:rPr>
-              <a:t>被</a:t>
-            </a:r>
-            <a:r>
-              <a:rPr lang="zh-CN" altLang="en-US" sz="2400" dirty="0">
-                <a:latin typeface="黑体" panose="02010609060101010101" pitchFamily="49" charset="-122"/>
-                <a:ea typeface="黑体" panose="02010609060101010101" pitchFamily="49" charset="-122"/>
-                <a:cs typeface="Times New Roman" panose="02020603050405020304" pitchFamily="18" charset="0"/>
-              </a:rPr>
-              <a:t>具体方法</a:t>
-            </a:r>
-            <a:r>
-              <a:rPr lang="zh-CN" altLang="en-US" sz="2400" dirty="0">
-                <a:latin typeface="黑体" panose="02010609060101010101" pitchFamily="49" charset="-122"/>
-                <a:ea typeface="黑体" panose="02010609060101010101" pitchFamily="49" charset="-122"/>
-                <a:cs typeface="Times New Roman" panose="02020603050405020304" pitchFamily="18" charset="0"/>
-              </a:rPr>
-              <a:t>限制</a:t>
-            </a:r>
-            <a:endParaRPr lang="zh-CN" altLang="en-US" sz="2400" dirty="0">
-              <a:latin typeface="黑体" panose="02010609060101010101" pitchFamily="49" charset="-122"/>
-              <a:ea typeface="黑体" panose="02010609060101010101" pitchFamily="49" charset="-122"/>
-              <a:cs typeface="Times New Roman" panose="02020603050405020304" pitchFamily="18" charset="0"/>
-            </a:endParaRPr>
-          </a:p>
-        </p:txBody>
-      </p:sp>
-      <p:sp>
-        <p:nvSpPr>
-          <p:cNvPr id="47" name="Rectangle 2"/>
-          <p:cNvSpPr/>
-          <p:nvPr>
-            <p:custDataLst>
-              <p:tags r:id="rId14"/>
-            </p:custDataLst>
-          </p:nvPr>
-        </p:nvSpPr>
-        <p:spPr>
-          <a:xfrm>
-            <a:off x="1119568" y="4513374"/>
-            <a:ext cx="10786486" cy="460375"/>
-          </a:xfrm>
-          <a:prstGeom prst="rect">
-            <a:avLst/>
-          </a:prstGeom>
-        </p:spPr>
-        <p:txBody>
-          <a:bodyPr wrap="square">
-            <a:spAutoFit/>
-          </a:bodyPr>
-          <a:p>
-            <a:r>
-              <a:rPr lang="zh-CN" altLang="en-US" sz="2400" dirty="0">
-                <a:latin typeface="黑体" panose="02010609060101010101" pitchFamily="49" charset="-122"/>
-                <a:ea typeface="黑体" panose="02010609060101010101" pitchFamily="49" charset="-122"/>
-                <a:cs typeface="Times New Roman" panose="02020603050405020304" pitchFamily="18" charset="0"/>
-              </a:rPr>
-              <a:t>爬虫</a:t>
-            </a:r>
-            <a:r>
-              <a:rPr lang="zh-CN" altLang="en-US" sz="2400" dirty="0">
-                <a:latin typeface="黑体" panose="02010609060101010101" pitchFamily="49" charset="-122"/>
-                <a:ea typeface="黑体" panose="02010609060101010101" pitchFamily="49" charset="-122"/>
-                <a:cs typeface="Times New Roman" panose="02020603050405020304" pitchFamily="18" charset="0"/>
-              </a:rPr>
-              <a:t>爬取</a:t>
-            </a:r>
-            <a:endParaRPr lang="zh-CN" altLang="en-US" sz="2400" dirty="0">
-              <a:latin typeface="黑体" panose="02010609060101010101" pitchFamily="49" charset="-122"/>
-              <a:ea typeface="黑体" panose="02010609060101010101" pitchFamily="49" charset="-122"/>
-              <a:cs typeface="Times New Roman" panose="02020603050405020304" pitchFamily="18" charset="0"/>
-            </a:endParaRPr>
-          </a:p>
-        </p:txBody>
-      </p:sp>
-      <p:sp>
-        <p:nvSpPr>
-          <p:cNvPr id="48" name="三角形 6"/>
-          <p:cNvSpPr/>
-          <p:nvPr>
-            <p:custDataLst>
-              <p:tags r:id="rId15"/>
             </p:custDataLst>
           </p:nvPr>
         </p:nvSpPr>
@@ -8886,7 +9830,7 @@
           <a:bodyPr rtlCol="0" anchor="ctr"/>
           <a:p>
             <a:pPr algn="ctr"/>
-            <a:endParaRPr kumimoji="1" lang="zh-CN" altLang="en-US"/>
+            <a:endParaRPr kumimoji="1" lang="zh-CN" altLang="en-US" sz="2000"/>
           </a:p>
         </p:txBody>
       </p:sp>
@@ -8896,14 +9840,14 @@
           <p:cNvSpPr/>
           <p:nvPr>
             <p:custDataLst>
-              <p:tags r:id="rId16"/>
+              <p:tags r:id="rId14"/>
             </p:custDataLst>
           </p:nvPr>
         </p:nvSpPr>
         <p:spPr>
           <a:xfrm>
             <a:off x="1190625" y="5058410"/>
-            <a:ext cx="9381490" cy="829945"/>
+            <a:ext cx="9381490" cy="706755"/>
           </a:xfrm>
           <a:prstGeom prst="rect">
             <a:avLst/>
@@ -8916,7 +9860,7 @@
           <a:p>
             <a:pPr algn="l"/>
             <a:r>
-              <a:rPr lang="zh-CN" altLang="en-US" sz="2400" dirty="0">
+              <a:rPr lang="zh-CN" altLang="en-US" sz="2000" dirty="0">
                 <a:latin typeface="黑体" panose="02010609060101010101" pitchFamily="49" charset="-122"/>
                 <a:ea typeface="黑体" panose="02010609060101010101" pitchFamily="49" charset="-122"/>
                 <a:cs typeface="Times New Roman" panose="02020603050405020304" pitchFamily="18" charset="0"/>
@@ -8924,14 +9868,14 @@
               <a:t>拥有成千上万个种子文件，但是可供我们测试的时间是有限的，我们该怎么有效的利用使用</a:t>
             </a:r>
             <a:r>
-              <a:rPr lang="zh-CN" altLang="en-US" sz="2400" dirty="0">
+              <a:rPr lang="zh-CN" altLang="en-US" sz="2000" dirty="0">
                 <a:latin typeface="黑体" panose="02010609060101010101" pitchFamily="49" charset="-122"/>
                 <a:ea typeface="黑体" panose="02010609060101010101" pitchFamily="49" charset="-122"/>
                 <a:cs typeface="Times New Roman" panose="02020603050405020304" pitchFamily="18" charset="0"/>
               </a:rPr>
               <a:t>进行测试？</a:t>
             </a:r>
-            <a:endParaRPr lang="zh-CN" altLang="en-US" sz="2400" dirty="0">
+            <a:endParaRPr lang="zh-CN" altLang="en-US" sz="2000" dirty="0">
               <a:latin typeface="黑体" panose="02010609060101010101" pitchFamily="49" charset="-122"/>
               <a:ea typeface="黑体" panose="02010609060101010101" pitchFamily="49" charset="-122"/>
               <a:cs typeface="Times New Roman" panose="02020603050405020304" pitchFamily="18" charset="0"/>
@@ -9038,8 +9982,8 @@
         </p:nvSpPr>
         <p:spPr>
           <a:xfrm>
-            <a:off x="1612265" y="1583055"/>
-            <a:ext cx="9805035" cy="460375"/>
+            <a:off x="1612265" y="1616075"/>
+            <a:ext cx="9805035" cy="398780"/>
           </a:xfrm>
           <a:prstGeom prst="rect">
             <a:avLst/>
@@ -9052,14 +9996,14 @@
           <a:p>
             <a:pPr algn="l"/>
             <a:r>
-              <a:rPr lang="zh-CN" altLang="en-US" sz="2400" dirty="0">
+              <a:rPr lang="zh-CN" altLang="en-US" sz="2000" dirty="0">
                 <a:latin typeface="黑体" panose="02010609060101010101" pitchFamily="49" charset="-122"/>
                 <a:ea typeface="黑体" panose="02010609060101010101" pitchFamily="49" charset="-122"/>
                 <a:cs typeface="Times New Roman" panose="02020603050405020304" pitchFamily="18" charset="0"/>
               </a:rPr>
               <a:t>能够在测试目标中产生广泛的可观察行为</a:t>
             </a:r>
-            <a:endParaRPr lang="zh-CN" altLang="en-US" sz="2400" dirty="0">
+            <a:endParaRPr lang="zh-CN" altLang="en-US" sz="2000" dirty="0">
               <a:latin typeface="黑体" panose="02010609060101010101" pitchFamily="49" charset="-122"/>
               <a:ea typeface="黑体" panose="02010609060101010101" pitchFamily="49" charset="-122"/>
               <a:cs typeface="Times New Roman" panose="02020603050405020304" pitchFamily="18" charset="0"/>
@@ -9147,8 +10091,8 @@
         </p:nvSpPr>
         <p:spPr>
           <a:xfrm>
-            <a:off x="1612265" y="2201545"/>
-            <a:ext cx="9805670" cy="460375"/>
+            <a:off x="1612265" y="2234565"/>
+            <a:ext cx="9805670" cy="398780"/>
           </a:xfrm>
           <a:prstGeom prst="rect">
             <a:avLst/>
@@ -9161,7 +10105,7 @@
           <a:p>
             <a:pPr algn="l"/>
             <a:r>
-              <a:rPr lang="zh-CN" altLang="en-US" sz="2400" dirty="0">
+              <a:rPr lang="zh-CN" altLang="en-US" sz="2000" dirty="0">
                 <a:latin typeface="黑体" panose="02010609060101010101" pitchFamily="49" charset="-122"/>
                 <a:ea typeface="黑体" panose="02010609060101010101" pitchFamily="49" charset="-122"/>
                 <a:cs typeface="Times New Roman" panose="02020603050405020304" pitchFamily="18" charset="0"/>
@@ -9169,14 +10113,14 @@
               <a:t>与其他种子没有包含或者相似</a:t>
             </a:r>
             <a:r>
-              <a:rPr lang="zh-CN" altLang="en-US" sz="2400" dirty="0">
+              <a:rPr lang="zh-CN" altLang="en-US" sz="2000" dirty="0">
                 <a:latin typeface="黑体" panose="02010609060101010101" pitchFamily="49" charset="-122"/>
                 <a:ea typeface="黑体" panose="02010609060101010101" pitchFamily="49" charset="-122"/>
                 <a:cs typeface="Times New Roman" panose="02020603050405020304" pitchFamily="18" charset="0"/>
               </a:rPr>
               <a:t>关系</a:t>
             </a:r>
-            <a:endParaRPr lang="zh-CN" altLang="en-US" sz="2400" dirty="0">
+            <a:endParaRPr lang="zh-CN" altLang="en-US" sz="2000" dirty="0">
               <a:latin typeface="黑体" panose="02010609060101010101" pitchFamily="49" charset="-122"/>
               <a:ea typeface="黑体" panose="02010609060101010101" pitchFamily="49" charset="-122"/>
               <a:cs typeface="Times New Roman" panose="02020603050405020304" pitchFamily="18" charset="0"/>
@@ -9264,8 +10208,8 @@
         </p:nvSpPr>
         <p:spPr>
           <a:xfrm>
-            <a:off x="1612265" y="2821940"/>
-            <a:ext cx="9806305" cy="460375"/>
+            <a:off x="1612265" y="2854960"/>
+            <a:ext cx="9806305" cy="398780"/>
           </a:xfrm>
           <a:prstGeom prst="rect">
             <a:avLst/>
@@ -9278,7 +10222,7 @@
           <a:p>
             <a:pPr algn="l"/>
             <a:r>
-              <a:rPr lang="zh-CN" altLang="en-US" sz="2400" dirty="0">
+              <a:rPr lang="zh-CN" altLang="en-US" sz="2000" dirty="0">
                 <a:latin typeface="黑体" panose="02010609060101010101" pitchFamily="49" charset="-122"/>
                 <a:ea typeface="黑体" panose="02010609060101010101" pitchFamily="49" charset="-122"/>
                 <a:cs typeface="Times New Roman" panose="02020603050405020304" pitchFamily="18" charset="0"/>
@@ -9286,14 +10230,14 @@
               <a:t>相同质量的种子文件应该尽可能小，或者执行尽可能</a:t>
             </a:r>
             <a:r>
-              <a:rPr lang="zh-CN" altLang="en-US" sz="2400" dirty="0">
+              <a:rPr lang="zh-CN" altLang="en-US" sz="2000" dirty="0">
                 <a:latin typeface="黑体" panose="02010609060101010101" pitchFamily="49" charset="-122"/>
                 <a:ea typeface="黑体" panose="02010609060101010101" pitchFamily="49" charset="-122"/>
                 <a:cs typeface="Times New Roman" panose="02020603050405020304" pitchFamily="18" charset="0"/>
               </a:rPr>
               <a:t>快</a:t>
             </a:r>
-            <a:endParaRPr lang="zh-CN" altLang="en-US" sz="2400" dirty="0">
+            <a:endParaRPr lang="zh-CN" altLang="en-US" sz="2000" dirty="0">
               <a:latin typeface="黑体" panose="02010609060101010101" pitchFamily="49" charset="-122"/>
               <a:ea typeface="黑体" panose="02010609060101010101" pitchFamily="49" charset="-122"/>
               <a:cs typeface="Times New Roman" panose="02020603050405020304" pitchFamily="18" charset="0"/>
@@ -9469,7 +10413,7 @@
         <p:spPr>
           <a:xfrm>
             <a:off x="1612265" y="1583055"/>
-            <a:ext cx="9805035" cy="460375"/>
+            <a:ext cx="9805035" cy="398780"/>
           </a:xfrm>
           <a:prstGeom prst="rect">
             <a:avLst/>
@@ -9482,7 +10426,7 @@
           <a:p>
             <a:pPr algn="l"/>
             <a:r>
-              <a:rPr lang="zh-CN" altLang="en-US" sz="2400" dirty="0">
+              <a:rPr lang="zh-CN" altLang="en-US" sz="2000" dirty="0">
                 <a:latin typeface="黑体" panose="02010609060101010101" pitchFamily="49" charset="-122"/>
                 <a:ea typeface="黑体" panose="02010609060101010101" pitchFamily="49" charset="-122"/>
                 <a:cs typeface="Times New Roman" panose="02020603050405020304" pitchFamily="18" charset="0"/>
@@ -9490,14 +10434,14 @@
               <a:t>通过生成器生成的</a:t>
             </a:r>
             <a:r>
-              <a:rPr lang="zh-CN" altLang="en-US" sz="2400" dirty="0">
+              <a:rPr lang="zh-CN" altLang="en-US" sz="2000" dirty="0">
                 <a:latin typeface="黑体" panose="02010609060101010101" pitchFamily="49" charset="-122"/>
                 <a:ea typeface="黑体" panose="02010609060101010101" pitchFamily="49" charset="-122"/>
                 <a:cs typeface="Times New Roman" panose="02020603050405020304" pitchFamily="18" charset="0"/>
               </a:rPr>
               <a:t>种子</a:t>
             </a:r>
-            <a:endParaRPr lang="zh-CN" altLang="en-US" sz="2400" dirty="0">
+            <a:endParaRPr lang="zh-CN" altLang="en-US" sz="2000" dirty="0">
               <a:latin typeface="黑体" panose="02010609060101010101" pitchFamily="49" charset="-122"/>
               <a:ea typeface="黑体" panose="02010609060101010101" pitchFamily="49" charset="-122"/>
               <a:cs typeface="Times New Roman" panose="02020603050405020304" pitchFamily="18" charset="0"/>
@@ -9560,13 +10504,13 @@
           <a:p>
             <a:pPr algn="ctr"/>
             <a:r>
-              <a:rPr kumimoji="1" lang="en-US" altLang="zh-CN" dirty="0">
+              <a:rPr kumimoji="1" lang="en-US" altLang="zh-CN" sz="2000" dirty="0">
                 <a:latin typeface="Times New Roman" panose="02020603050405020304" pitchFamily="18" charset="0"/>
                 <a:cs typeface="Times New Roman" panose="02020603050405020304" pitchFamily="18" charset="0"/>
               </a:rPr>
               <a:t>1</a:t>
             </a:r>
-            <a:endParaRPr kumimoji="1" lang="zh-CN" altLang="en-US" dirty="0">
+            <a:endParaRPr kumimoji="1" lang="en-US" altLang="zh-CN" sz="2000" dirty="0">
               <a:latin typeface="Times New Roman" panose="02020603050405020304" pitchFamily="18" charset="0"/>
               <a:cs typeface="Times New Roman" panose="02020603050405020304" pitchFamily="18" charset="0"/>
             </a:endParaRPr>
@@ -9586,7 +10530,7 @@
         <p:spPr>
           <a:xfrm>
             <a:off x="1612265" y="2201545"/>
-            <a:ext cx="9805670" cy="460375"/>
+            <a:ext cx="9805670" cy="398780"/>
           </a:xfrm>
           <a:prstGeom prst="rect">
             <a:avLst/>
@@ -9599,7 +10543,7 @@
           <a:p>
             <a:pPr algn="l"/>
             <a:r>
-              <a:rPr lang="zh-CN" altLang="en-US" sz="2400" dirty="0">
+              <a:rPr lang="zh-CN" altLang="en-US" sz="2000" dirty="0">
                 <a:latin typeface="黑体" panose="02010609060101010101" pitchFamily="49" charset="-122"/>
                 <a:ea typeface="黑体" panose="02010609060101010101" pitchFamily="49" charset="-122"/>
                 <a:cs typeface="Times New Roman" panose="02020603050405020304" pitchFamily="18" charset="0"/>
@@ -9607,14 +10551,14 @@
               <a:t>人工设计的</a:t>
             </a:r>
             <a:r>
-              <a:rPr lang="zh-CN" altLang="en-US" sz="2400" dirty="0">
+              <a:rPr lang="zh-CN" altLang="en-US" sz="2000" dirty="0">
                 <a:latin typeface="黑体" panose="02010609060101010101" pitchFamily="49" charset="-122"/>
                 <a:ea typeface="黑体" panose="02010609060101010101" pitchFamily="49" charset="-122"/>
                 <a:cs typeface="Times New Roman" panose="02020603050405020304" pitchFamily="18" charset="0"/>
               </a:rPr>
               <a:t>种子</a:t>
             </a:r>
-            <a:endParaRPr lang="zh-CN" altLang="en-US" sz="2400" dirty="0">
+            <a:endParaRPr lang="zh-CN" altLang="en-US" sz="2000" dirty="0">
               <a:latin typeface="黑体" panose="02010609060101010101" pitchFamily="49" charset="-122"/>
               <a:ea typeface="黑体" panose="02010609060101010101" pitchFamily="49" charset="-122"/>
               <a:cs typeface="Times New Roman" panose="02020603050405020304" pitchFamily="18" charset="0"/>
@@ -9677,13 +10621,13 @@
           <a:p>
             <a:pPr algn="ctr"/>
             <a:r>
-              <a:rPr kumimoji="1" lang="en-US" altLang="zh-CN" dirty="0">
+              <a:rPr kumimoji="1" lang="en-US" altLang="zh-CN" sz="2000" dirty="0">
                 <a:latin typeface="Times New Roman" panose="02020603050405020304" pitchFamily="18" charset="0"/>
                 <a:cs typeface="Times New Roman" panose="02020603050405020304" pitchFamily="18" charset="0"/>
               </a:rPr>
               <a:t>2</a:t>
             </a:r>
-            <a:endParaRPr kumimoji="1" lang="en-US" altLang="zh-CN" dirty="0">
+            <a:endParaRPr kumimoji="1" lang="en-US" altLang="zh-CN" sz="2000" dirty="0">
               <a:latin typeface="Times New Roman" panose="02020603050405020304" pitchFamily="18" charset="0"/>
               <a:cs typeface="Times New Roman" panose="02020603050405020304" pitchFamily="18" charset="0"/>
             </a:endParaRPr>
@@ -9703,7 +10647,7 @@
         <p:spPr>
           <a:xfrm>
             <a:off x="1612265" y="2821940"/>
-            <a:ext cx="9806305" cy="460375"/>
+            <a:ext cx="9806305" cy="398780"/>
           </a:xfrm>
           <a:prstGeom prst="rect">
             <a:avLst/>
@@ -9716,7 +10660,7 @@
           <a:p>
             <a:pPr algn="l"/>
             <a:r>
-              <a:rPr lang="zh-CN" altLang="en-US" sz="2400" dirty="0">
+              <a:rPr lang="zh-CN" altLang="en-US" sz="2000" dirty="0">
                 <a:latin typeface="黑体" panose="02010609060101010101" pitchFamily="49" charset="-122"/>
                 <a:ea typeface="黑体" panose="02010609060101010101" pitchFamily="49" charset="-122"/>
                 <a:cs typeface="Times New Roman" panose="02020603050405020304" pitchFamily="18" charset="0"/>
@@ -9724,14 +10668,14 @@
               <a:t>随机生成的</a:t>
             </a:r>
             <a:r>
-              <a:rPr lang="zh-CN" altLang="en-US" sz="2400" dirty="0">
+              <a:rPr lang="zh-CN" altLang="en-US" sz="2000" dirty="0">
                 <a:latin typeface="黑体" panose="02010609060101010101" pitchFamily="49" charset="-122"/>
                 <a:ea typeface="黑体" panose="02010609060101010101" pitchFamily="49" charset="-122"/>
                 <a:cs typeface="Times New Roman" panose="02020603050405020304" pitchFamily="18" charset="0"/>
               </a:rPr>
               <a:t>种子</a:t>
             </a:r>
-            <a:endParaRPr lang="zh-CN" altLang="en-US" sz="2400" dirty="0">
+            <a:endParaRPr lang="zh-CN" altLang="en-US" sz="2000" dirty="0">
               <a:latin typeface="黑体" panose="02010609060101010101" pitchFamily="49" charset="-122"/>
               <a:ea typeface="黑体" panose="02010609060101010101" pitchFamily="49" charset="-122"/>
               <a:cs typeface="Times New Roman" panose="02020603050405020304" pitchFamily="18" charset="0"/>
@@ -9794,13 +10738,13 @@
           <a:p>
             <a:pPr algn="ctr"/>
             <a:r>
-              <a:rPr kumimoji="1" lang="en-US" altLang="zh-CN" dirty="0">
+              <a:rPr kumimoji="1" lang="en-US" altLang="zh-CN" sz="2000" dirty="0">
                 <a:latin typeface="Times New Roman" panose="02020603050405020304" pitchFamily="18" charset="0"/>
                 <a:cs typeface="Times New Roman" panose="02020603050405020304" pitchFamily="18" charset="0"/>
               </a:rPr>
               <a:t>3</a:t>
             </a:r>
-            <a:endParaRPr kumimoji="1" lang="en-US" altLang="zh-CN" dirty="0">
+            <a:endParaRPr kumimoji="1" lang="en-US" altLang="zh-CN" sz="2000" dirty="0">
               <a:latin typeface="Times New Roman" panose="02020603050405020304" pitchFamily="18" charset="0"/>
               <a:cs typeface="Times New Roman" panose="02020603050405020304" pitchFamily="18" charset="0"/>
             </a:endParaRPr>
@@ -9820,7 +10764,7 @@
         <p:spPr>
           <a:xfrm>
             <a:off x="1612265" y="3427730"/>
-            <a:ext cx="9806305" cy="460375"/>
+            <a:ext cx="9806305" cy="398780"/>
           </a:xfrm>
           <a:prstGeom prst="rect">
             <a:avLst/>
@@ -9833,7 +10777,7 @@
           <a:p>
             <a:pPr algn="l"/>
             <a:r>
-              <a:rPr lang="zh-CN" altLang="en-US" sz="2400" dirty="0">
+              <a:rPr lang="zh-CN" altLang="en-US" sz="2000" dirty="0">
                 <a:latin typeface="黑体" panose="02010609060101010101" pitchFamily="49" charset="-122"/>
                 <a:ea typeface="黑体" panose="02010609060101010101" pitchFamily="49" charset="-122"/>
                 <a:cs typeface="Times New Roman" panose="02020603050405020304" pitchFamily="18" charset="0"/>
@@ -9841,14 +10785,14 @@
               <a:t>搜集并人工决定的</a:t>
             </a:r>
             <a:r>
-              <a:rPr lang="zh-CN" altLang="en-US" sz="2400" dirty="0">
+              <a:rPr lang="zh-CN" altLang="en-US" sz="2000" dirty="0">
                 <a:latin typeface="黑体" panose="02010609060101010101" pitchFamily="49" charset="-122"/>
                 <a:ea typeface="黑体" panose="02010609060101010101" pitchFamily="49" charset="-122"/>
                 <a:cs typeface="Times New Roman" panose="02020603050405020304" pitchFamily="18" charset="0"/>
               </a:rPr>
               <a:t>种子</a:t>
             </a:r>
-            <a:endParaRPr lang="zh-CN" altLang="en-US" sz="2400" dirty="0">
+            <a:endParaRPr lang="zh-CN" altLang="en-US" sz="2000" dirty="0">
               <a:latin typeface="黑体" panose="02010609060101010101" pitchFamily="49" charset="-122"/>
               <a:ea typeface="黑体" panose="02010609060101010101" pitchFamily="49" charset="-122"/>
               <a:cs typeface="Times New Roman" panose="02020603050405020304" pitchFamily="18" charset="0"/>
@@ -9911,13 +10855,13 @@
           <a:p>
             <a:pPr algn="ctr"/>
             <a:r>
-              <a:rPr kumimoji="1" lang="en-US" altLang="zh-CN" dirty="0">
+              <a:rPr kumimoji="1" lang="en-US" altLang="zh-CN" sz="2000" dirty="0">
                 <a:latin typeface="Times New Roman" panose="02020603050405020304" pitchFamily="18" charset="0"/>
                 <a:cs typeface="Times New Roman" panose="02020603050405020304" pitchFamily="18" charset="0"/>
               </a:rPr>
               <a:t>4</a:t>
             </a:r>
-            <a:endParaRPr kumimoji="1" lang="en-US" altLang="zh-CN" dirty="0">
+            <a:endParaRPr kumimoji="1" lang="en-US" altLang="zh-CN" sz="2000" dirty="0">
               <a:latin typeface="Times New Roman" panose="02020603050405020304" pitchFamily="18" charset="0"/>
               <a:cs typeface="Times New Roman" panose="02020603050405020304" pitchFamily="18" charset="0"/>
             </a:endParaRPr>
@@ -10177,7 +11121,7 @@
         <p:spPr>
           <a:xfrm>
             <a:off x="1612265" y="1583055"/>
-            <a:ext cx="9805035" cy="829945"/>
+            <a:ext cx="9805035" cy="706755"/>
           </a:xfrm>
           <a:prstGeom prst="rect">
             <a:avLst/>
@@ -10190,7 +11134,7 @@
           <a:p>
             <a:pPr algn="l"/>
             <a:r>
-              <a:rPr lang="en-US" altLang="zh-CN" sz="2400" dirty="0">
+              <a:rPr lang="en-US" altLang="zh-CN" sz="2000" dirty="0">
                 <a:latin typeface="Times New Roman" panose="02020603050405020304" pitchFamily="18" charset="0"/>
                 <a:ea typeface="黑体" panose="02010609060101010101" pitchFamily="49" charset="-122"/>
                 <a:cs typeface="Times New Roman" panose="02020603050405020304" pitchFamily="18" charset="0"/>
@@ -10198,7 +11142,7 @@
               <a:t>MSET</a:t>
             </a:r>
             <a:r>
-              <a:rPr lang="zh-CN" altLang="en-US" sz="2400" dirty="0">
+              <a:rPr lang="zh-CN" altLang="en-US" sz="2000" dirty="0">
                 <a:latin typeface="黑体" panose="02010609060101010101" pitchFamily="49" charset="-122"/>
                 <a:ea typeface="黑体" panose="02010609060101010101" pitchFamily="49" charset="-122"/>
                 <a:cs typeface="Times New Roman" panose="02020603050405020304" pitchFamily="18" charset="0"/>
@@ -10206,7 +11150,7 @@
               <a:t>：使用近似算法获取的最优集合</a:t>
             </a:r>
             <a:r>
-              <a:rPr lang="en-US" altLang="zh-CN" sz="2400" dirty="0">
+              <a:rPr lang="en-US" altLang="zh-CN" sz="2000" dirty="0">
                 <a:latin typeface="黑体" panose="02010609060101010101" pitchFamily="49" charset="-122"/>
                 <a:ea typeface="黑体" panose="02010609060101010101" pitchFamily="49" charset="-122"/>
                 <a:cs typeface="Times New Roman" panose="02020603050405020304" pitchFamily="18" charset="0"/>
@@ -10214,30 +11158,22 @@
               <a:t>(</a:t>
             </a:r>
             <a:r>
-              <a:rPr lang="zh-CN" altLang="en-US" sz="2400" dirty="0">
+              <a:rPr lang="zh-CN" altLang="en-US" sz="2000" dirty="0">
                 <a:latin typeface="黑体" panose="02010609060101010101" pitchFamily="49" charset="-122"/>
                 <a:ea typeface="黑体" panose="02010609060101010101" pitchFamily="49" charset="-122"/>
                 <a:cs typeface="Times New Roman" panose="02020603050405020304" pitchFamily="18" charset="0"/>
               </a:rPr>
-              <a:t>用最少的种子文件获得全部种子文件的</a:t>
-            </a:r>
-            <a:r>
-              <a:rPr lang="zh-CN" altLang="en-US" sz="2400" dirty="0">
+              <a:t>用最少的种子文件获得全部种子文件的行覆盖率</a:t>
+            </a:r>
+            <a:r>
+              <a:rPr lang="en-US" altLang="zh-CN" sz="2000" dirty="0">
                 <a:latin typeface="黑体" panose="02010609060101010101" pitchFamily="49" charset="-122"/>
                 <a:ea typeface="黑体" panose="02010609060101010101" pitchFamily="49" charset="-122"/>
                 <a:cs typeface="Times New Roman" panose="02020603050405020304" pitchFamily="18" charset="0"/>
               </a:rPr>
-              <a:t>行覆盖率</a:t>
-            </a:r>
-            <a:r>
-              <a:rPr lang="en-US" altLang="zh-CN" sz="2400" dirty="0">
-                <a:latin typeface="黑体" panose="02010609060101010101" pitchFamily="49" charset="-122"/>
-                <a:ea typeface="黑体" panose="02010609060101010101" pitchFamily="49" charset="-122"/>
-                <a:cs typeface="Times New Roman" panose="02020603050405020304" pitchFamily="18" charset="0"/>
-              </a:rPr>
               <a:t>)</a:t>
             </a:r>
-            <a:endParaRPr lang="en-US" altLang="zh-CN" sz="2400" dirty="0">
+            <a:endParaRPr lang="en-US" altLang="zh-CN" sz="2000" dirty="0">
               <a:latin typeface="黑体" panose="02010609060101010101" pitchFamily="49" charset="-122"/>
               <a:ea typeface="黑体" panose="02010609060101010101" pitchFamily="49" charset="-122"/>
               <a:cs typeface="Times New Roman" panose="02020603050405020304" pitchFamily="18" charset="0"/>
@@ -10326,7 +11262,7 @@
         <p:spPr>
           <a:xfrm>
             <a:off x="1612265" y="2798445"/>
-            <a:ext cx="9805670" cy="460375"/>
+            <a:ext cx="9805670" cy="398780"/>
           </a:xfrm>
           <a:prstGeom prst="rect">
             <a:avLst/>
@@ -10339,7 +11275,7 @@
           <a:p>
             <a:pPr algn="l"/>
             <a:r>
-              <a:rPr lang="en-US" altLang="zh-CN" sz="2400" dirty="0">
+              <a:rPr lang="en-US" altLang="zh-CN" sz="2000" dirty="0">
                 <a:latin typeface="Times New Roman" panose="02020603050405020304" pitchFamily="18" charset="0"/>
                 <a:ea typeface="黑体" panose="02010609060101010101" pitchFamily="49" charset="-122"/>
                 <a:cs typeface="Times New Roman" panose="02020603050405020304" pitchFamily="18" charset="0"/>
@@ -10347,7 +11283,7 @@
               <a:t>CMIN</a:t>
             </a:r>
             <a:r>
-              <a:rPr lang="zh-CN" altLang="en-US" sz="2400" dirty="0">
+              <a:rPr lang="zh-CN" altLang="en-US" sz="2000" dirty="0">
                 <a:latin typeface="黑体" panose="02010609060101010101" pitchFamily="49" charset="-122"/>
                 <a:ea typeface="黑体" panose="02010609060101010101" pitchFamily="49" charset="-122"/>
                 <a:cs typeface="Times New Roman" panose="02020603050405020304" pitchFamily="18" charset="0"/>
@@ -10355,7 +11291,7 @@
               <a:t>：使用</a:t>
             </a:r>
             <a:r>
-              <a:rPr lang="zh-CN" altLang="en-US" sz="2400" dirty="0">
+              <a:rPr lang="zh-CN" altLang="en-US" sz="2000" dirty="0">
                 <a:latin typeface="Times New Roman" panose="02020603050405020304" pitchFamily="18" charset="0"/>
                 <a:ea typeface="黑体" panose="02010609060101010101" pitchFamily="49" charset="-122"/>
                 <a:cs typeface="Times New Roman" panose="02020603050405020304" pitchFamily="18" charset="0"/>
@@ -10363,7 +11299,7 @@
               <a:t>AFL</a:t>
             </a:r>
             <a:r>
-              <a:rPr lang="zh-CN" altLang="en-US" sz="2400" dirty="0">
+              <a:rPr lang="zh-CN" altLang="en-US" sz="2000" dirty="0">
                 <a:latin typeface="黑体" panose="02010609060101010101" pitchFamily="49" charset="-122"/>
                 <a:ea typeface="黑体" panose="02010609060101010101" pitchFamily="49" charset="-122"/>
                 <a:cs typeface="Times New Roman" panose="02020603050405020304" pitchFamily="18" charset="0"/>
@@ -10371,7 +11307,7 @@
               <a:t>的</a:t>
             </a:r>
             <a:r>
-              <a:rPr lang="zh-CN" altLang="en-US" sz="2400" dirty="0">
+              <a:rPr lang="zh-CN" altLang="en-US" sz="2000" dirty="0">
                 <a:latin typeface="Times New Roman" panose="02020603050405020304" pitchFamily="18" charset="0"/>
                 <a:ea typeface="黑体" panose="02010609060101010101" pitchFamily="49" charset="-122"/>
                 <a:cs typeface="Times New Roman" panose="02020603050405020304" pitchFamily="18" charset="0"/>
@@ -10379,14 +11315,14 @@
               <a:t>AFL-cmin</a:t>
             </a:r>
             <a:r>
-              <a:rPr lang="zh-CN" altLang="en-US" sz="2400" dirty="0">
+              <a:rPr lang="zh-CN" altLang="en-US" sz="2000" dirty="0">
                 <a:latin typeface="黑体" panose="02010609060101010101" pitchFamily="49" charset="-122"/>
                 <a:ea typeface="黑体" panose="02010609060101010101" pitchFamily="49" charset="-122"/>
                 <a:cs typeface="Times New Roman" panose="02020603050405020304" pitchFamily="18" charset="0"/>
               </a:rPr>
               <a:t>工具生成的语料库</a:t>
             </a:r>
-            <a:endParaRPr lang="zh-CN" altLang="en-US" sz="2400" dirty="0">
+            <a:endParaRPr lang="zh-CN" altLang="en-US" sz="2000" dirty="0">
               <a:latin typeface="黑体" panose="02010609060101010101" pitchFamily="49" charset="-122"/>
               <a:ea typeface="黑体" panose="02010609060101010101" pitchFamily="49" charset="-122"/>
               <a:cs typeface="Times New Roman" panose="02020603050405020304" pitchFamily="18" charset="0"/>
@@ -10475,7 +11411,7 @@
         <p:spPr>
           <a:xfrm>
             <a:off x="1612265" y="3644265"/>
-            <a:ext cx="9806305" cy="829945"/>
+            <a:ext cx="9806305" cy="706755"/>
           </a:xfrm>
           <a:prstGeom prst="rect">
             <a:avLst/>
@@ -10488,7 +11424,7 @@
           <a:p>
             <a:pPr algn="l"/>
             <a:r>
-              <a:rPr lang="en-US" altLang="zh-CN" sz="2400" dirty="0">
+              <a:rPr lang="en-US" altLang="zh-CN" sz="2000" dirty="0">
                 <a:latin typeface="Times New Roman" panose="02020603050405020304" pitchFamily="18" charset="0"/>
                 <a:ea typeface="黑体" panose="02010609060101010101" pitchFamily="49" charset="-122"/>
                 <a:cs typeface="Times New Roman" panose="02020603050405020304" pitchFamily="18" charset="0"/>
@@ -10496,7 +11432,7 @@
               <a:t>WOPT</a:t>
             </a:r>
             <a:r>
-              <a:rPr lang="zh-CN" altLang="en-US" sz="2400" dirty="0">
+              <a:rPr lang="zh-CN" altLang="en-US" sz="2000" dirty="0">
                 <a:latin typeface="黑体" panose="02010609060101010101" pitchFamily="49" charset="-122"/>
                 <a:ea typeface="黑体" panose="02010609060101010101" pitchFamily="49" charset="-122"/>
                 <a:cs typeface="Times New Roman" panose="02020603050405020304" pitchFamily="18" charset="0"/>
@@ -10504,7 +11440,7 @@
               <a:t>：</a:t>
             </a:r>
             <a:r>
-              <a:rPr lang="zh-CN" altLang="en-US" sz="2400" dirty="0">
+              <a:rPr lang="zh-CN" altLang="en-US" sz="2000" dirty="0">
                 <a:latin typeface="黑体" panose="02010609060101010101" pitchFamily="49" charset="-122"/>
                 <a:ea typeface="黑体" panose="02010609060101010101" pitchFamily="49" charset="-122"/>
                 <a:cs typeface="Times New Roman" panose="02020603050405020304" pitchFamily="18" charset="0"/>
@@ -10513,7 +11449,7 @@
               <a:t>使用</a:t>
             </a:r>
             <a:r>
-              <a:rPr lang="en-US" altLang="zh-CN" sz="2400" dirty="0">
+              <a:rPr lang="en-US" altLang="zh-CN" sz="2000" dirty="0">
                 <a:latin typeface="黑体" panose="02010609060101010101" pitchFamily="49" charset="-122"/>
                 <a:ea typeface="黑体" panose="02010609060101010101" pitchFamily="49" charset="-122"/>
                 <a:cs typeface="Times New Roman" panose="02020603050405020304" pitchFamily="18" charset="0"/>
@@ -10522,24 +11458,15 @@
               <a:t>SAT</a:t>
             </a:r>
             <a:r>
-              <a:rPr lang="zh-CN" altLang="en-US" sz="2400" dirty="0">
+              <a:rPr lang="zh-CN" altLang="en-US" sz="2000" dirty="0">
                 <a:latin typeface="黑体" panose="02010609060101010101" pitchFamily="49" charset="-122"/>
                 <a:ea typeface="黑体" panose="02010609060101010101" pitchFamily="49" charset="-122"/>
                 <a:cs typeface="Times New Roman" panose="02020603050405020304" pitchFamily="18" charset="0"/>
                 <a:sym typeface="+mn-ea"/>
               </a:rPr>
-              <a:t>求解器获取的最优集合（用最少的种子文件获得全部种子文件的</a:t>
-            </a:r>
-            <a:r>
-              <a:rPr lang="zh-CN" altLang="en-US" sz="2400" dirty="0">
-                <a:latin typeface="黑体" panose="02010609060101010101" pitchFamily="49" charset="-122"/>
-                <a:ea typeface="黑体" panose="02010609060101010101" pitchFamily="49" charset="-122"/>
-                <a:cs typeface="Times New Roman" panose="02020603050405020304" pitchFamily="18" charset="0"/>
-                <a:sym typeface="+mn-ea"/>
-              </a:rPr>
-              <a:t>分支覆盖率）</a:t>
-            </a:r>
-            <a:endParaRPr lang="zh-CN" altLang="en-US" sz="2400" dirty="0">
+              <a:t>求解器获取的最优集合（用最少的种子文件获得全部种子文件的分支覆盖率）</a:t>
+            </a:r>
+            <a:endParaRPr lang="zh-CN" altLang="en-US" sz="2000" dirty="0">
               <a:latin typeface="黑体" panose="02010609060101010101" pitchFamily="49" charset="-122"/>
               <a:ea typeface="黑体" panose="02010609060101010101" pitchFamily="49" charset="-122"/>
               <a:cs typeface="Times New Roman" panose="02020603050405020304" pitchFamily="18" charset="0"/>
@@ -10628,7 +11555,7 @@
         <p:spPr>
           <a:xfrm>
             <a:off x="1610995" y="4859655"/>
-            <a:ext cx="9806305" cy="829945"/>
+            <a:ext cx="9806305" cy="706755"/>
           </a:xfrm>
           <a:prstGeom prst="rect">
             <a:avLst/>
@@ -10641,7 +11568,7 @@
           <a:p>
             <a:pPr algn="l"/>
             <a:r>
-              <a:rPr lang="en-US" altLang="zh-CN" sz="2400" dirty="0">
+              <a:rPr lang="en-US" altLang="zh-CN" sz="2000" dirty="0">
                 <a:latin typeface="Times New Roman" panose="02020603050405020304" pitchFamily="18" charset="0"/>
                 <a:ea typeface="黑体" panose="02010609060101010101" pitchFamily="49" charset="-122"/>
                 <a:cs typeface="Times New Roman" panose="02020603050405020304" pitchFamily="18" charset="0"/>
@@ -10649,7 +11576,7 @@
               <a:t>WMOPT</a:t>
             </a:r>
             <a:r>
-              <a:rPr lang="zh-CN" altLang="en-US" sz="2400" dirty="0">
+              <a:rPr lang="zh-CN" altLang="en-US" sz="2000" dirty="0">
                 <a:latin typeface="黑体" panose="02010609060101010101" pitchFamily="49" charset="-122"/>
                 <a:ea typeface="黑体" panose="02010609060101010101" pitchFamily="49" charset="-122"/>
                 <a:cs typeface="Times New Roman" panose="02020603050405020304" pitchFamily="18" charset="0"/>
@@ -10657,7 +11584,7 @@
               <a:t>：</a:t>
             </a:r>
             <a:r>
-              <a:rPr lang="zh-CN" altLang="en-US" sz="2400" dirty="0">
+              <a:rPr lang="zh-CN" altLang="en-US" sz="2000" dirty="0">
                 <a:latin typeface="黑体" panose="02010609060101010101" pitchFamily="49" charset="-122"/>
                 <a:ea typeface="黑体" panose="02010609060101010101" pitchFamily="49" charset="-122"/>
                 <a:cs typeface="Times New Roman" panose="02020603050405020304" pitchFamily="18" charset="0"/>
@@ -10666,7 +11593,7 @@
               <a:t>使用</a:t>
             </a:r>
             <a:r>
-              <a:rPr lang="en-US" altLang="zh-CN" sz="2400" dirty="0">
+              <a:rPr lang="en-US" altLang="zh-CN" sz="2000" dirty="0">
                 <a:latin typeface="黑体" panose="02010609060101010101" pitchFamily="49" charset="-122"/>
                 <a:ea typeface="黑体" panose="02010609060101010101" pitchFamily="49" charset="-122"/>
                 <a:cs typeface="Times New Roman" panose="02020603050405020304" pitchFamily="18" charset="0"/>
@@ -10675,7 +11602,7 @@
               <a:t>SAT</a:t>
             </a:r>
             <a:r>
-              <a:rPr lang="zh-CN" altLang="en-US" sz="2400" dirty="0">
+              <a:rPr lang="zh-CN" altLang="en-US" sz="2000" dirty="0">
                 <a:latin typeface="黑体" panose="02010609060101010101" pitchFamily="49" charset="-122"/>
                 <a:ea typeface="黑体" panose="02010609060101010101" pitchFamily="49" charset="-122"/>
                 <a:cs typeface="Times New Roman" panose="02020603050405020304" pitchFamily="18" charset="0"/>
@@ -10684,24 +11611,15 @@
               <a:t>求解器获取的最优集合（</a:t>
             </a:r>
             <a:r>
-              <a:rPr lang="zh-CN" altLang="en-US" sz="2400" dirty="0">
+              <a:rPr lang="zh-CN" altLang="en-US" sz="2000" dirty="0">
                 <a:latin typeface="黑体" panose="02010609060101010101" pitchFamily="49" charset="-122"/>
                 <a:ea typeface="黑体" panose="02010609060101010101" pitchFamily="49" charset="-122"/>
                 <a:cs typeface="Times New Roman" panose="02020603050405020304" pitchFamily="18" charset="0"/>
                 <a:sym typeface="+mn-ea"/>
               </a:rPr>
-              <a:t>用最少的种子文件获得全部种子文件的分支覆盖频率</a:t>
-            </a:r>
-            <a:r>
-              <a:rPr lang="zh-CN" altLang="en-US" sz="2400" dirty="0">
-                <a:latin typeface="黑体" panose="02010609060101010101" pitchFamily="49" charset="-122"/>
-                <a:ea typeface="黑体" panose="02010609060101010101" pitchFamily="49" charset="-122"/>
-                <a:cs typeface="Times New Roman" panose="02020603050405020304" pitchFamily="18" charset="0"/>
-                <a:sym typeface="+mn-ea"/>
-              </a:rPr>
-              <a:t>）</a:t>
-            </a:r>
-            <a:endParaRPr lang="zh-CN" altLang="en-US" sz="2400" dirty="0">
+              <a:t>用最少的种子文件获得全部种子文件的分支覆盖频率）</a:t>
+            </a:r>
+            <a:endParaRPr lang="zh-CN" altLang="en-US" sz="2000" dirty="0">
               <a:latin typeface="黑体" panose="02010609060101010101" pitchFamily="49" charset="-122"/>
               <a:ea typeface="黑体" panose="02010609060101010101" pitchFamily="49" charset="-122"/>
               <a:cs typeface="Times New Roman" panose="02020603050405020304" pitchFamily="18" charset="0"/>
@@ -10721,7 +11639,7 @@
         </p:nvSpPr>
         <p:spPr>
           <a:xfrm>
-            <a:off x="1190625" y="5127028"/>
+            <a:off x="1190625" y="5069243"/>
             <a:ext cx="294783" cy="294640"/>
           </a:xfrm>
           <a:prstGeom prst="rect">
@@ -11267,6 +12185,36 @@
 </file>
 
 <file path=ppt/tags/tag111.xml><?xml version="1.0" encoding="utf-8"?>
+<p:tagLst xmlns:p="http://schemas.openxmlformats.org/presentationml/2006/main">
+  <p:tag name="KSO_WM_BEAUTIFY_FLAG" val=""/>
+</p:tagLst>
+</file>
+
+<file path=ppt/tags/tag112.xml><?xml version="1.0" encoding="utf-8"?>
+<p:tagLst xmlns:p="http://schemas.openxmlformats.org/presentationml/2006/main">
+  <p:tag name="KSO_WM_BEAUTIFY_FLAG" val=""/>
+</p:tagLst>
+</file>
+
+<file path=ppt/tags/tag113.xml><?xml version="1.0" encoding="utf-8"?>
+<p:tagLst xmlns:p="http://schemas.openxmlformats.org/presentationml/2006/main">
+  <p:tag name="KSO_WM_BEAUTIFY_FLAG" val=""/>
+</p:tagLst>
+</file>
+
+<file path=ppt/tags/tag114.xml><?xml version="1.0" encoding="utf-8"?>
+<p:tagLst xmlns:p="http://schemas.openxmlformats.org/presentationml/2006/main">
+  <p:tag name="KSO_WM_BEAUTIFY_FLAG" val=""/>
+</p:tagLst>
+</file>
+
+<file path=ppt/tags/tag115.xml><?xml version="1.0" encoding="utf-8"?>
+<p:tagLst xmlns:p="http://schemas.openxmlformats.org/presentationml/2006/main">
+  <p:tag name="KSO_WM_BEAUTIFY_FLAG" val=""/>
+</p:tagLst>
+</file>
+
+<file path=ppt/tags/tag116.xml><?xml version="1.0" encoding="utf-8"?>
 <p:tagLst xmlns:p="http://schemas.openxmlformats.org/presentationml/2006/main">
   <p:tag name="KSO_WPP_MARK_KEY" val="d5fb1422-8afe-467d-a5b3-9e26682cc7be"/>
   <p:tag name="COMMONDATA" val="eyJoZGlkIjoiMTI4M2YxY2FjYWNjZWM3MDE3NDkxNWJiM2I1YTlmZDcifQ=="/>

--- a/files/OptiMin.pptx
+++ b/files/OptiMin.pptx
@@ -5524,116 +5524,18 @@
       </p:grpSp>
       <p:pic>
         <p:nvPicPr>
-          <p:cNvPr id="11" name="图片 10" descr="数据"/>
-          <p:cNvPicPr>
-            <a:picLocks noChangeAspect="1"/>
-          </p:cNvPicPr>
-          <p:nvPr/>
-        </p:nvPicPr>
-        <p:blipFill>
-          <a:blip r:embed="rId5">
-            <a:extLst>
-              <a:ext uri="{96DAC541-7B7A-43D3-8B79-37D633B846F1}">
-                <asvg:svgBlip xmlns:asvg="http://schemas.microsoft.com/office/drawing/2016/SVG/main" r:embed="rId6"/>
-              </a:ext>
-            </a:extLst>
-          </a:blip>
-          <a:stretch>
-            <a:fillRect/>
-          </a:stretch>
-        </p:blipFill>
-        <p:spPr>
-          <a:xfrm>
-            <a:off x="1069340" y="1660525"/>
-            <a:ext cx="848360" cy="848360"/>
-          </a:xfrm>
-          <a:prstGeom prst="rect">
-            <a:avLst/>
-          </a:prstGeom>
-        </p:spPr>
-      </p:pic>
-      <p:pic>
-        <p:nvPicPr>
-          <p:cNvPr id="12" name="图片 11" descr="数据"/>
-          <p:cNvPicPr>
-            <a:picLocks noChangeAspect="1"/>
-          </p:cNvPicPr>
-          <p:nvPr>
-            <p:custDataLst>
-              <p:tags r:id="rId7"/>
-            </p:custDataLst>
-          </p:nvPr>
-        </p:nvPicPr>
-        <p:blipFill>
-          <a:blip r:embed="rId5">
-            <a:extLst>
-              <a:ext uri="{96DAC541-7B7A-43D3-8B79-37D633B846F1}">
-                <asvg:svgBlip xmlns:asvg="http://schemas.microsoft.com/office/drawing/2016/SVG/main" r:embed="rId6"/>
-              </a:ext>
-            </a:extLst>
-          </a:blip>
-          <a:stretch>
-            <a:fillRect/>
-          </a:stretch>
-        </p:blipFill>
-        <p:spPr>
-          <a:xfrm>
-            <a:off x="2863850" y="1660525"/>
-            <a:ext cx="848360" cy="848360"/>
-          </a:xfrm>
-          <a:prstGeom prst="rect">
-            <a:avLst/>
-          </a:prstGeom>
-        </p:spPr>
-      </p:pic>
-      <p:pic>
-        <p:nvPicPr>
-          <p:cNvPr id="13" name="图片 12" descr="数据"/>
-          <p:cNvPicPr>
-            <a:picLocks noChangeAspect="1"/>
-          </p:cNvPicPr>
-          <p:nvPr>
-            <p:custDataLst>
-              <p:tags r:id="rId8"/>
-            </p:custDataLst>
-          </p:nvPr>
-        </p:nvPicPr>
-        <p:blipFill>
-          <a:blip r:embed="rId5">
-            <a:extLst>
-              <a:ext uri="{96DAC541-7B7A-43D3-8B79-37D633B846F1}">
-                <asvg:svgBlip xmlns:asvg="http://schemas.microsoft.com/office/drawing/2016/SVG/main" r:embed="rId6"/>
-              </a:ext>
-            </a:extLst>
-          </a:blip>
-          <a:stretch>
-            <a:fillRect/>
-          </a:stretch>
-        </p:blipFill>
-        <p:spPr>
-          <a:xfrm>
-            <a:off x="1963420" y="5443220"/>
-            <a:ext cx="848360" cy="848360"/>
-          </a:xfrm>
-          <a:prstGeom prst="rect">
-            <a:avLst/>
-          </a:prstGeom>
-        </p:spPr>
-      </p:pic>
-      <p:pic>
-        <p:nvPicPr>
           <p:cNvPr id="41" name="图片 40"/>
           <p:cNvPicPr>
             <a:picLocks noChangeAspect="1"/>
           </p:cNvPicPr>
           <p:nvPr>
             <p:custDataLst>
-              <p:tags r:id="rId9"/>
+              <p:tags r:id="rId5"/>
             </p:custDataLst>
           </p:nvPr>
         </p:nvPicPr>
         <p:blipFill>
-          <a:blip r:embed="rId10"/>
+          <a:blip r:embed="rId6"/>
           <a:stretch>
             <a:fillRect/>
           </a:stretch>
@@ -5929,6 +5831,78 @@
           </a:p>
         </p:txBody>
       </p:sp>
+      <p:pic>
+        <p:nvPicPr>
+          <p:cNvPr id="15" name="图片 14" descr="bug"/>
+          <p:cNvPicPr>
+            <a:picLocks noChangeAspect="1"/>
+          </p:cNvPicPr>
+          <p:nvPr/>
+        </p:nvPicPr>
+        <p:blipFill>
+          <a:blip r:embed="rId7"/>
+          <a:stretch>
+            <a:fillRect/>
+          </a:stretch>
+        </p:blipFill>
+        <p:spPr>
+          <a:xfrm>
+            <a:off x="1976755" y="5443220"/>
+            <a:ext cx="649605" cy="649605"/>
+          </a:xfrm>
+          <a:prstGeom prst="rect">
+            <a:avLst/>
+          </a:prstGeom>
+        </p:spPr>
+      </p:pic>
+      <p:pic>
+        <p:nvPicPr>
+          <p:cNvPr id="16" name="图片 15" descr="data"/>
+          <p:cNvPicPr>
+            <a:picLocks noChangeAspect="1"/>
+          </p:cNvPicPr>
+          <p:nvPr/>
+        </p:nvPicPr>
+        <p:blipFill>
+          <a:blip r:embed="rId8"/>
+          <a:stretch>
+            <a:fillRect/>
+          </a:stretch>
+        </p:blipFill>
+        <p:spPr>
+          <a:xfrm>
+            <a:off x="1169035" y="1796415"/>
+            <a:ext cx="648000" cy="648000"/>
+          </a:xfrm>
+          <a:prstGeom prst="rect">
+            <a:avLst/>
+          </a:prstGeom>
+        </p:spPr>
+      </p:pic>
+      <p:pic>
+        <p:nvPicPr>
+          <p:cNvPr id="17" name="图片 16" descr="equalizer"/>
+          <p:cNvPicPr>
+            <a:picLocks noChangeAspect="1"/>
+          </p:cNvPicPr>
+          <p:nvPr/>
+        </p:nvPicPr>
+        <p:blipFill>
+          <a:blip r:embed="rId9"/>
+          <a:stretch>
+            <a:fillRect/>
+          </a:stretch>
+        </p:blipFill>
+        <p:spPr>
+          <a:xfrm>
+            <a:off x="2964180" y="1857375"/>
+            <a:ext cx="648000" cy="648000"/>
+          </a:xfrm>
+          <a:prstGeom prst="rect">
+            <a:avLst/>
+          </a:prstGeom>
+        </p:spPr>
+      </p:pic>
     </p:spTree>
   </p:cSld>
   <p:clrMapOvr>
@@ -6032,7 +6006,761 @@
       </p:sp>
       <p:grpSp>
         <p:nvGrpSpPr>
-          <p:cNvPr id="37" name="组合 36"/>
+          <p:cNvPr id="38" name="组合 37"/>
+          <p:cNvGrpSpPr/>
+          <p:nvPr/>
+        </p:nvGrpSpPr>
+        <p:grpSpPr>
+          <a:xfrm>
+            <a:off x="4437380" y="2444115"/>
+            <a:ext cx="3553460" cy="2945765"/>
+            <a:chOff x="6988" y="3849"/>
+            <a:chExt cx="5596" cy="4639"/>
+          </a:xfrm>
+        </p:grpSpPr>
+        <p:sp>
+          <p:nvSpPr>
+            <p:cNvPr id="16" name="圆角矩形 15"/>
+            <p:cNvSpPr/>
+            <p:nvPr>
+              <p:custDataLst>
+                <p:tags r:id="rId1"/>
+              </p:custDataLst>
+            </p:nvPr>
+          </p:nvSpPr>
+          <p:spPr>
+            <a:xfrm>
+              <a:off x="7481" y="5287"/>
+              <a:ext cx="4264" cy="1652"/>
+            </a:xfrm>
+            <a:prstGeom prst="roundRect">
+              <a:avLst/>
+            </a:prstGeom>
+            <a:noFill/>
+            <a:ln>
+              <a:solidFill>
+                <a:schemeClr val="bg1">
+                  <a:lumMod val="75000"/>
+                </a:schemeClr>
+              </a:solidFill>
+            </a:ln>
+            <a:extLst>
+              <a:ext uri="{909E8E84-426E-40DD-AFC4-6F175D3DCCD1}">
+                <a14:hiddenFill xmlns:a14="http://schemas.microsoft.com/office/drawing/2010/main">
+                  <a:solidFill>
+                    <a:schemeClr val="accent1"/>
+                  </a:solidFill>
+                </a14:hiddenFill>
+              </a:ext>
+            </a:extLst>
+          </p:spPr>
+          <p:style>
+            <a:lnRef idx="2">
+              <a:schemeClr val="accent1">
+                <a:shade val="50000"/>
+              </a:schemeClr>
+            </a:lnRef>
+            <a:fillRef idx="1">
+              <a:schemeClr val="accent1"/>
+            </a:fillRef>
+            <a:effectRef idx="0">
+              <a:schemeClr val="accent1"/>
+            </a:effectRef>
+            <a:fontRef idx="minor">
+              <a:schemeClr val="lt1"/>
+            </a:fontRef>
+          </p:style>
+          <p:txBody>
+            <a:bodyPr rtlCol="0" anchor="ctr"/>
+            <a:p>
+              <a:pPr algn="ctr"/>
+              <a:r>
+                <a:rPr lang="en-US" altLang="zh-CN" sz="2800">
+                  <a:solidFill>
+                    <a:schemeClr val="tx1"/>
+                  </a:solidFill>
+                  <a:latin typeface="Times New Roman" panose="02020603050405020304" pitchFamily="18" charset="0"/>
+                  <a:cs typeface="Times New Roman" panose="02020603050405020304" pitchFamily="18" charset="0"/>
+                </a:rPr>
+                <a:t>Fuzzer</a:t>
+              </a:r>
+              <a:endParaRPr lang="en-US" altLang="zh-CN" sz="2800">
+                <a:solidFill>
+                  <a:schemeClr val="tx1"/>
+                </a:solidFill>
+                <a:latin typeface="Times New Roman" panose="02020603050405020304" pitchFamily="18" charset="0"/>
+                <a:cs typeface="Times New Roman" panose="02020603050405020304" pitchFamily="18" charset="0"/>
+              </a:endParaRPr>
+            </a:p>
+          </p:txBody>
+        </p:sp>
+        <p:sp>
+          <p:nvSpPr>
+            <p:cNvPr id="17" name="下箭头 16"/>
+            <p:cNvSpPr/>
+            <p:nvPr>
+              <p:custDataLst>
+                <p:tags r:id="rId2"/>
+              </p:custDataLst>
+            </p:nvPr>
+          </p:nvSpPr>
+          <p:spPr>
+            <a:xfrm>
+              <a:off x="7954" y="4671"/>
+              <a:ext cx="560" cy="616"/>
+            </a:xfrm>
+            <a:prstGeom prst="downArrow">
+              <a:avLst/>
+            </a:prstGeom>
+            <a:solidFill>
+              <a:schemeClr val="accent1">
+                <a:lumMod val="40000"/>
+                <a:lumOff val="60000"/>
+              </a:schemeClr>
+            </a:solidFill>
+            <a:ln>
+              <a:noFill/>
+            </a:ln>
+          </p:spPr>
+          <p:style>
+            <a:lnRef idx="2">
+              <a:schemeClr val="accent1">
+                <a:shade val="50000"/>
+              </a:schemeClr>
+            </a:lnRef>
+            <a:fillRef idx="1">
+              <a:schemeClr val="accent1"/>
+            </a:fillRef>
+            <a:effectRef idx="0">
+              <a:schemeClr val="accent1"/>
+            </a:effectRef>
+            <a:fontRef idx="minor">
+              <a:schemeClr val="lt1"/>
+            </a:fontRef>
+          </p:style>
+          <p:txBody>
+            <a:bodyPr rtlCol="0" anchor="ctr"/>
+            <a:p>
+              <a:pPr algn="ctr"/>
+              <a:endParaRPr lang="zh-CN" altLang="en-US"/>
+            </a:p>
+          </p:txBody>
+        </p:sp>
+        <p:sp>
+          <p:nvSpPr>
+            <p:cNvPr id="18" name="下箭头 17"/>
+            <p:cNvSpPr/>
+            <p:nvPr>
+              <p:custDataLst>
+                <p:tags r:id="rId3"/>
+              </p:custDataLst>
+            </p:nvPr>
+          </p:nvSpPr>
+          <p:spPr>
+            <a:xfrm>
+              <a:off x="10779" y="4671"/>
+              <a:ext cx="560" cy="616"/>
+            </a:xfrm>
+            <a:prstGeom prst="downArrow">
+              <a:avLst/>
+            </a:prstGeom>
+            <a:solidFill>
+              <a:schemeClr val="accent1">
+                <a:lumMod val="40000"/>
+                <a:lumOff val="60000"/>
+              </a:schemeClr>
+            </a:solidFill>
+            <a:ln>
+              <a:noFill/>
+            </a:ln>
+          </p:spPr>
+          <p:style>
+            <a:lnRef idx="2">
+              <a:schemeClr val="accent1">
+                <a:shade val="50000"/>
+              </a:schemeClr>
+            </a:lnRef>
+            <a:fillRef idx="1">
+              <a:schemeClr val="accent1"/>
+            </a:fillRef>
+            <a:effectRef idx="0">
+              <a:schemeClr val="accent1"/>
+            </a:effectRef>
+            <a:fontRef idx="minor">
+              <a:schemeClr val="lt1"/>
+            </a:fontRef>
+          </p:style>
+          <p:txBody>
+            <a:bodyPr rtlCol="0" anchor="ctr"/>
+            <a:p>
+              <a:pPr algn="ctr"/>
+              <a:endParaRPr lang="zh-CN" altLang="en-US"/>
+            </a:p>
+          </p:txBody>
+        </p:sp>
+        <p:sp>
+          <p:nvSpPr>
+            <p:cNvPr id="19" name="文本框 18"/>
+            <p:cNvSpPr txBox="1"/>
+            <p:nvPr>
+              <p:custDataLst>
+                <p:tags r:id="rId4"/>
+              </p:custDataLst>
+            </p:nvPr>
+          </p:nvSpPr>
+          <p:spPr>
+            <a:xfrm>
+              <a:off x="6988" y="3849"/>
+              <a:ext cx="2491" cy="822"/>
+            </a:xfrm>
+            <a:prstGeom prst="rect">
+              <a:avLst/>
+            </a:prstGeom>
+            <a:noFill/>
+          </p:spPr>
+          <p:txBody>
+            <a:bodyPr wrap="square" rtlCol="0" anchor="t">
+              <a:spAutoFit/>
+            </a:bodyPr>
+            <a:p>
+              <a:pPr algn="ctr"/>
+              <a:r>
+                <a:rPr lang="en-US" altLang="zh-CN" sz="2800">
+                  <a:latin typeface="Times New Roman" panose="02020603050405020304" pitchFamily="18" charset="0"/>
+                  <a:cs typeface="Times New Roman" panose="02020603050405020304" pitchFamily="18" charset="0"/>
+                  <a:sym typeface="+mn-ea"/>
+                </a:rPr>
+                <a:t>Compiler</a:t>
+              </a:r>
+              <a:endParaRPr lang="en-US" altLang="zh-CN" sz="2800">
+                <a:latin typeface="Times New Roman" panose="02020603050405020304" pitchFamily="18" charset="0"/>
+                <a:cs typeface="Times New Roman" panose="02020603050405020304" pitchFamily="18" charset="0"/>
+                <a:sym typeface="+mn-ea"/>
+              </a:endParaRPr>
+            </a:p>
+          </p:txBody>
+        </p:sp>
+        <p:sp>
+          <p:nvSpPr>
+            <p:cNvPr id="20" name="文本框 19"/>
+            <p:cNvSpPr txBox="1"/>
+            <p:nvPr>
+              <p:custDataLst>
+                <p:tags r:id="rId5"/>
+              </p:custDataLst>
+            </p:nvPr>
+          </p:nvSpPr>
+          <p:spPr>
+            <a:xfrm>
+              <a:off x="9534" y="3849"/>
+              <a:ext cx="3051" cy="822"/>
+            </a:xfrm>
+            <a:prstGeom prst="rect">
+              <a:avLst/>
+            </a:prstGeom>
+            <a:noFill/>
+          </p:spPr>
+          <p:txBody>
+            <a:bodyPr wrap="square" rtlCol="0" anchor="t">
+              <a:spAutoFit/>
+            </a:bodyPr>
+            <a:p>
+              <a:pPr algn="ctr"/>
+              <a:r>
+                <a:rPr lang="en-US" altLang="zh-CN" sz="2800">
+                  <a:latin typeface="Times New Roman" panose="02020603050405020304" pitchFamily="18" charset="0"/>
+                  <a:cs typeface="Times New Roman" panose="02020603050405020304" pitchFamily="18" charset="0"/>
+                  <a:sym typeface="+mn-ea"/>
+                </a:rPr>
+                <a:t>Program</a:t>
+              </a:r>
+              <a:endParaRPr lang="en-US" altLang="zh-CN" sz="2800">
+                <a:latin typeface="Times New Roman" panose="02020603050405020304" pitchFamily="18" charset="0"/>
+                <a:cs typeface="Times New Roman" panose="02020603050405020304" pitchFamily="18" charset="0"/>
+                <a:sym typeface="+mn-ea"/>
+              </a:endParaRPr>
+            </a:p>
+          </p:txBody>
+        </p:sp>
+        <p:sp>
+          <p:nvSpPr>
+            <p:cNvPr id="21" name="下箭头 20"/>
+            <p:cNvSpPr/>
+            <p:nvPr>
+              <p:custDataLst>
+                <p:tags r:id="rId6"/>
+              </p:custDataLst>
+            </p:nvPr>
+          </p:nvSpPr>
+          <p:spPr>
+            <a:xfrm>
+              <a:off x="9307" y="6966"/>
+              <a:ext cx="560" cy="616"/>
+            </a:xfrm>
+            <a:prstGeom prst="downArrow">
+              <a:avLst/>
+            </a:prstGeom>
+            <a:solidFill>
+              <a:schemeClr val="accent1">
+                <a:lumMod val="40000"/>
+                <a:lumOff val="60000"/>
+              </a:schemeClr>
+            </a:solidFill>
+            <a:ln>
+              <a:noFill/>
+            </a:ln>
+          </p:spPr>
+          <p:style>
+            <a:lnRef idx="2">
+              <a:schemeClr val="accent1">
+                <a:shade val="50000"/>
+              </a:schemeClr>
+            </a:lnRef>
+            <a:fillRef idx="1">
+              <a:schemeClr val="accent1"/>
+            </a:fillRef>
+            <a:effectRef idx="0">
+              <a:schemeClr val="accent1"/>
+            </a:effectRef>
+            <a:fontRef idx="minor">
+              <a:schemeClr val="lt1"/>
+            </a:fontRef>
+          </p:style>
+          <p:txBody>
+            <a:bodyPr rtlCol="0" anchor="ctr"/>
+            <a:p>
+              <a:pPr algn="ctr"/>
+              <a:endParaRPr lang="zh-CN" altLang="en-US"/>
+            </a:p>
+          </p:txBody>
+        </p:sp>
+        <p:sp>
+          <p:nvSpPr>
+            <p:cNvPr id="22" name="文本框 21"/>
+            <p:cNvSpPr txBox="1"/>
+            <p:nvPr>
+              <p:custDataLst>
+                <p:tags r:id="rId7"/>
+              </p:custDataLst>
+            </p:nvPr>
+          </p:nvSpPr>
+          <p:spPr>
+            <a:xfrm>
+              <a:off x="7981" y="7666"/>
+              <a:ext cx="3051" cy="822"/>
+            </a:xfrm>
+            <a:prstGeom prst="rect">
+              <a:avLst/>
+            </a:prstGeom>
+            <a:noFill/>
+          </p:spPr>
+          <p:txBody>
+            <a:bodyPr wrap="square" rtlCol="0" anchor="t">
+              <a:spAutoFit/>
+            </a:bodyPr>
+            <a:p>
+              <a:pPr algn="ctr"/>
+              <a:r>
+                <a:rPr lang="en-US" altLang="zh-CN" sz="2800">
+                  <a:latin typeface="Times New Roman" panose="02020603050405020304" pitchFamily="18" charset="0"/>
+                  <a:cs typeface="Times New Roman" panose="02020603050405020304" pitchFamily="18" charset="0"/>
+                  <a:sym typeface="+mn-ea"/>
+                </a:rPr>
+                <a:t>bug</a:t>
+              </a:r>
+              <a:endParaRPr lang="en-US" altLang="zh-CN" sz="2800">
+                <a:latin typeface="Times New Roman" panose="02020603050405020304" pitchFamily="18" charset="0"/>
+                <a:cs typeface="Times New Roman" panose="02020603050405020304" pitchFamily="18" charset="0"/>
+                <a:sym typeface="+mn-ea"/>
+              </a:endParaRPr>
+            </a:p>
+          </p:txBody>
+        </p:sp>
+      </p:grpSp>
+      <p:grpSp>
+        <p:nvGrpSpPr>
+          <p:cNvPr id="39" name="组合 38"/>
+          <p:cNvGrpSpPr/>
+          <p:nvPr/>
+        </p:nvGrpSpPr>
+        <p:grpSpPr>
+          <a:xfrm>
+            <a:off x="8173085" y="2444115"/>
+            <a:ext cx="3553460" cy="2945765"/>
+            <a:chOff x="12871" y="3849"/>
+            <a:chExt cx="5596" cy="4639"/>
+          </a:xfrm>
+        </p:grpSpPr>
+        <p:sp>
+          <p:nvSpPr>
+            <p:cNvPr id="27" name="圆角矩形 26"/>
+            <p:cNvSpPr/>
+            <p:nvPr>
+              <p:custDataLst>
+                <p:tags r:id="rId8"/>
+              </p:custDataLst>
+            </p:nvPr>
+          </p:nvSpPr>
+          <p:spPr>
+            <a:xfrm>
+              <a:off x="13364" y="5287"/>
+              <a:ext cx="4264" cy="1652"/>
+            </a:xfrm>
+            <a:prstGeom prst="roundRect">
+              <a:avLst/>
+            </a:prstGeom>
+            <a:noFill/>
+            <a:ln>
+              <a:solidFill>
+                <a:schemeClr val="bg1">
+                  <a:lumMod val="75000"/>
+                </a:schemeClr>
+              </a:solidFill>
+            </a:ln>
+            <a:extLst>
+              <a:ext uri="{909E8E84-426E-40DD-AFC4-6F175D3DCCD1}">
+                <a14:hiddenFill xmlns:a14="http://schemas.microsoft.com/office/drawing/2010/main">
+                  <a:solidFill>
+                    <a:schemeClr val="accent1"/>
+                  </a:solidFill>
+                </a14:hiddenFill>
+              </a:ext>
+            </a:extLst>
+          </p:spPr>
+          <p:style>
+            <a:lnRef idx="2">
+              <a:schemeClr val="accent1">
+                <a:shade val="50000"/>
+              </a:schemeClr>
+            </a:lnRef>
+            <a:fillRef idx="1">
+              <a:schemeClr val="accent1"/>
+            </a:fillRef>
+            <a:effectRef idx="0">
+              <a:schemeClr val="accent1"/>
+            </a:effectRef>
+            <a:fontRef idx="minor">
+              <a:schemeClr val="lt1"/>
+            </a:fontRef>
+          </p:style>
+          <p:txBody>
+            <a:bodyPr rtlCol="0" anchor="ctr"/>
+            <a:p>
+              <a:pPr algn="ctr"/>
+              <a:r>
+                <a:rPr lang="en-US" altLang="zh-CN" sz="2800">
+                  <a:solidFill>
+                    <a:schemeClr val="tx1"/>
+                  </a:solidFill>
+                  <a:latin typeface="Times New Roman" panose="02020603050405020304" pitchFamily="18" charset="0"/>
+                  <a:cs typeface="Times New Roman" panose="02020603050405020304" pitchFamily="18" charset="0"/>
+                </a:rPr>
+                <a:t>Fuzzer</a:t>
+              </a:r>
+              <a:endParaRPr lang="en-US" altLang="zh-CN" sz="2800">
+                <a:solidFill>
+                  <a:schemeClr val="tx1"/>
+                </a:solidFill>
+                <a:latin typeface="Times New Roman" panose="02020603050405020304" pitchFamily="18" charset="0"/>
+                <a:cs typeface="Times New Roman" panose="02020603050405020304" pitchFamily="18" charset="0"/>
+              </a:endParaRPr>
+            </a:p>
+          </p:txBody>
+        </p:sp>
+        <p:sp>
+          <p:nvSpPr>
+            <p:cNvPr id="28" name="下箭头 27"/>
+            <p:cNvSpPr/>
+            <p:nvPr>
+              <p:custDataLst>
+                <p:tags r:id="rId9"/>
+              </p:custDataLst>
+            </p:nvPr>
+          </p:nvSpPr>
+          <p:spPr>
+            <a:xfrm>
+              <a:off x="13837" y="4671"/>
+              <a:ext cx="560" cy="616"/>
+            </a:xfrm>
+            <a:prstGeom prst="downArrow">
+              <a:avLst/>
+            </a:prstGeom>
+            <a:solidFill>
+              <a:schemeClr val="accent1">
+                <a:lumMod val="40000"/>
+                <a:lumOff val="60000"/>
+              </a:schemeClr>
+            </a:solidFill>
+            <a:ln>
+              <a:noFill/>
+            </a:ln>
+          </p:spPr>
+          <p:style>
+            <a:lnRef idx="2">
+              <a:schemeClr val="accent1">
+                <a:shade val="50000"/>
+              </a:schemeClr>
+            </a:lnRef>
+            <a:fillRef idx="1">
+              <a:schemeClr val="accent1"/>
+            </a:fillRef>
+            <a:effectRef idx="0">
+              <a:schemeClr val="accent1"/>
+            </a:effectRef>
+            <a:fontRef idx="minor">
+              <a:schemeClr val="lt1"/>
+            </a:fontRef>
+          </p:style>
+          <p:txBody>
+            <a:bodyPr rtlCol="0" anchor="ctr"/>
+            <a:p>
+              <a:pPr algn="ctr"/>
+              <a:endParaRPr lang="zh-CN" altLang="en-US"/>
+            </a:p>
+          </p:txBody>
+        </p:sp>
+        <p:sp>
+          <p:nvSpPr>
+            <p:cNvPr id="29" name="下箭头 28"/>
+            <p:cNvSpPr/>
+            <p:nvPr>
+              <p:custDataLst>
+                <p:tags r:id="rId10"/>
+              </p:custDataLst>
+            </p:nvPr>
+          </p:nvSpPr>
+          <p:spPr>
+            <a:xfrm>
+              <a:off x="16662" y="4671"/>
+              <a:ext cx="560" cy="616"/>
+            </a:xfrm>
+            <a:prstGeom prst="downArrow">
+              <a:avLst/>
+            </a:prstGeom>
+            <a:solidFill>
+              <a:schemeClr val="accent1">
+                <a:lumMod val="40000"/>
+                <a:lumOff val="60000"/>
+              </a:schemeClr>
+            </a:solidFill>
+            <a:ln>
+              <a:noFill/>
+            </a:ln>
+          </p:spPr>
+          <p:style>
+            <a:lnRef idx="2">
+              <a:schemeClr val="accent1">
+                <a:shade val="50000"/>
+              </a:schemeClr>
+            </a:lnRef>
+            <a:fillRef idx="1">
+              <a:schemeClr val="accent1"/>
+            </a:fillRef>
+            <a:effectRef idx="0">
+              <a:schemeClr val="accent1"/>
+            </a:effectRef>
+            <a:fontRef idx="minor">
+              <a:schemeClr val="lt1"/>
+            </a:fontRef>
+          </p:style>
+          <p:txBody>
+            <a:bodyPr rtlCol="0" anchor="ctr"/>
+            <a:p>
+              <a:pPr algn="ctr"/>
+              <a:endParaRPr lang="zh-CN" altLang="en-US"/>
+            </a:p>
+          </p:txBody>
+        </p:sp>
+        <p:sp>
+          <p:nvSpPr>
+            <p:cNvPr id="30" name="文本框 29"/>
+            <p:cNvSpPr txBox="1"/>
+            <p:nvPr>
+              <p:custDataLst>
+                <p:tags r:id="rId11"/>
+              </p:custDataLst>
+            </p:nvPr>
+          </p:nvSpPr>
+          <p:spPr>
+            <a:xfrm>
+              <a:off x="12871" y="3849"/>
+              <a:ext cx="2491" cy="822"/>
+            </a:xfrm>
+            <a:prstGeom prst="rect">
+              <a:avLst/>
+            </a:prstGeom>
+            <a:noFill/>
+          </p:spPr>
+          <p:txBody>
+            <a:bodyPr wrap="square" rtlCol="0" anchor="t">
+              <a:spAutoFit/>
+            </a:bodyPr>
+            <a:p>
+              <a:pPr algn="ctr"/>
+              <a:r>
+                <a:rPr lang="en-US" altLang="zh-CN" sz="2800">
+                  <a:latin typeface="Times New Roman" panose="02020603050405020304" pitchFamily="18" charset="0"/>
+                  <a:cs typeface="Times New Roman" panose="02020603050405020304" pitchFamily="18" charset="0"/>
+                  <a:sym typeface="+mn-ea"/>
+                </a:rPr>
+                <a:t>Soft</a:t>
+              </a:r>
+              <a:r>
+                <a:rPr lang="en-US" altLang="zh-CN" sz="2800">
+                  <a:latin typeface="Times New Roman" panose="02020603050405020304" pitchFamily="18" charset="0"/>
+                  <a:cs typeface="Times New Roman" panose="02020603050405020304" pitchFamily="18" charset="0"/>
+                  <a:sym typeface="+mn-ea"/>
+                </a:rPr>
+                <a:t>ware</a:t>
+              </a:r>
+              <a:endParaRPr lang="en-US" altLang="zh-CN" sz="2800">
+                <a:latin typeface="Times New Roman" panose="02020603050405020304" pitchFamily="18" charset="0"/>
+                <a:cs typeface="Times New Roman" panose="02020603050405020304" pitchFamily="18" charset="0"/>
+                <a:sym typeface="+mn-ea"/>
+              </a:endParaRPr>
+            </a:p>
+          </p:txBody>
+        </p:sp>
+        <p:sp>
+          <p:nvSpPr>
+            <p:cNvPr id="31" name="文本框 30"/>
+            <p:cNvSpPr txBox="1"/>
+            <p:nvPr>
+              <p:custDataLst>
+                <p:tags r:id="rId12"/>
+              </p:custDataLst>
+            </p:nvPr>
+          </p:nvSpPr>
+          <p:spPr>
+            <a:xfrm>
+              <a:off x="15417" y="3849"/>
+              <a:ext cx="3051" cy="822"/>
+            </a:xfrm>
+            <a:prstGeom prst="rect">
+              <a:avLst/>
+            </a:prstGeom>
+            <a:noFill/>
+          </p:spPr>
+          <p:txBody>
+            <a:bodyPr wrap="square" rtlCol="0" anchor="t">
+              <a:spAutoFit/>
+            </a:bodyPr>
+            <a:p>
+              <a:pPr algn="ctr"/>
+              <a:r>
+                <a:rPr lang="en-US" altLang="zh-CN" sz="2800">
+                  <a:latin typeface="Times New Roman" panose="02020603050405020304" pitchFamily="18" charset="0"/>
+                  <a:cs typeface="Times New Roman" panose="02020603050405020304" pitchFamily="18" charset="0"/>
+                  <a:sym typeface="+mn-ea"/>
+                </a:rPr>
+                <a:t>File</a:t>
+              </a:r>
+              <a:endParaRPr lang="en-US" altLang="zh-CN" sz="2800">
+                <a:latin typeface="Times New Roman" panose="02020603050405020304" pitchFamily="18" charset="0"/>
+                <a:cs typeface="Times New Roman" panose="02020603050405020304" pitchFamily="18" charset="0"/>
+                <a:sym typeface="+mn-ea"/>
+              </a:endParaRPr>
+            </a:p>
+          </p:txBody>
+        </p:sp>
+        <p:sp>
+          <p:nvSpPr>
+            <p:cNvPr id="32" name="下箭头 31"/>
+            <p:cNvSpPr/>
+            <p:nvPr>
+              <p:custDataLst>
+                <p:tags r:id="rId13"/>
+              </p:custDataLst>
+            </p:nvPr>
+          </p:nvSpPr>
+          <p:spPr>
+            <a:xfrm>
+              <a:off x="15190" y="6966"/>
+              <a:ext cx="560" cy="616"/>
+            </a:xfrm>
+            <a:prstGeom prst="downArrow">
+              <a:avLst/>
+            </a:prstGeom>
+            <a:solidFill>
+              <a:schemeClr val="accent1">
+                <a:lumMod val="40000"/>
+                <a:lumOff val="60000"/>
+              </a:schemeClr>
+            </a:solidFill>
+            <a:ln>
+              <a:noFill/>
+            </a:ln>
+          </p:spPr>
+          <p:style>
+            <a:lnRef idx="2">
+              <a:schemeClr val="accent1">
+                <a:shade val="50000"/>
+              </a:schemeClr>
+            </a:lnRef>
+            <a:fillRef idx="1">
+              <a:schemeClr val="accent1"/>
+            </a:fillRef>
+            <a:effectRef idx="0">
+              <a:schemeClr val="accent1"/>
+            </a:effectRef>
+            <a:fontRef idx="minor">
+              <a:schemeClr val="lt1"/>
+            </a:fontRef>
+          </p:style>
+          <p:txBody>
+            <a:bodyPr rtlCol="0" anchor="ctr"/>
+            <a:p>
+              <a:pPr algn="ctr"/>
+              <a:endParaRPr lang="zh-CN" altLang="en-US"/>
+            </a:p>
+          </p:txBody>
+        </p:sp>
+        <p:sp>
+          <p:nvSpPr>
+            <p:cNvPr id="33" name="文本框 32"/>
+            <p:cNvSpPr txBox="1"/>
+            <p:nvPr>
+              <p:custDataLst>
+                <p:tags r:id="rId14"/>
+              </p:custDataLst>
+            </p:nvPr>
+          </p:nvSpPr>
+          <p:spPr>
+            <a:xfrm>
+              <a:off x="13864" y="7666"/>
+              <a:ext cx="3051" cy="822"/>
+            </a:xfrm>
+            <a:prstGeom prst="rect">
+              <a:avLst/>
+            </a:prstGeom>
+            <a:noFill/>
+          </p:spPr>
+          <p:txBody>
+            <a:bodyPr wrap="square" rtlCol="0" anchor="t">
+              <a:spAutoFit/>
+            </a:bodyPr>
+            <a:p>
+              <a:pPr algn="ctr"/>
+              <a:r>
+                <a:rPr lang="en-US" altLang="zh-CN" sz="2800">
+                  <a:latin typeface="Times New Roman" panose="02020603050405020304" pitchFamily="18" charset="0"/>
+                  <a:cs typeface="Times New Roman" panose="02020603050405020304" pitchFamily="18" charset="0"/>
+                  <a:sym typeface="+mn-ea"/>
+                </a:rPr>
+                <a:t>bug</a:t>
+              </a:r>
+              <a:endParaRPr lang="en-US" altLang="zh-CN" sz="2800">
+                <a:latin typeface="Times New Roman" panose="02020603050405020304" pitchFamily="18" charset="0"/>
+                <a:cs typeface="Times New Roman" panose="02020603050405020304" pitchFamily="18" charset="0"/>
+                <a:sym typeface="+mn-ea"/>
+              </a:endParaRPr>
+            </a:p>
+          </p:txBody>
+        </p:sp>
+      </p:grpSp>
+      <p:grpSp>
+        <p:nvGrpSpPr>
+          <p:cNvPr id="10" name="组合 9"/>
           <p:cNvGrpSpPr/>
           <p:nvPr/>
         </p:nvGrpSpPr>
@@ -6046,7 +6774,7 @@
         </p:grpSpPr>
         <p:sp>
           <p:nvSpPr>
-            <p:cNvPr id="3" name="圆角矩形 2"/>
+            <p:cNvPr id="14" name="圆角矩形 13"/>
             <p:cNvSpPr/>
             <p:nvPr/>
           </p:nvSpPr>
@@ -6118,7 +6846,7 @@
         </p:sp>
         <p:sp>
           <p:nvSpPr>
-            <p:cNvPr id="4" name="下箭头 3"/>
+            <p:cNvPr id="15" name="下箭头 14"/>
             <p:cNvSpPr/>
             <p:nvPr/>
           </p:nvSpPr>
@@ -6166,11 +6894,11 @@
         </p:sp>
         <p:sp>
           <p:nvSpPr>
-            <p:cNvPr id="5" name="下箭头 4"/>
+            <p:cNvPr id="26" name="下箭头 25"/>
             <p:cNvSpPr/>
             <p:nvPr>
               <p:custDataLst>
-                <p:tags r:id="rId1"/>
+                <p:tags r:id="rId15"/>
               </p:custDataLst>
             </p:nvPr>
           </p:nvSpPr>
@@ -6218,7 +6946,7 @@
         </p:sp>
         <p:sp>
           <p:nvSpPr>
-            <p:cNvPr id="6" name="文本框 5"/>
+            <p:cNvPr id="40" name="文本框 39"/>
             <p:cNvSpPr txBox="1"/>
             <p:nvPr/>
           </p:nvSpPr>
@@ -6256,11 +6984,11 @@
         </p:sp>
         <p:sp>
           <p:nvSpPr>
-            <p:cNvPr id="7" name="文本框 6"/>
+            <p:cNvPr id="41" name="文本框 40"/>
             <p:cNvSpPr txBox="1"/>
             <p:nvPr>
               <p:custDataLst>
-                <p:tags r:id="rId2"/>
+                <p:tags r:id="rId16"/>
               </p:custDataLst>
             </p:nvPr>
           </p:nvSpPr>
@@ -6306,11 +7034,11 @@
         </p:sp>
         <p:sp>
           <p:nvSpPr>
-            <p:cNvPr id="8" name="下箭头 7"/>
+            <p:cNvPr id="42" name="下箭头 41"/>
             <p:cNvSpPr/>
             <p:nvPr>
               <p:custDataLst>
-                <p:tags r:id="rId3"/>
+                <p:tags r:id="rId17"/>
               </p:custDataLst>
             </p:nvPr>
           </p:nvSpPr>
@@ -6358,11 +7086,11 @@
         </p:sp>
         <p:sp>
           <p:nvSpPr>
-            <p:cNvPr id="9" name="文本框 8"/>
+            <p:cNvPr id="43" name="文本框 42"/>
             <p:cNvSpPr txBox="1"/>
             <p:nvPr>
               <p:custDataLst>
-                <p:tags r:id="rId4"/>
+                <p:tags r:id="rId18"/>
               </p:custDataLst>
             </p:nvPr>
           </p:nvSpPr>
@@ -6401,28 +7129,22 @@
       </p:grpSp>
       <p:pic>
         <p:nvPicPr>
-          <p:cNvPr id="11" name="图片 10" descr="数据"/>
+          <p:cNvPr id="44" name="图片 43" descr="bug"/>
           <p:cNvPicPr>
             <a:picLocks noChangeAspect="1"/>
           </p:cNvPicPr>
           <p:nvPr/>
         </p:nvPicPr>
         <p:blipFill>
-          <a:blip r:embed="rId5">
-            <a:extLst>
-              <a:ext uri="{96DAC541-7B7A-43D3-8B79-37D633B846F1}">
-                <asvg:svgBlip xmlns:asvg="http://schemas.microsoft.com/office/drawing/2016/SVG/main" r:embed="rId6"/>
-              </a:ext>
-            </a:extLst>
-          </a:blip>
+          <a:blip r:embed="rId19"/>
           <a:stretch>
             <a:fillRect/>
           </a:stretch>
         </p:blipFill>
         <p:spPr>
           <a:xfrm>
-            <a:off x="1069340" y="1660525"/>
-            <a:ext cx="848360" cy="848360"/>
+            <a:off x="1976755" y="5443220"/>
+            <a:ext cx="649605" cy="649605"/>
           </a:xfrm>
           <a:prstGeom prst="rect">
             <a:avLst/>
@@ -6431,32 +7153,22 @@
       </p:pic>
       <p:pic>
         <p:nvPicPr>
-          <p:cNvPr id="12" name="图片 11" descr="数据"/>
+          <p:cNvPr id="45" name="图片 44" descr="data"/>
           <p:cNvPicPr>
             <a:picLocks noChangeAspect="1"/>
           </p:cNvPicPr>
-          <p:nvPr>
-            <p:custDataLst>
-              <p:tags r:id="rId7"/>
-            </p:custDataLst>
-          </p:nvPr>
+          <p:nvPr/>
         </p:nvPicPr>
         <p:blipFill>
-          <a:blip r:embed="rId5">
-            <a:extLst>
-              <a:ext uri="{96DAC541-7B7A-43D3-8B79-37D633B846F1}">
-                <asvg:svgBlip xmlns:asvg="http://schemas.microsoft.com/office/drawing/2016/SVG/main" r:embed="rId6"/>
-              </a:ext>
-            </a:extLst>
-          </a:blip>
+          <a:blip r:embed="rId20"/>
           <a:stretch>
             <a:fillRect/>
           </a:stretch>
         </p:blipFill>
         <p:spPr>
           <a:xfrm>
-            <a:off x="2863850" y="1660525"/>
-            <a:ext cx="848360" cy="848360"/>
+            <a:off x="1169035" y="1796415"/>
+            <a:ext cx="648000" cy="648000"/>
           </a:xfrm>
           <a:prstGeom prst="rect">
             <a:avLst/>
@@ -6465,439 +7177,22 @@
       </p:pic>
       <p:pic>
         <p:nvPicPr>
-          <p:cNvPr id="13" name="图片 12" descr="数据"/>
+          <p:cNvPr id="46" name="图片 45" descr="equalizer"/>
           <p:cNvPicPr>
             <a:picLocks noChangeAspect="1"/>
           </p:cNvPicPr>
-          <p:nvPr>
-            <p:custDataLst>
-              <p:tags r:id="rId8"/>
-            </p:custDataLst>
-          </p:nvPr>
+          <p:nvPr/>
         </p:nvPicPr>
         <p:blipFill>
-          <a:blip r:embed="rId5">
-            <a:extLst>
-              <a:ext uri="{96DAC541-7B7A-43D3-8B79-37D633B846F1}">
-                <asvg:svgBlip xmlns:asvg="http://schemas.microsoft.com/office/drawing/2016/SVG/main" r:embed="rId6"/>
-              </a:ext>
-            </a:extLst>
-          </a:blip>
+          <a:blip r:embed="rId21"/>
           <a:stretch>
             <a:fillRect/>
           </a:stretch>
         </p:blipFill>
         <p:spPr>
           <a:xfrm>
-            <a:off x="1963420" y="5443220"/>
-            <a:ext cx="848360" cy="848360"/>
-          </a:xfrm>
-          <a:prstGeom prst="rect">
-            <a:avLst/>
-          </a:prstGeom>
-        </p:spPr>
-      </p:pic>
-      <p:grpSp>
-        <p:nvGrpSpPr>
-          <p:cNvPr id="38" name="组合 37"/>
-          <p:cNvGrpSpPr/>
-          <p:nvPr/>
-        </p:nvGrpSpPr>
-        <p:grpSpPr>
-          <a:xfrm>
-            <a:off x="4437380" y="2444115"/>
-            <a:ext cx="3553460" cy="2945765"/>
-            <a:chOff x="6988" y="3849"/>
-            <a:chExt cx="5596" cy="4639"/>
-          </a:xfrm>
-        </p:grpSpPr>
-        <p:sp>
-          <p:nvSpPr>
-            <p:cNvPr id="16" name="圆角矩形 15"/>
-            <p:cNvSpPr/>
-            <p:nvPr>
-              <p:custDataLst>
-                <p:tags r:id="rId9"/>
-              </p:custDataLst>
-            </p:nvPr>
-          </p:nvSpPr>
-          <p:spPr>
-            <a:xfrm>
-              <a:off x="7481" y="5287"/>
-              <a:ext cx="4264" cy="1652"/>
-            </a:xfrm>
-            <a:prstGeom prst="roundRect">
-              <a:avLst/>
-            </a:prstGeom>
-            <a:noFill/>
-            <a:ln>
-              <a:solidFill>
-                <a:schemeClr val="bg1">
-                  <a:lumMod val="75000"/>
-                </a:schemeClr>
-              </a:solidFill>
-            </a:ln>
-            <a:extLst>
-              <a:ext uri="{909E8E84-426E-40DD-AFC4-6F175D3DCCD1}">
-                <a14:hiddenFill xmlns:a14="http://schemas.microsoft.com/office/drawing/2010/main">
-                  <a:solidFill>
-                    <a:schemeClr val="accent1"/>
-                  </a:solidFill>
-                </a14:hiddenFill>
-              </a:ext>
-            </a:extLst>
-          </p:spPr>
-          <p:style>
-            <a:lnRef idx="2">
-              <a:schemeClr val="accent1">
-                <a:shade val="50000"/>
-              </a:schemeClr>
-            </a:lnRef>
-            <a:fillRef idx="1">
-              <a:schemeClr val="accent1"/>
-            </a:fillRef>
-            <a:effectRef idx="0">
-              <a:schemeClr val="accent1"/>
-            </a:effectRef>
-            <a:fontRef idx="minor">
-              <a:schemeClr val="lt1"/>
-            </a:fontRef>
-          </p:style>
-          <p:txBody>
-            <a:bodyPr rtlCol="0" anchor="ctr"/>
-            <a:p>
-              <a:pPr algn="ctr"/>
-              <a:r>
-                <a:rPr lang="en-US" altLang="zh-CN" sz="2800">
-                  <a:solidFill>
-                    <a:schemeClr val="tx1"/>
-                  </a:solidFill>
-                  <a:latin typeface="Times New Roman" panose="02020603050405020304" pitchFamily="18" charset="0"/>
-                  <a:cs typeface="Times New Roman" panose="02020603050405020304" pitchFamily="18" charset="0"/>
-                </a:rPr>
-                <a:t>Fuzzer</a:t>
-              </a:r>
-              <a:endParaRPr lang="en-US" altLang="zh-CN" sz="2800">
-                <a:solidFill>
-                  <a:schemeClr val="tx1"/>
-                </a:solidFill>
-                <a:latin typeface="Times New Roman" panose="02020603050405020304" pitchFamily="18" charset="0"/>
-                <a:cs typeface="Times New Roman" panose="02020603050405020304" pitchFamily="18" charset="0"/>
-              </a:endParaRPr>
-            </a:p>
-          </p:txBody>
-        </p:sp>
-        <p:sp>
-          <p:nvSpPr>
-            <p:cNvPr id="17" name="下箭头 16"/>
-            <p:cNvSpPr/>
-            <p:nvPr>
-              <p:custDataLst>
-                <p:tags r:id="rId10"/>
-              </p:custDataLst>
-            </p:nvPr>
-          </p:nvSpPr>
-          <p:spPr>
-            <a:xfrm>
-              <a:off x="7954" y="4671"/>
-              <a:ext cx="560" cy="616"/>
-            </a:xfrm>
-            <a:prstGeom prst="downArrow">
-              <a:avLst/>
-            </a:prstGeom>
-            <a:solidFill>
-              <a:schemeClr val="accent1">
-                <a:lumMod val="40000"/>
-                <a:lumOff val="60000"/>
-              </a:schemeClr>
-            </a:solidFill>
-            <a:ln>
-              <a:noFill/>
-            </a:ln>
-          </p:spPr>
-          <p:style>
-            <a:lnRef idx="2">
-              <a:schemeClr val="accent1">
-                <a:shade val="50000"/>
-              </a:schemeClr>
-            </a:lnRef>
-            <a:fillRef idx="1">
-              <a:schemeClr val="accent1"/>
-            </a:fillRef>
-            <a:effectRef idx="0">
-              <a:schemeClr val="accent1"/>
-            </a:effectRef>
-            <a:fontRef idx="minor">
-              <a:schemeClr val="lt1"/>
-            </a:fontRef>
-          </p:style>
-          <p:txBody>
-            <a:bodyPr rtlCol="0" anchor="ctr"/>
-            <a:p>
-              <a:pPr algn="ctr"/>
-              <a:endParaRPr lang="zh-CN" altLang="en-US"/>
-            </a:p>
-          </p:txBody>
-        </p:sp>
-        <p:sp>
-          <p:nvSpPr>
-            <p:cNvPr id="18" name="下箭头 17"/>
-            <p:cNvSpPr/>
-            <p:nvPr>
-              <p:custDataLst>
-                <p:tags r:id="rId11"/>
-              </p:custDataLst>
-            </p:nvPr>
-          </p:nvSpPr>
-          <p:spPr>
-            <a:xfrm>
-              <a:off x="10779" y="4671"/>
-              <a:ext cx="560" cy="616"/>
-            </a:xfrm>
-            <a:prstGeom prst="downArrow">
-              <a:avLst/>
-            </a:prstGeom>
-            <a:solidFill>
-              <a:schemeClr val="accent1">
-                <a:lumMod val="40000"/>
-                <a:lumOff val="60000"/>
-              </a:schemeClr>
-            </a:solidFill>
-            <a:ln>
-              <a:noFill/>
-            </a:ln>
-          </p:spPr>
-          <p:style>
-            <a:lnRef idx="2">
-              <a:schemeClr val="accent1">
-                <a:shade val="50000"/>
-              </a:schemeClr>
-            </a:lnRef>
-            <a:fillRef idx="1">
-              <a:schemeClr val="accent1"/>
-            </a:fillRef>
-            <a:effectRef idx="0">
-              <a:schemeClr val="accent1"/>
-            </a:effectRef>
-            <a:fontRef idx="minor">
-              <a:schemeClr val="lt1"/>
-            </a:fontRef>
-          </p:style>
-          <p:txBody>
-            <a:bodyPr rtlCol="0" anchor="ctr"/>
-            <a:p>
-              <a:pPr algn="ctr"/>
-              <a:endParaRPr lang="zh-CN" altLang="en-US"/>
-            </a:p>
-          </p:txBody>
-        </p:sp>
-        <p:sp>
-          <p:nvSpPr>
-            <p:cNvPr id="19" name="文本框 18"/>
-            <p:cNvSpPr txBox="1"/>
-            <p:nvPr>
-              <p:custDataLst>
-                <p:tags r:id="rId12"/>
-              </p:custDataLst>
-            </p:nvPr>
-          </p:nvSpPr>
-          <p:spPr>
-            <a:xfrm>
-              <a:off x="6988" y="3849"/>
-              <a:ext cx="2491" cy="822"/>
-            </a:xfrm>
-            <a:prstGeom prst="rect">
-              <a:avLst/>
-            </a:prstGeom>
-            <a:noFill/>
-          </p:spPr>
-          <p:txBody>
-            <a:bodyPr wrap="square" rtlCol="0" anchor="t">
-              <a:spAutoFit/>
-            </a:bodyPr>
-            <a:p>
-              <a:pPr algn="ctr"/>
-              <a:r>
-                <a:rPr lang="en-US" altLang="zh-CN" sz="2800">
-                  <a:latin typeface="Times New Roman" panose="02020603050405020304" pitchFamily="18" charset="0"/>
-                  <a:cs typeface="Times New Roman" panose="02020603050405020304" pitchFamily="18" charset="0"/>
-                  <a:sym typeface="+mn-ea"/>
-                </a:rPr>
-                <a:t>Compiler</a:t>
-              </a:r>
-              <a:endParaRPr lang="en-US" altLang="zh-CN" sz="2800">
-                <a:latin typeface="Times New Roman" panose="02020603050405020304" pitchFamily="18" charset="0"/>
-                <a:cs typeface="Times New Roman" panose="02020603050405020304" pitchFamily="18" charset="0"/>
-                <a:sym typeface="+mn-ea"/>
-              </a:endParaRPr>
-            </a:p>
-          </p:txBody>
-        </p:sp>
-        <p:sp>
-          <p:nvSpPr>
-            <p:cNvPr id="20" name="文本框 19"/>
-            <p:cNvSpPr txBox="1"/>
-            <p:nvPr>
-              <p:custDataLst>
-                <p:tags r:id="rId13"/>
-              </p:custDataLst>
-            </p:nvPr>
-          </p:nvSpPr>
-          <p:spPr>
-            <a:xfrm>
-              <a:off x="9534" y="3849"/>
-              <a:ext cx="3051" cy="822"/>
-            </a:xfrm>
-            <a:prstGeom prst="rect">
-              <a:avLst/>
-            </a:prstGeom>
-            <a:noFill/>
-          </p:spPr>
-          <p:txBody>
-            <a:bodyPr wrap="square" rtlCol="0" anchor="t">
-              <a:spAutoFit/>
-            </a:bodyPr>
-            <a:p>
-              <a:pPr algn="ctr"/>
-              <a:r>
-                <a:rPr lang="en-US" altLang="zh-CN" sz="2800">
-                  <a:latin typeface="Times New Roman" panose="02020603050405020304" pitchFamily="18" charset="0"/>
-                  <a:cs typeface="Times New Roman" panose="02020603050405020304" pitchFamily="18" charset="0"/>
-                  <a:sym typeface="+mn-ea"/>
-                </a:rPr>
-                <a:t>Program</a:t>
-              </a:r>
-              <a:endParaRPr lang="en-US" altLang="zh-CN" sz="2800">
-                <a:latin typeface="Times New Roman" panose="02020603050405020304" pitchFamily="18" charset="0"/>
-                <a:cs typeface="Times New Roman" panose="02020603050405020304" pitchFamily="18" charset="0"/>
-                <a:sym typeface="+mn-ea"/>
-              </a:endParaRPr>
-            </a:p>
-          </p:txBody>
-        </p:sp>
-        <p:sp>
-          <p:nvSpPr>
-            <p:cNvPr id="21" name="下箭头 20"/>
-            <p:cNvSpPr/>
-            <p:nvPr>
-              <p:custDataLst>
-                <p:tags r:id="rId14"/>
-              </p:custDataLst>
-            </p:nvPr>
-          </p:nvSpPr>
-          <p:spPr>
-            <a:xfrm>
-              <a:off x="9307" y="6966"/>
-              <a:ext cx="560" cy="616"/>
-            </a:xfrm>
-            <a:prstGeom prst="downArrow">
-              <a:avLst/>
-            </a:prstGeom>
-            <a:solidFill>
-              <a:schemeClr val="accent1">
-                <a:lumMod val="40000"/>
-                <a:lumOff val="60000"/>
-              </a:schemeClr>
-            </a:solidFill>
-            <a:ln>
-              <a:noFill/>
-            </a:ln>
-          </p:spPr>
-          <p:style>
-            <a:lnRef idx="2">
-              <a:schemeClr val="accent1">
-                <a:shade val="50000"/>
-              </a:schemeClr>
-            </a:lnRef>
-            <a:fillRef idx="1">
-              <a:schemeClr val="accent1"/>
-            </a:fillRef>
-            <a:effectRef idx="0">
-              <a:schemeClr val="accent1"/>
-            </a:effectRef>
-            <a:fontRef idx="minor">
-              <a:schemeClr val="lt1"/>
-            </a:fontRef>
-          </p:style>
-          <p:txBody>
-            <a:bodyPr rtlCol="0" anchor="ctr"/>
-            <a:p>
-              <a:pPr algn="ctr"/>
-              <a:endParaRPr lang="zh-CN" altLang="en-US"/>
-            </a:p>
-          </p:txBody>
-        </p:sp>
-        <p:sp>
-          <p:nvSpPr>
-            <p:cNvPr id="22" name="文本框 21"/>
-            <p:cNvSpPr txBox="1"/>
-            <p:nvPr>
-              <p:custDataLst>
-                <p:tags r:id="rId15"/>
-              </p:custDataLst>
-            </p:nvPr>
-          </p:nvSpPr>
-          <p:spPr>
-            <a:xfrm>
-              <a:off x="7981" y="7666"/>
-              <a:ext cx="3051" cy="822"/>
-            </a:xfrm>
-            <a:prstGeom prst="rect">
-              <a:avLst/>
-            </a:prstGeom>
-            <a:noFill/>
-          </p:spPr>
-          <p:txBody>
-            <a:bodyPr wrap="square" rtlCol="0" anchor="t">
-              <a:spAutoFit/>
-            </a:bodyPr>
-            <a:p>
-              <a:pPr algn="ctr"/>
-              <a:r>
-                <a:rPr lang="en-US" altLang="zh-CN" sz="2800">
-                  <a:latin typeface="Times New Roman" panose="02020603050405020304" pitchFamily="18" charset="0"/>
-                  <a:cs typeface="Times New Roman" panose="02020603050405020304" pitchFamily="18" charset="0"/>
-                  <a:sym typeface="+mn-ea"/>
-                </a:rPr>
-                <a:t>bug</a:t>
-              </a:r>
-              <a:endParaRPr lang="en-US" altLang="zh-CN" sz="2800">
-                <a:latin typeface="Times New Roman" panose="02020603050405020304" pitchFamily="18" charset="0"/>
-                <a:cs typeface="Times New Roman" panose="02020603050405020304" pitchFamily="18" charset="0"/>
-                <a:sym typeface="+mn-ea"/>
-              </a:endParaRPr>
-            </a:p>
-          </p:txBody>
-        </p:sp>
-      </p:grpSp>
-      <p:pic>
-        <p:nvPicPr>
-          <p:cNvPr id="23" name="图片 22" descr="数据"/>
-          <p:cNvPicPr>
-            <a:picLocks noChangeAspect="1"/>
-          </p:cNvPicPr>
-          <p:nvPr>
-            <p:custDataLst>
-              <p:tags r:id="rId16"/>
-            </p:custDataLst>
-          </p:nvPr>
-        </p:nvPicPr>
-        <p:blipFill>
-          <a:blip r:embed="rId5">
-            <a:extLst>
-              <a:ext uri="{96DAC541-7B7A-43D3-8B79-37D633B846F1}">
-                <asvg:svgBlip xmlns:asvg="http://schemas.microsoft.com/office/drawing/2016/SVG/main" r:embed="rId6"/>
-              </a:ext>
-            </a:extLst>
-          </a:blip>
-          <a:stretch>
-            <a:fillRect/>
-          </a:stretch>
-        </p:blipFill>
-        <p:spPr>
-          <a:xfrm>
-            <a:off x="4804410" y="1660525"/>
-            <a:ext cx="848360" cy="848360"/>
+            <a:off x="2964180" y="1796415"/>
+            <a:ext cx="648000" cy="648000"/>
           </a:xfrm>
           <a:prstGeom prst="rect">
             <a:avLst/>
@@ -6906,32 +7201,22 @@
       </p:pic>
       <p:pic>
         <p:nvPicPr>
-          <p:cNvPr id="24" name="图片 23" descr="数据"/>
+          <p:cNvPr id="47" name="图片 46" descr="bug"/>
           <p:cNvPicPr>
             <a:picLocks noChangeAspect="1"/>
           </p:cNvPicPr>
-          <p:nvPr>
-            <p:custDataLst>
-              <p:tags r:id="rId17"/>
-            </p:custDataLst>
-          </p:nvPr>
+          <p:nvPr/>
         </p:nvPicPr>
         <p:blipFill>
-          <a:blip r:embed="rId5">
-            <a:extLst>
-              <a:ext uri="{96DAC541-7B7A-43D3-8B79-37D633B846F1}">
-                <asvg:svgBlip xmlns:asvg="http://schemas.microsoft.com/office/drawing/2016/SVG/main" r:embed="rId6"/>
-              </a:ext>
-            </a:extLst>
-          </a:blip>
+          <a:blip r:embed="rId19"/>
           <a:stretch>
             <a:fillRect/>
           </a:stretch>
         </p:blipFill>
         <p:spPr>
           <a:xfrm>
-            <a:off x="6598920" y="1660525"/>
-            <a:ext cx="848360" cy="848360"/>
+            <a:off x="5737225" y="5443220"/>
+            <a:ext cx="649605" cy="649605"/>
           </a:xfrm>
           <a:prstGeom prst="rect">
             <a:avLst/>
@@ -6940,447 +7225,22 @@
       </p:pic>
       <p:pic>
         <p:nvPicPr>
-          <p:cNvPr id="25" name="图片 24" descr="数据"/>
+          <p:cNvPr id="48" name="图片 47" descr="data"/>
           <p:cNvPicPr>
             <a:picLocks noChangeAspect="1"/>
           </p:cNvPicPr>
-          <p:nvPr>
-            <p:custDataLst>
-              <p:tags r:id="rId18"/>
-            </p:custDataLst>
-          </p:nvPr>
+          <p:nvPr/>
         </p:nvPicPr>
         <p:blipFill>
-          <a:blip r:embed="rId5">
-            <a:extLst>
-              <a:ext uri="{96DAC541-7B7A-43D3-8B79-37D633B846F1}">
-                <asvg:svgBlip xmlns:asvg="http://schemas.microsoft.com/office/drawing/2016/SVG/main" r:embed="rId6"/>
-              </a:ext>
-            </a:extLst>
-          </a:blip>
+          <a:blip r:embed="rId20"/>
           <a:stretch>
             <a:fillRect/>
           </a:stretch>
         </p:blipFill>
         <p:spPr>
           <a:xfrm>
-            <a:off x="5698490" y="5443220"/>
-            <a:ext cx="848360" cy="848360"/>
-          </a:xfrm>
-          <a:prstGeom prst="rect">
-            <a:avLst/>
-          </a:prstGeom>
-        </p:spPr>
-      </p:pic>
-      <p:grpSp>
-        <p:nvGrpSpPr>
-          <p:cNvPr id="39" name="组合 38"/>
-          <p:cNvGrpSpPr/>
-          <p:nvPr/>
-        </p:nvGrpSpPr>
-        <p:grpSpPr>
-          <a:xfrm>
-            <a:off x="8173085" y="2444115"/>
-            <a:ext cx="3553460" cy="2945765"/>
-            <a:chOff x="12871" y="3849"/>
-            <a:chExt cx="5596" cy="4639"/>
-          </a:xfrm>
-        </p:grpSpPr>
-        <p:sp>
-          <p:nvSpPr>
-            <p:cNvPr id="27" name="圆角矩形 26"/>
-            <p:cNvSpPr/>
-            <p:nvPr>
-              <p:custDataLst>
-                <p:tags r:id="rId19"/>
-              </p:custDataLst>
-            </p:nvPr>
-          </p:nvSpPr>
-          <p:spPr>
-            <a:xfrm>
-              <a:off x="13364" y="5287"/>
-              <a:ext cx="4264" cy="1652"/>
-            </a:xfrm>
-            <a:prstGeom prst="roundRect">
-              <a:avLst/>
-            </a:prstGeom>
-            <a:noFill/>
-            <a:ln>
-              <a:solidFill>
-                <a:schemeClr val="bg1">
-                  <a:lumMod val="75000"/>
-                </a:schemeClr>
-              </a:solidFill>
-            </a:ln>
-            <a:extLst>
-              <a:ext uri="{909E8E84-426E-40DD-AFC4-6F175D3DCCD1}">
-                <a14:hiddenFill xmlns:a14="http://schemas.microsoft.com/office/drawing/2010/main">
-                  <a:solidFill>
-                    <a:schemeClr val="accent1"/>
-                  </a:solidFill>
-                </a14:hiddenFill>
-              </a:ext>
-            </a:extLst>
-          </p:spPr>
-          <p:style>
-            <a:lnRef idx="2">
-              <a:schemeClr val="accent1">
-                <a:shade val="50000"/>
-              </a:schemeClr>
-            </a:lnRef>
-            <a:fillRef idx="1">
-              <a:schemeClr val="accent1"/>
-            </a:fillRef>
-            <a:effectRef idx="0">
-              <a:schemeClr val="accent1"/>
-            </a:effectRef>
-            <a:fontRef idx="minor">
-              <a:schemeClr val="lt1"/>
-            </a:fontRef>
-          </p:style>
-          <p:txBody>
-            <a:bodyPr rtlCol="0" anchor="ctr"/>
-            <a:p>
-              <a:pPr algn="ctr"/>
-              <a:r>
-                <a:rPr lang="en-US" altLang="zh-CN" sz="2800">
-                  <a:solidFill>
-                    <a:schemeClr val="tx1"/>
-                  </a:solidFill>
-                  <a:latin typeface="Times New Roman" panose="02020603050405020304" pitchFamily="18" charset="0"/>
-                  <a:cs typeface="Times New Roman" panose="02020603050405020304" pitchFamily="18" charset="0"/>
-                </a:rPr>
-                <a:t>Fuzzer</a:t>
-              </a:r>
-              <a:endParaRPr lang="en-US" altLang="zh-CN" sz="2800">
-                <a:solidFill>
-                  <a:schemeClr val="tx1"/>
-                </a:solidFill>
-                <a:latin typeface="Times New Roman" panose="02020603050405020304" pitchFamily="18" charset="0"/>
-                <a:cs typeface="Times New Roman" panose="02020603050405020304" pitchFamily="18" charset="0"/>
-              </a:endParaRPr>
-            </a:p>
-          </p:txBody>
-        </p:sp>
-        <p:sp>
-          <p:nvSpPr>
-            <p:cNvPr id="28" name="下箭头 27"/>
-            <p:cNvSpPr/>
-            <p:nvPr>
-              <p:custDataLst>
-                <p:tags r:id="rId20"/>
-              </p:custDataLst>
-            </p:nvPr>
-          </p:nvSpPr>
-          <p:spPr>
-            <a:xfrm>
-              <a:off x="13837" y="4671"/>
-              <a:ext cx="560" cy="616"/>
-            </a:xfrm>
-            <a:prstGeom prst="downArrow">
-              <a:avLst/>
-            </a:prstGeom>
-            <a:solidFill>
-              <a:schemeClr val="accent1">
-                <a:lumMod val="40000"/>
-                <a:lumOff val="60000"/>
-              </a:schemeClr>
-            </a:solidFill>
-            <a:ln>
-              <a:noFill/>
-            </a:ln>
-          </p:spPr>
-          <p:style>
-            <a:lnRef idx="2">
-              <a:schemeClr val="accent1">
-                <a:shade val="50000"/>
-              </a:schemeClr>
-            </a:lnRef>
-            <a:fillRef idx="1">
-              <a:schemeClr val="accent1"/>
-            </a:fillRef>
-            <a:effectRef idx="0">
-              <a:schemeClr val="accent1"/>
-            </a:effectRef>
-            <a:fontRef idx="minor">
-              <a:schemeClr val="lt1"/>
-            </a:fontRef>
-          </p:style>
-          <p:txBody>
-            <a:bodyPr rtlCol="0" anchor="ctr"/>
-            <a:p>
-              <a:pPr algn="ctr"/>
-              <a:endParaRPr lang="zh-CN" altLang="en-US"/>
-            </a:p>
-          </p:txBody>
-        </p:sp>
-        <p:sp>
-          <p:nvSpPr>
-            <p:cNvPr id="29" name="下箭头 28"/>
-            <p:cNvSpPr/>
-            <p:nvPr>
-              <p:custDataLst>
-                <p:tags r:id="rId21"/>
-              </p:custDataLst>
-            </p:nvPr>
-          </p:nvSpPr>
-          <p:spPr>
-            <a:xfrm>
-              <a:off x="16662" y="4671"/>
-              <a:ext cx="560" cy="616"/>
-            </a:xfrm>
-            <a:prstGeom prst="downArrow">
-              <a:avLst/>
-            </a:prstGeom>
-            <a:solidFill>
-              <a:schemeClr val="accent1">
-                <a:lumMod val="40000"/>
-                <a:lumOff val="60000"/>
-              </a:schemeClr>
-            </a:solidFill>
-            <a:ln>
-              <a:noFill/>
-            </a:ln>
-          </p:spPr>
-          <p:style>
-            <a:lnRef idx="2">
-              <a:schemeClr val="accent1">
-                <a:shade val="50000"/>
-              </a:schemeClr>
-            </a:lnRef>
-            <a:fillRef idx="1">
-              <a:schemeClr val="accent1"/>
-            </a:fillRef>
-            <a:effectRef idx="0">
-              <a:schemeClr val="accent1"/>
-            </a:effectRef>
-            <a:fontRef idx="minor">
-              <a:schemeClr val="lt1"/>
-            </a:fontRef>
-          </p:style>
-          <p:txBody>
-            <a:bodyPr rtlCol="0" anchor="ctr"/>
-            <a:p>
-              <a:pPr algn="ctr"/>
-              <a:endParaRPr lang="zh-CN" altLang="en-US"/>
-            </a:p>
-          </p:txBody>
-        </p:sp>
-        <p:sp>
-          <p:nvSpPr>
-            <p:cNvPr id="30" name="文本框 29"/>
-            <p:cNvSpPr txBox="1"/>
-            <p:nvPr>
-              <p:custDataLst>
-                <p:tags r:id="rId22"/>
-              </p:custDataLst>
-            </p:nvPr>
-          </p:nvSpPr>
-          <p:spPr>
-            <a:xfrm>
-              <a:off x="12871" y="3849"/>
-              <a:ext cx="2491" cy="822"/>
-            </a:xfrm>
-            <a:prstGeom prst="rect">
-              <a:avLst/>
-            </a:prstGeom>
-            <a:noFill/>
-          </p:spPr>
-          <p:txBody>
-            <a:bodyPr wrap="square" rtlCol="0" anchor="t">
-              <a:spAutoFit/>
-            </a:bodyPr>
-            <a:p>
-              <a:pPr algn="ctr"/>
-              <a:r>
-                <a:rPr lang="en-US" altLang="zh-CN" sz="2800">
-                  <a:latin typeface="Times New Roman" panose="02020603050405020304" pitchFamily="18" charset="0"/>
-                  <a:cs typeface="Times New Roman" panose="02020603050405020304" pitchFamily="18" charset="0"/>
-                  <a:sym typeface="+mn-ea"/>
-                </a:rPr>
-                <a:t>Soft</a:t>
-              </a:r>
-              <a:r>
-                <a:rPr lang="en-US" altLang="zh-CN" sz="2800">
-                  <a:latin typeface="Times New Roman" panose="02020603050405020304" pitchFamily="18" charset="0"/>
-                  <a:cs typeface="Times New Roman" panose="02020603050405020304" pitchFamily="18" charset="0"/>
-                  <a:sym typeface="+mn-ea"/>
-                </a:rPr>
-                <a:t>ware</a:t>
-              </a:r>
-              <a:endParaRPr lang="en-US" altLang="zh-CN" sz="2800">
-                <a:latin typeface="Times New Roman" panose="02020603050405020304" pitchFamily="18" charset="0"/>
-                <a:cs typeface="Times New Roman" panose="02020603050405020304" pitchFamily="18" charset="0"/>
-                <a:sym typeface="+mn-ea"/>
-              </a:endParaRPr>
-            </a:p>
-          </p:txBody>
-        </p:sp>
-        <p:sp>
-          <p:nvSpPr>
-            <p:cNvPr id="31" name="文本框 30"/>
-            <p:cNvSpPr txBox="1"/>
-            <p:nvPr>
-              <p:custDataLst>
-                <p:tags r:id="rId23"/>
-              </p:custDataLst>
-            </p:nvPr>
-          </p:nvSpPr>
-          <p:spPr>
-            <a:xfrm>
-              <a:off x="15417" y="3849"/>
-              <a:ext cx="3051" cy="822"/>
-            </a:xfrm>
-            <a:prstGeom prst="rect">
-              <a:avLst/>
-            </a:prstGeom>
-            <a:noFill/>
-          </p:spPr>
-          <p:txBody>
-            <a:bodyPr wrap="square" rtlCol="0" anchor="t">
-              <a:spAutoFit/>
-            </a:bodyPr>
-            <a:p>
-              <a:pPr algn="ctr"/>
-              <a:r>
-                <a:rPr lang="en-US" altLang="zh-CN" sz="2800">
-                  <a:latin typeface="Times New Roman" panose="02020603050405020304" pitchFamily="18" charset="0"/>
-                  <a:cs typeface="Times New Roman" panose="02020603050405020304" pitchFamily="18" charset="0"/>
-                  <a:sym typeface="+mn-ea"/>
-                </a:rPr>
-                <a:t>File</a:t>
-              </a:r>
-              <a:endParaRPr lang="en-US" altLang="zh-CN" sz="2800">
-                <a:latin typeface="Times New Roman" panose="02020603050405020304" pitchFamily="18" charset="0"/>
-                <a:cs typeface="Times New Roman" panose="02020603050405020304" pitchFamily="18" charset="0"/>
-                <a:sym typeface="+mn-ea"/>
-              </a:endParaRPr>
-            </a:p>
-          </p:txBody>
-        </p:sp>
-        <p:sp>
-          <p:nvSpPr>
-            <p:cNvPr id="32" name="下箭头 31"/>
-            <p:cNvSpPr/>
-            <p:nvPr>
-              <p:custDataLst>
-                <p:tags r:id="rId24"/>
-              </p:custDataLst>
-            </p:nvPr>
-          </p:nvSpPr>
-          <p:spPr>
-            <a:xfrm>
-              <a:off x="15190" y="6966"/>
-              <a:ext cx="560" cy="616"/>
-            </a:xfrm>
-            <a:prstGeom prst="downArrow">
-              <a:avLst/>
-            </a:prstGeom>
-            <a:solidFill>
-              <a:schemeClr val="accent1">
-                <a:lumMod val="40000"/>
-                <a:lumOff val="60000"/>
-              </a:schemeClr>
-            </a:solidFill>
-            <a:ln>
-              <a:noFill/>
-            </a:ln>
-          </p:spPr>
-          <p:style>
-            <a:lnRef idx="2">
-              <a:schemeClr val="accent1">
-                <a:shade val="50000"/>
-              </a:schemeClr>
-            </a:lnRef>
-            <a:fillRef idx="1">
-              <a:schemeClr val="accent1"/>
-            </a:fillRef>
-            <a:effectRef idx="0">
-              <a:schemeClr val="accent1"/>
-            </a:effectRef>
-            <a:fontRef idx="minor">
-              <a:schemeClr val="lt1"/>
-            </a:fontRef>
-          </p:style>
-          <p:txBody>
-            <a:bodyPr rtlCol="0" anchor="ctr"/>
-            <a:p>
-              <a:pPr algn="ctr"/>
-              <a:endParaRPr lang="zh-CN" altLang="en-US"/>
-            </a:p>
-          </p:txBody>
-        </p:sp>
-        <p:sp>
-          <p:nvSpPr>
-            <p:cNvPr id="33" name="文本框 32"/>
-            <p:cNvSpPr txBox="1"/>
-            <p:nvPr>
-              <p:custDataLst>
-                <p:tags r:id="rId25"/>
-              </p:custDataLst>
-            </p:nvPr>
-          </p:nvSpPr>
-          <p:spPr>
-            <a:xfrm>
-              <a:off x="13864" y="7666"/>
-              <a:ext cx="3051" cy="822"/>
-            </a:xfrm>
-            <a:prstGeom prst="rect">
-              <a:avLst/>
-            </a:prstGeom>
-            <a:noFill/>
-          </p:spPr>
-          <p:txBody>
-            <a:bodyPr wrap="square" rtlCol="0" anchor="t">
-              <a:spAutoFit/>
-            </a:bodyPr>
-            <a:p>
-              <a:pPr algn="ctr"/>
-              <a:r>
-                <a:rPr lang="en-US" altLang="zh-CN" sz="2800">
-                  <a:latin typeface="Times New Roman" panose="02020603050405020304" pitchFamily="18" charset="0"/>
-                  <a:cs typeface="Times New Roman" panose="02020603050405020304" pitchFamily="18" charset="0"/>
-                  <a:sym typeface="+mn-ea"/>
-                </a:rPr>
-                <a:t>bug</a:t>
-              </a:r>
-              <a:endParaRPr lang="en-US" altLang="zh-CN" sz="2800">
-                <a:latin typeface="Times New Roman" panose="02020603050405020304" pitchFamily="18" charset="0"/>
-                <a:cs typeface="Times New Roman" panose="02020603050405020304" pitchFamily="18" charset="0"/>
-                <a:sym typeface="+mn-ea"/>
-              </a:endParaRPr>
-            </a:p>
-          </p:txBody>
-        </p:sp>
-      </p:grpSp>
-      <p:pic>
-        <p:nvPicPr>
-          <p:cNvPr id="34" name="图片 33" descr="数据"/>
-          <p:cNvPicPr>
-            <a:picLocks noChangeAspect="1"/>
-          </p:cNvPicPr>
-          <p:nvPr>
-            <p:custDataLst>
-              <p:tags r:id="rId26"/>
-            </p:custDataLst>
-          </p:nvPr>
-        </p:nvPicPr>
-        <p:blipFill>
-          <a:blip r:embed="rId5">
-            <a:extLst>
-              <a:ext uri="{96DAC541-7B7A-43D3-8B79-37D633B846F1}">
-                <asvg:svgBlip xmlns:asvg="http://schemas.microsoft.com/office/drawing/2016/SVG/main" r:embed="rId6"/>
-              </a:ext>
-            </a:extLst>
-          </a:blip>
-          <a:stretch>
-            <a:fillRect/>
-          </a:stretch>
-        </p:blipFill>
-        <p:spPr>
-          <a:xfrm>
-            <a:off x="8540115" y="1660525"/>
-            <a:ext cx="848360" cy="848360"/>
+            <a:off x="6699885" y="1796415"/>
+            <a:ext cx="648000" cy="648000"/>
           </a:xfrm>
           <a:prstGeom prst="rect">
             <a:avLst/>
@@ -7389,32 +7249,22 @@
       </p:pic>
       <p:pic>
         <p:nvPicPr>
-          <p:cNvPr id="35" name="图片 34" descr="数据"/>
+          <p:cNvPr id="49" name="图片 48" descr="bug"/>
           <p:cNvPicPr>
             <a:picLocks noChangeAspect="1"/>
           </p:cNvPicPr>
-          <p:nvPr>
-            <p:custDataLst>
-              <p:tags r:id="rId27"/>
-            </p:custDataLst>
-          </p:nvPr>
+          <p:nvPr/>
         </p:nvPicPr>
         <p:blipFill>
-          <a:blip r:embed="rId5">
-            <a:extLst>
-              <a:ext uri="{96DAC541-7B7A-43D3-8B79-37D633B846F1}">
-                <asvg:svgBlip xmlns:asvg="http://schemas.microsoft.com/office/drawing/2016/SVG/main" r:embed="rId6"/>
-              </a:ext>
-            </a:extLst>
-          </a:blip>
+          <a:blip r:embed="rId19"/>
           <a:stretch>
             <a:fillRect/>
           </a:stretch>
         </p:blipFill>
         <p:spPr>
           <a:xfrm>
-            <a:off x="10334625" y="1660525"/>
-            <a:ext cx="848360" cy="848360"/>
+            <a:off x="9497695" y="5443220"/>
+            <a:ext cx="649605" cy="649605"/>
           </a:xfrm>
           <a:prstGeom prst="rect">
             <a:avLst/>
@@ -7423,32 +7273,70 @@
       </p:pic>
       <p:pic>
         <p:nvPicPr>
-          <p:cNvPr id="36" name="图片 35" descr="数据"/>
+          <p:cNvPr id="51" name="图片 50"/>
           <p:cNvPicPr>
             <a:picLocks noChangeAspect="1"/>
           </p:cNvPicPr>
-          <p:nvPr>
-            <p:custDataLst>
-              <p:tags r:id="rId28"/>
-            </p:custDataLst>
-          </p:nvPr>
+          <p:nvPr/>
         </p:nvPicPr>
         <p:blipFill>
-          <a:blip r:embed="rId5">
-            <a:extLst>
-              <a:ext uri="{96DAC541-7B7A-43D3-8B79-37D633B846F1}">
-                <asvg:svgBlip xmlns:asvg="http://schemas.microsoft.com/office/drawing/2016/SVG/main" r:embed="rId6"/>
-              </a:ext>
-            </a:extLst>
-          </a:blip>
+          <a:blip r:embed="rId22"/>
           <a:stretch>
             <a:fillRect/>
           </a:stretch>
         </p:blipFill>
         <p:spPr>
           <a:xfrm>
-            <a:off x="9434195" y="5443220"/>
-            <a:ext cx="848360" cy="848360"/>
+            <a:off x="4924425" y="1796415"/>
+            <a:ext cx="648000" cy="648000"/>
+          </a:xfrm>
+          <a:prstGeom prst="rect">
+            <a:avLst/>
+          </a:prstGeom>
+        </p:spPr>
+      </p:pic>
+      <p:pic>
+        <p:nvPicPr>
+          <p:cNvPr id="53" name="图片 52"/>
+          <p:cNvPicPr>
+            <a:picLocks noChangeAspect="1"/>
+          </p:cNvPicPr>
+          <p:nvPr/>
+        </p:nvPicPr>
+        <p:blipFill>
+          <a:blip r:embed="rId23"/>
+          <a:stretch>
+            <a:fillRect/>
+          </a:stretch>
+        </p:blipFill>
+        <p:spPr>
+          <a:xfrm>
+            <a:off x="8639175" y="1796415"/>
+            <a:ext cx="648000" cy="648000"/>
+          </a:xfrm>
+          <a:prstGeom prst="rect">
+            <a:avLst/>
+          </a:prstGeom>
+        </p:spPr>
+      </p:pic>
+      <p:pic>
+        <p:nvPicPr>
+          <p:cNvPr id="54" name="图片 53"/>
+          <p:cNvPicPr>
+            <a:picLocks noChangeAspect="1"/>
+          </p:cNvPicPr>
+          <p:nvPr/>
+        </p:nvPicPr>
+        <p:blipFill>
+          <a:blip r:embed="rId24"/>
+          <a:stretch>
+            <a:fillRect/>
+          </a:stretch>
+        </p:blipFill>
+        <p:spPr>
+          <a:xfrm>
+            <a:off x="10435590" y="1796415"/>
+            <a:ext cx="648000" cy="648000"/>
           </a:xfrm>
           <a:prstGeom prst="rect">
             <a:avLst/>
@@ -12150,74 +12038,14 @@
 
 <file path=ppt/tags/tag106.xml><?xml version="1.0" encoding="utf-8"?>
 <p:tagLst xmlns:p="http://schemas.openxmlformats.org/presentationml/2006/main">
-  <p:tag name="KSO_WM_BEAUTIFY_FLAG" val=""/>
-</p:tagLst>
-</file>
-
-<file path=ppt/tags/tag107.xml><?xml version="1.0" encoding="utf-8"?>
-<p:tagLst xmlns:p="http://schemas.openxmlformats.org/presentationml/2006/main">
-  <p:tag name="KSO_WM_BEAUTIFY_FLAG" val=""/>
-</p:tagLst>
-</file>
-
-<file path=ppt/tags/tag108.xml><?xml version="1.0" encoding="utf-8"?>
-<p:tagLst xmlns:p="http://schemas.openxmlformats.org/presentationml/2006/main">
-  <p:tag name="KSO_WM_BEAUTIFY_FLAG" val=""/>
-</p:tagLst>
-</file>
-
-<file path=ppt/tags/tag109.xml><?xml version="1.0" encoding="utf-8"?>
-<p:tagLst xmlns:p="http://schemas.openxmlformats.org/presentationml/2006/main">
-  <p:tag name="KSO_WM_BEAUTIFY_FLAG" val=""/>
+  <p:tag name="KSO_WPP_MARK_KEY" val="d5fb1422-8afe-467d-a5b3-9e26682cc7be"/>
+  <p:tag name="COMMONDATA" val="eyJoZGlkIjoiNmI2YzQ3NDc1Yzc4YWRlMWQzM2M3NDZmNTgzNDMzN2MifQ=="/>
 </p:tagLst>
 </file>
 
 <file path=ppt/tags/tag11.xml><?xml version="1.0" encoding="utf-8"?>
 <p:tagLst xmlns:p="http://schemas.openxmlformats.org/presentationml/2006/main">
   <p:tag name="KSO_WM_BEAUTIFY_FLAG" val=""/>
-</p:tagLst>
-</file>
-
-<file path=ppt/tags/tag110.xml><?xml version="1.0" encoding="utf-8"?>
-<p:tagLst xmlns:p="http://schemas.openxmlformats.org/presentationml/2006/main">
-  <p:tag name="KSO_WM_BEAUTIFY_FLAG" val=""/>
-</p:tagLst>
-</file>
-
-<file path=ppt/tags/tag111.xml><?xml version="1.0" encoding="utf-8"?>
-<p:tagLst xmlns:p="http://schemas.openxmlformats.org/presentationml/2006/main">
-  <p:tag name="KSO_WM_BEAUTIFY_FLAG" val=""/>
-</p:tagLst>
-</file>
-
-<file path=ppt/tags/tag112.xml><?xml version="1.0" encoding="utf-8"?>
-<p:tagLst xmlns:p="http://schemas.openxmlformats.org/presentationml/2006/main">
-  <p:tag name="KSO_WM_BEAUTIFY_FLAG" val=""/>
-</p:tagLst>
-</file>
-
-<file path=ppt/tags/tag113.xml><?xml version="1.0" encoding="utf-8"?>
-<p:tagLst xmlns:p="http://schemas.openxmlformats.org/presentationml/2006/main">
-  <p:tag name="KSO_WM_BEAUTIFY_FLAG" val=""/>
-</p:tagLst>
-</file>
-
-<file path=ppt/tags/tag114.xml><?xml version="1.0" encoding="utf-8"?>
-<p:tagLst xmlns:p="http://schemas.openxmlformats.org/presentationml/2006/main">
-  <p:tag name="KSO_WM_BEAUTIFY_FLAG" val=""/>
-</p:tagLst>
-</file>
-
-<file path=ppt/tags/tag115.xml><?xml version="1.0" encoding="utf-8"?>
-<p:tagLst xmlns:p="http://schemas.openxmlformats.org/presentationml/2006/main">
-  <p:tag name="KSO_WM_BEAUTIFY_FLAG" val=""/>
-</p:tagLst>
-</file>
-
-<file path=ppt/tags/tag116.xml><?xml version="1.0" encoding="utf-8"?>
-<p:tagLst xmlns:p="http://schemas.openxmlformats.org/presentationml/2006/main">
-  <p:tag name="KSO_WPP_MARK_KEY" val="d5fb1422-8afe-467d-a5b3-9e26682cc7be"/>
-  <p:tag name="COMMONDATA" val="eyJoZGlkIjoiMTI4M2YxY2FjYWNjZWM3MDE3NDkxNWJiM2I1YTlmZDcifQ=="/>
 </p:tagLst>
 </file>
 
